--- a/卒業論文/2013/曽我勇貴/中間審査ポスター.pptx
+++ b/卒業論文/2013/曽我勇貴/中間審査ポスター.pptx
@@ -235,11 +235,11 @@
           <c:showBubbleSize val="0"/>
         </c:dLbls>
         <c:gapWidth val="150"/>
-        <c:axId val="84712064"/>
-        <c:axId val="85934464"/>
+        <c:axId val="34493952"/>
+        <c:axId val="34509568"/>
       </c:barChart>
       <c:catAx>
-        <c:axId val="84712064"/>
+        <c:axId val="34493952"/>
         <c:scaling>
           <c:orientation val="minMax"/>
         </c:scaling>
@@ -248,7 +248,7 @@
         <c:majorTickMark val="out"/>
         <c:minorTickMark val="none"/>
         <c:tickLblPos val="nextTo"/>
-        <c:crossAx val="85934464"/>
+        <c:crossAx val="34509568"/>
         <c:crosses val="autoZero"/>
         <c:auto val="1"/>
         <c:lblAlgn val="ctr"/>
@@ -256,7 +256,7 @@
         <c:noMultiLvlLbl val="0"/>
       </c:catAx>
       <c:valAx>
-        <c:axId val="85934464"/>
+        <c:axId val="34509568"/>
         <c:scaling>
           <c:orientation val="minMax"/>
         </c:scaling>
@@ -267,7 +267,7 @@
         <c:majorTickMark val="out"/>
         <c:minorTickMark val="none"/>
         <c:tickLblPos val="nextTo"/>
-        <c:crossAx val="84712064"/>
+        <c:crossAx val="34493952"/>
         <c:crosses val="autoZero"/>
         <c:crossBetween val="between"/>
       </c:valAx>
@@ -483,7 +483,7 @@
           <a:p>
             <a:fld id="{9EDE7F41-7D07-42B4-929A-0ACC7CE90CD8}" type="datetimeFigureOut">
               <a:rPr kumimoji="1" lang="ja-JP" altLang="en-US" smtClean="0"/>
-              <a:t>2014/10/10</a:t>
+              <a:t>2014/10/14</a:t>
             </a:fld>
             <a:endParaRPr kumimoji="1" lang="ja-JP" altLang="en-US"/>
           </a:p>
@@ -685,7 +685,7 @@
           <a:p>
             <a:fld id="{9EDE7F41-7D07-42B4-929A-0ACC7CE90CD8}" type="datetimeFigureOut">
               <a:rPr kumimoji="1" lang="ja-JP" altLang="en-US" smtClean="0"/>
-              <a:t>2014/10/10</a:t>
+              <a:t>2014/10/14</a:t>
             </a:fld>
             <a:endParaRPr kumimoji="1" lang="ja-JP" altLang="en-US"/>
           </a:p>
@@ -897,7 +897,7 @@
           <a:p>
             <a:fld id="{9EDE7F41-7D07-42B4-929A-0ACC7CE90CD8}" type="datetimeFigureOut">
               <a:rPr kumimoji="1" lang="ja-JP" altLang="en-US" smtClean="0"/>
-              <a:t>2014/10/10</a:t>
+              <a:t>2014/10/14</a:t>
             </a:fld>
             <a:endParaRPr kumimoji="1" lang="ja-JP" altLang="en-US"/>
           </a:p>
@@ -1099,7 +1099,7 @@
           <a:p>
             <a:fld id="{9EDE7F41-7D07-42B4-929A-0ACC7CE90CD8}" type="datetimeFigureOut">
               <a:rPr kumimoji="1" lang="ja-JP" altLang="en-US" smtClean="0"/>
-              <a:t>2014/10/10</a:t>
+              <a:t>2014/10/14</a:t>
             </a:fld>
             <a:endParaRPr kumimoji="1" lang="ja-JP" altLang="en-US"/>
           </a:p>
@@ -1345,7 +1345,7 @@
           <a:p>
             <a:fld id="{9EDE7F41-7D07-42B4-929A-0ACC7CE90CD8}" type="datetimeFigureOut">
               <a:rPr kumimoji="1" lang="ja-JP" altLang="en-US" smtClean="0"/>
-              <a:t>2014/10/10</a:t>
+              <a:t>2014/10/14</a:t>
             </a:fld>
             <a:endParaRPr kumimoji="1" lang="ja-JP" altLang="en-US"/>
           </a:p>
@@ -1697,7 +1697,7 @@
           <a:p>
             <a:fld id="{9EDE7F41-7D07-42B4-929A-0ACC7CE90CD8}" type="datetimeFigureOut">
               <a:rPr kumimoji="1" lang="ja-JP" altLang="en-US" smtClean="0"/>
-              <a:t>2014/10/10</a:t>
+              <a:t>2014/10/14</a:t>
             </a:fld>
             <a:endParaRPr kumimoji="1" lang="ja-JP" altLang="en-US"/>
           </a:p>
@@ -2188,7 +2188,7 @@
           <a:p>
             <a:fld id="{9EDE7F41-7D07-42B4-929A-0ACC7CE90CD8}" type="datetimeFigureOut">
               <a:rPr kumimoji="1" lang="ja-JP" altLang="en-US" smtClean="0"/>
-              <a:t>2014/10/10</a:t>
+              <a:t>2014/10/14</a:t>
             </a:fld>
             <a:endParaRPr kumimoji="1" lang="ja-JP" altLang="en-US"/>
           </a:p>
@@ -2306,7 +2306,7 @@
           <a:p>
             <a:fld id="{9EDE7F41-7D07-42B4-929A-0ACC7CE90CD8}" type="datetimeFigureOut">
               <a:rPr kumimoji="1" lang="ja-JP" altLang="en-US" smtClean="0"/>
-              <a:t>2014/10/10</a:t>
+              <a:t>2014/10/14</a:t>
             </a:fld>
             <a:endParaRPr kumimoji="1" lang="ja-JP" altLang="en-US"/>
           </a:p>
@@ -2401,7 +2401,7 @@
           <a:p>
             <a:fld id="{9EDE7F41-7D07-42B4-929A-0ACC7CE90CD8}" type="datetimeFigureOut">
               <a:rPr kumimoji="1" lang="ja-JP" altLang="en-US" smtClean="0"/>
-              <a:t>2014/10/10</a:t>
+              <a:t>2014/10/14</a:t>
             </a:fld>
             <a:endParaRPr kumimoji="1" lang="ja-JP" altLang="en-US"/>
           </a:p>
@@ -2710,7 +2710,7 @@
           <a:p>
             <a:fld id="{9EDE7F41-7D07-42B4-929A-0ACC7CE90CD8}" type="datetimeFigureOut">
               <a:rPr kumimoji="1" lang="ja-JP" altLang="en-US" smtClean="0"/>
-              <a:t>2014/10/10</a:t>
+              <a:t>2014/10/14</a:t>
             </a:fld>
             <a:endParaRPr kumimoji="1" lang="ja-JP" altLang="en-US"/>
           </a:p>
@@ -2963,7 +2963,7 @@
           <a:p>
             <a:fld id="{9EDE7F41-7D07-42B4-929A-0ACC7CE90CD8}" type="datetimeFigureOut">
               <a:rPr kumimoji="1" lang="ja-JP" altLang="en-US" smtClean="0"/>
-              <a:t>2014/10/10</a:t>
+              <a:t>2014/10/14</a:t>
             </a:fld>
             <a:endParaRPr kumimoji="1" lang="ja-JP" altLang="en-US"/>
           </a:p>
@@ -3208,7 +3208,7 @@
           <a:p>
             <a:fld id="{9EDE7F41-7D07-42B4-929A-0ACC7CE90CD8}" type="datetimeFigureOut">
               <a:rPr kumimoji="1" lang="ja-JP" altLang="en-US" smtClean="0"/>
-              <a:t>2014/10/10</a:t>
+              <a:t>2014/10/14</a:t>
             </a:fld>
             <a:endParaRPr kumimoji="1" lang="ja-JP" altLang="en-US"/>
           </a:p>
@@ -3609,7 +3609,7 @@
         </p:spPr>
         <p:txBody>
           <a:bodyPr>
-            <a:normAutofit fontScale="90000"/>
+            <a:normAutofit/>
           </a:bodyPr>
           <a:lstStyle/>
           <a:p>
@@ -3619,15 +3619,12 @@
             </a:r>
             <a:r>
               <a:rPr kumimoji="1" lang="ja-JP" altLang="en-US" sz="10700" b="1" dirty="0" smtClean="0"/>
-              <a:t>人的資源マイニング</a:t>
-            </a:r>
-            <a:r>
-              <a:rPr kumimoji="1" lang="en-US" altLang="ja-JP" sz="10700" b="1" dirty="0" smtClean="0"/>
-              <a:t/>
-            </a:r>
-            <a:br>
-              <a:rPr kumimoji="1" lang="en-US" altLang="ja-JP" sz="10700" b="1" dirty="0" smtClean="0"/>
-            </a:br>
+              <a:t>人的資源</a:t>
+            </a:r>
+            <a:r>
+              <a:rPr kumimoji="1" lang="ja-JP" altLang="en-US" sz="10700" b="1" dirty="0" smtClean="0"/>
+              <a:t>マイニング</a:t>
+            </a:r>
             <a:r>
               <a:rPr lang="en-US" altLang="ja-JP" sz="9600" b="1" dirty="0"/>
               <a:t/>
@@ -3636,8 +3633,19 @@
               <a:rPr lang="en-US" altLang="ja-JP" sz="9600" b="1" dirty="0"/>
             </a:br>
             <a:r>
+              <a:rPr lang="en-US" altLang="ja-JP" sz="6700" b="1" dirty="0" smtClean="0"/>
+              <a:t/>
+            </a:r>
+            <a:br>
+              <a:rPr lang="en-US" altLang="ja-JP" sz="6700" b="1" dirty="0" smtClean="0"/>
+            </a:br>
+            <a:r>
               <a:rPr lang="ja-JP" altLang="en-US" sz="6700" b="1" dirty="0" smtClean="0"/>
-              <a:t>ＰＭコース　矢吹研究室　</a:t>
+              <a:t>ＰＭコース</a:t>
+            </a:r>
+            <a:r>
+              <a:rPr lang="ja-JP" altLang="en-US" sz="6700" b="1" dirty="0" smtClean="0"/>
+              <a:t>　矢吹研究室　</a:t>
             </a:r>
             <a:r>
               <a:rPr lang="en-US" altLang="ja-JP" sz="6700" b="1" dirty="0" smtClean="0"/>
@@ -3659,7 +3667,7 @@
         </p:nvSpPr>
         <p:spPr>
           <a:xfrm>
-            <a:off x="608327" y="5149500"/>
+            <a:off x="559568" y="4770835"/>
             <a:ext cx="6552728" cy="1569660"/>
           </a:xfrm>
           <a:prstGeom prst="rect">
@@ -3701,7 +3709,7 @@
         </p:nvSpPr>
         <p:spPr>
           <a:xfrm>
-            <a:off x="559568" y="15888614"/>
+            <a:off x="509355" y="17458274"/>
             <a:ext cx="6552728" cy="1569660"/>
           </a:xfrm>
           <a:prstGeom prst="rect">
@@ -3739,7 +3747,7 @@
         </p:nvSpPr>
         <p:spPr>
           <a:xfrm>
-            <a:off x="433117" y="25260567"/>
+            <a:off x="509429" y="25448993"/>
             <a:ext cx="8512469" cy="1569660"/>
           </a:xfrm>
           <a:prstGeom prst="rect">
@@ -3777,8 +3785,8 @@
         </p:nvSpPr>
         <p:spPr>
           <a:xfrm>
-            <a:off x="612325" y="17660267"/>
-            <a:ext cx="19931979" cy="2769989"/>
+            <a:off x="509355" y="19244443"/>
+            <a:ext cx="19931979" cy="2646878"/>
           </a:xfrm>
           <a:prstGeom prst="rect">
             <a:avLst/>
@@ -3803,30 +3811,54 @@
               <a:t>　</a:t>
             </a:r>
             <a:r>
-              <a:rPr lang="en-US" altLang="ja-JP" dirty="0" smtClean="0"/>
+              <a:rPr lang="en-US" altLang="ja-JP" sz="5400" dirty="0" smtClean="0"/>
               <a:t>Wikipedia</a:t>
             </a:r>
             <a:r>
-              <a:rPr lang="ja-JP" altLang="ja-JP" dirty="0"/>
-              <a:t>の全データをダウンロードしたものを，</a:t>
-            </a:r>
-            <a:r>
-              <a:rPr lang="en-US" altLang="ja-JP" dirty="0"/>
+              <a:rPr lang="ja-JP" altLang="ja-JP" sz="5400" dirty="0"/>
+              <a:t>の全データ</a:t>
+            </a:r>
+            <a:r>
+              <a:rPr lang="ja-JP" altLang="ja-JP" sz="5400" dirty="0" smtClean="0"/>
+              <a:t>を</a:t>
+            </a:r>
+            <a:r>
+              <a:rPr lang="ja-JP" altLang="en-US" sz="5400" dirty="0" smtClean="0"/>
+              <a:t>抽出するために，</a:t>
+            </a:r>
+            <a:r>
+              <a:rPr lang="en-US" altLang="ja-JP" sz="5400" dirty="0" smtClean="0"/>
               <a:t>API</a:t>
             </a:r>
             <a:r>
-              <a:rPr lang="ja-JP" altLang="ja-JP" dirty="0"/>
-              <a:t>で解析する．</a:t>
-            </a:r>
-            <a:r>
-              <a:rPr lang="en-US" altLang="ja-JP" dirty="0"/>
+              <a:rPr lang="ja-JP" altLang="en-US" sz="5400" dirty="0" smtClean="0"/>
+              <a:t>を用いて</a:t>
+            </a:r>
+            <a:r>
+              <a:rPr lang="ja-JP" altLang="ja-JP" sz="5400" dirty="0" smtClean="0"/>
+              <a:t>ダウンロード</a:t>
+            </a:r>
+            <a:r>
+              <a:rPr lang="ja-JP" altLang="ja-JP" sz="5400" dirty="0"/>
+              <a:t>したもの</a:t>
+            </a:r>
+            <a:r>
+              <a:rPr lang="ja-JP" altLang="ja-JP" sz="5400" dirty="0" smtClean="0"/>
+              <a:t>を解析</a:t>
+            </a:r>
+            <a:r>
+              <a:rPr lang="ja-JP" altLang="ja-JP" sz="5400" dirty="0"/>
+              <a:t>する．</a:t>
+            </a:r>
+            <a:r>
+              <a:rPr lang="en-US" altLang="ja-JP" sz="5400" dirty="0"/>
               <a:t>Wikipedia</a:t>
             </a:r>
             <a:r>
-              <a:rPr lang="ja-JP" altLang="ja-JP" dirty="0"/>
+              <a:rPr lang="ja-JP" altLang="ja-JP" sz="5400" dirty="0"/>
               <a:t>のコミット回数のヒストグラムを描き，どのような傾向がみられるか調査する．</a:t>
             </a:r>
-            <a:endParaRPr kumimoji="1" lang="ja-JP" altLang="en-US" dirty="0"/>
+            <a:endParaRPr kumimoji="1" lang="ja-JP" altLang="en-US" sz="5400" dirty="0"/>
           </a:p>
         </p:txBody>
       </p:sp>
@@ -3838,8 +3870,8 @@
         </p:nvSpPr>
         <p:spPr>
           <a:xfrm>
-            <a:off x="598091" y="27321335"/>
-            <a:ext cx="19946213" cy="1938992"/>
+            <a:off x="537666" y="27161840"/>
+            <a:ext cx="19946213" cy="2585323"/>
           </a:xfrm>
           <a:prstGeom prst="rect">
             <a:avLst/>
@@ -3865,16 +3897,19 @@
               </a:spcAft>
             </a:pPr>
             <a:r>
-              <a:rPr lang="ja-JP" altLang="ja-JP" sz="6000" kern="100" dirty="0">
-                <a:latin typeface="Times New Roman"/>
-                <a:ea typeface="ＭＳ 明朝"/>
-                <a:cs typeface="Times New Roman"/>
-              </a:rPr>
-              <a:t>　閲覧数の多い記事の編集者数と総編集回数のヒストグラムを書き，傾向に偏りがあるかを調査し分類する．</a:t>
-            </a:r>
-            <a:endParaRPr lang="ja-JP" altLang="ja-JP" sz="6000" kern="100" dirty="0">
-              <a:effectLst/>
-              <a:latin typeface="Century"/>
+              <a:rPr lang="en-US" altLang="ja-JP" sz="5400" dirty="0"/>
+              <a:t>Wikipedia</a:t>
+            </a:r>
+            <a:r>
+              <a:rPr lang="ja-JP" altLang="ja-JP" sz="5400" dirty="0"/>
+              <a:t>で行われている人的資源がどのように活用されていているかを調査し傾向をグラフにまとめる．さらに，オンラインのオープンな共同作業プロジェクトでの人的資源マネジメントの知見を得る</a:t>
+            </a:r>
+            <a:r>
+              <a:rPr lang="ja-JP" altLang="ja-JP" sz="5400" dirty="0" smtClean="0"/>
+              <a:t>．</a:t>
+            </a:r>
+            <a:endParaRPr lang="en-US" altLang="ja-JP" sz="5400" kern="100" dirty="0" smtClean="0">
+              <a:latin typeface="Times New Roman"/>
               <a:ea typeface="ＭＳ 明朝"/>
               <a:cs typeface="Times New Roman"/>
             </a:endParaRPr>
@@ -3923,14 +3958,14 @@
           <p:nvPr>
             <p:extLst>
               <p:ext uri="{D42A27DB-BD31-4B8C-83A1-F6EECF244321}">
-                <p14:modId xmlns:p14="http://schemas.microsoft.com/office/powerpoint/2010/main" val="1604198911"/>
+                <p14:modId xmlns:p14="http://schemas.microsoft.com/office/powerpoint/2010/main" val="2251360475"/>
               </p:ext>
             </p:extLst>
           </p:nvPr>
         </p:nvGraphicFramePr>
         <p:xfrm>
-          <a:off x="9253241" y="20684603"/>
-          <a:ext cx="11341258" cy="6012668"/>
+          <a:off x="9225752" y="22254263"/>
+          <a:ext cx="11368746" cy="4764390"/>
         </p:xfrm>
         <a:graphic>
           <a:graphicData uri="http://schemas.openxmlformats.org/drawingml/2006/chart">
@@ -3946,7 +3981,7 @@
         </p:nvSpPr>
         <p:spPr>
           <a:xfrm>
-            <a:off x="19046054" y="20756611"/>
+            <a:off x="18962949" y="22300223"/>
             <a:ext cx="1532644" cy="984885"/>
           </a:xfrm>
           <a:prstGeom prst="rect">
@@ -3985,7 +4020,7 @@
         </p:nvSpPr>
         <p:spPr>
           <a:xfrm>
-            <a:off x="9498276" y="25876120"/>
+            <a:off x="9170960" y="26373235"/>
             <a:ext cx="673368" cy="338554"/>
           </a:xfrm>
           <a:prstGeom prst="rect">
@@ -4023,14 +4058,14 @@
           <p:nvPr>
             <p:extLst>
               <p:ext uri="{D42A27DB-BD31-4B8C-83A1-F6EECF244321}">
-                <p14:modId xmlns:p14="http://schemas.microsoft.com/office/powerpoint/2010/main" val="2720942774"/>
+                <p14:modId xmlns:p14="http://schemas.microsoft.com/office/powerpoint/2010/main" val="3283266929"/>
               </p:ext>
             </p:extLst>
           </p:nvPr>
         </p:nvGraphicFramePr>
         <p:xfrm>
-          <a:off x="1279648" y="20544863"/>
-          <a:ext cx="7357432" cy="4532228"/>
+          <a:off x="612280" y="22151292"/>
+          <a:ext cx="8352928" cy="3212856"/>
         </p:xfrm>
         <a:graphic>
           <a:graphicData uri="http://schemas.openxmlformats.org/drawingml/2006/table">
@@ -4039,10 +4074,10 @@
                 <a:tableStyleId>{5C22544A-7EE6-4342-B048-85BDC9FD1C3A}</a:tableStyleId>
               </a:tblPr>
               <a:tblGrid>
-                <a:gridCol w="4888818"/>
-                <a:gridCol w="2468614"/>
+                <a:gridCol w="5556186"/>
+                <a:gridCol w="2796742"/>
               </a:tblGrid>
-              <a:tr h="1133057">
+              <a:tr h="803214">
                 <a:tc>
                   <a:txBody>
                     <a:bodyPr/>
@@ -4180,7 +4215,7 @@
                   </a:tcPr>
                 </a:tc>
               </a:tr>
-              <a:tr h="1133057">
+              <a:tr h="803214">
                 <a:tc>
                   <a:txBody>
                     <a:bodyPr/>
@@ -4320,7 +4355,7 @@
                   </a:tcPr>
                 </a:tc>
               </a:tr>
-              <a:tr h="1133057">
+              <a:tr h="803214">
                 <a:tc>
                   <a:txBody>
                     <a:bodyPr/>
@@ -4454,7 +4489,7 @@
                   </a:tcPr>
                 </a:tc>
               </a:tr>
-              <a:tr h="1133057">
+              <a:tr h="803214">
                 <a:tc>
                   <a:txBody>
                     <a:bodyPr/>
@@ -4600,10 +4635,10 @@
         </p:nvGrpSpPr>
         <p:grpSpPr>
           <a:xfrm>
-            <a:off x="223710" y="7166151"/>
-            <a:ext cx="20709207" cy="8717934"/>
+            <a:off x="6928426" y="13544594"/>
+            <a:ext cx="13955360" cy="4185456"/>
             <a:chOff x="65323" y="7102907"/>
-            <a:chExt cx="20709207" cy="8717934"/>
+            <a:chExt cx="20709207" cy="8717935"/>
           </a:xfrm>
         </p:grpSpPr>
         <p:sp>
@@ -4651,14 +4686,14 @@
             <a:p>
               <a:pPr algn="ctr"/>
               <a:r>
-                <a:rPr kumimoji="1" lang="en-US" altLang="ja-JP" sz="8000" b="1" dirty="0" smtClean="0">
+                <a:rPr kumimoji="1" lang="en-US" altLang="ja-JP" sz="3600" b="1" dirty="0" smtClean="0">
                   <a:solidFill>
                     <a:schemeClr val="tx1"/>
                   </a:solidFill>
                 </a:rPr>
                 <a:t>Wikipedia</a:t>
               </a:r>
-              <a:endParaRPr kumimoji="1" lang="ja-JP" altLang="en-US" sz="8000" b="1" dirty="0">
+              <a:endParaRPr kumimoji="1" lang="ja-JP" altLang="en-US" sz="3600" b="1" dirty="0">
                 <a:solidFill>
                   <a:schemeClr val="tx1"/>
                 </a:solidFill>
@@ -4759,14 +4794,14 @@
             <a:p>
               <a:pPr algn="ctr"/>
               <a:r>
-                <a:rPr kumimoji="1" lang="ja-JP" altLang="en-US" sz="6000" b="1" dirty="0" smtClean="0">
+                <a:rPr kumimoji="1" lang="ja-JP" altLang="en-US" sz="3600" b="1" dirty="0" smtClean="0">
                   <a:solidFill>
                     <a:schemeClr val="tx1"/>
                   </a:solidFill>
                 </a:rPr>
                 <a:t>ボランティアの人々</a:t>
               </a:r>
-              <a:endParaRPr kumimoji="1" lang="ja-JP" altLang="en-US" sz="6000" b="1" dirty="0">
+              <a:endParaRPr kumimoji="1" lang="ja-JP" altLang="en-US" sz="3600" b="1" dirty="0">
                 <a:solidFill>
                   <a:schemeClr val="tx1"/>
                 </a:solidFill>
@@ -4874,14 +4909,14 @@
             <a:p>
               <a:pPr algn="ctr"/>
               <a:r>
-                <a:rPr kumimoji="1" lang="ja-JP" altLang="en-US" b="1" dirty="0" smtClean="0">
+                <a:rPr kumimoji="1" lang="ja-JP" altLang="en-US" sz="3600" b="1" dirty="0" smtClean="0">
                   <a:solidFill>
                     <a:schemeClr val="tx1"/>
                   </a:solidFill>
                 </a:rPr>
                 <a:t>大規模プロジェクト</a:t>
               </a:r>
-              <a:endParaRPr kumimoji="1" lang="ja-JP" altLang="en-US" b="1" dirty="0">
+              <a:endParaRPr kumimoji="1" lang="ja-JP" altLang="en-US" sz="3600" b="1" dirty="0">
                 <a:solidFill>
                   <a:schemeClr val="tx1"/>
                 </a:solidFill>
@@ -4897,7 +4932,7 @@
           </p:nvSpPr>
           <p:spPr>
             <a:xfrm>
-              <a:off x="10369363" y="13260389"/>
+              <a:off x="10384167" y="13260390"/>
               <a:ext cx="10225145" cy="2560452"/>
             </a:xfrm>
             <a:prstGeom prst="hexagon">
@@ -4934,14 +4969,14 @@
             <a:p>
               <a:pPr algn="ctr"/>
               <a:r>
-                <a:rPr kumimoji="1" lang="ja-JP" altLang="en-US" b="1" dirty="0" smtClean="0">
+                <a:rPr kumimoji="1" lang="ja-JP" altLang="en-US" sz="3600" b="1" dirty="0" smtClean="0">
                   <a:solidFill>
                     <a:schemeClr val="tx1"/>
                   </a:solidFill>
                 </a:rPr>
                 <a:t>人的資源マネジメント</a:t>
               </a:r>
-              <a:endParaRPr kumimoji="1" lang="ja-JP" altLang="en-US" b="1" dirty="0">
+              <a:endParaRPr kumimoji="1" lang="ja-JP" altLang="en-US" sz="3600" b="1" dirty="0">
                 <a:solidFill>
                   <a:schemeClr val="tx1"/>
                 </a:solidFill>
@@ -5101,7 +5136,7 @@
               <a:p>
                 <a:pPr algn="ctr"/>
                 <a:r>
-                  <a:rPr kumimoji="1" lang="ja-JP" altLang="en-US" b="1" dirty="0" smtClean="0">
+                  <a:rPr kumimoji="1" lang="ja-JP" altLang="en-US" sz="3600" b="1" dirty="0" smtClean="0">
                     <a:solidFill>
                       <a:schemeClr val="tx1"/>
                     </a:solidFill>
@@ -5109,14 +5144,14 @@
                   <a:t>プロジェクトマネジメン</a:t>
                 </a:r>
                 <a:r>
-                  <a:rPr kumimoji="1" lang="ja-JP" altLang="en-US" dirty="0" smtClean="0">
+                  <a:rPr kumimoji="1" lang="ja-JP" altLang="en-US" sz="3600" dirty="0" smtClean="0">
                     <a:solidFill>
                       <a:schemeClr val="tx1"/>
                     </a:solidFill>
                   </a:rPr>
                   <a:t>ト</a:t>
                 </a:r>
-                <a:endParaRPr kumimoji="1" lang="ja-JP" altLang="en-US" dirty="0">
+                <a:endParaRPr kumimoji="1" lang="ja-JP" altLang="en-US" sz="3600" dirty="0">
                   <a:solidFill>
                     <a:schemeClr val="tx1"/>
                   </a:solidFill>
@@ -5178,6 +5213,140 @@
           </p:txBody>
         </p:sp>
       </p:grpSp>
+      <p:sp>
+        <p:nvSpPr>
+          <p:cNvPr id="18" name="テキスト ボックス 17"/>
+          <p:cNvSpPr txBox="1"/>
+          <p:nvPr/>
+        </p:nvSpPr>
+        <p:spPr>
+          <a:xfrm>
+            <a:off x="646720" y="6797934"/>
+            <a:ext cx="19931978" cy="5909310"/>
+          </a:xfrm>
+          <a:prstGeom prst="rect">
+            <a:avLst/>
+          </a:prstGeom>
+          <a:noFill/>
+          <a:ln>
+            <a:solidFill>
+              <a:schemeClr val="tx1"/>
+            </a:solidFill>
+          </a:ln>
+        </p:spPr>
+        <p:txBody>
+          <a:bodyPr wrap="square" rtlCol="0">
+            <a:spAutoFit/>
+          </a:bodyPr>
+          <a:lstStyle/>
+          <a:p>
+            <a:r>
+              <a:rPr kumimoji="1" lang="en-US" altLang="ja-JP" sz="5400" dirty="0" smtClean="0"/>
+              <a:t>Wikipedia</a:t>
+            </a:r>
+            <a:r>
+              <a:rPr kumimoji="1" lang="ja-JP" altLang="en-US" sz="5400" dirty="0" smtClean="0"/>
+              <a:t>は，多くの人がボランティアで執筆するオンライン百科事典プロジェクトである．</a:t>
+            </a:r>
+            <a:endParaRPr kumimoji="1" lang="en-US" altLang="ja-JP" sz="5400" dirty="0" smtClean="0"/>
+          </a:p>
+          <a:p>
+            <a:r>
+              <a:rPr lang="ja-JP" altLang="ja-JP" sz="5400" dirty="0"/>
+              <a:t>ウィキペディアの成功理由についてはさまざまな考察がされている．例えば，「</a:t>
+            </a:r>
+            <a:r>
+              <a:rPr lang="en-US" altLang="ja-JP" sz="5400" dirty="0"/>
+              <a:t>Google</a:t>
+            </a:r>
+            <a:r>
+              <a:rPr lang="ja-JP" altLang="ja-JP" sz="5400" dirty="0"/>
+              <a:t>」の検索結果の上位</a:t>
+            </a:r>
+            <a:r>
+              <a:rPr lang="en-US" altLang="ja-JP" sz="5400" dirty="0"/>
+              <a:t>(</a:t>
+            </a:r>
+            <a:r>
+              <a:rPr lang="ja-JP" altLang="ja-JP" sz="5400" dirty="0"/>
+              <a:t>最初のページ</a:t>
+            </a:r>
+            <a:r>
+              <a:rPr lang="en-US" altLang="ja-JP" sz="5400" dirty="0"/>
+              <a:t>)</a:t>
+            </a:r>
+            <a:r>
+              <a:rPr lang="ja-JP" altLang="ja-JP" sz="5400" dirty="0"/>
+              <a:t>に「</a:t>
+            </a:r>
+            <a:r>
+              <a:rPr lang="en-US" altLang="ja-JP" sz="5400" dirty="0"/>
+              <a:t>Wikipedia</a:t>
+            </a:r>
+            <a:r>
+              <a:rPr lang="ja-JP" altLang="ja-JP" sz="5400" dirty="0"/>
+              <a:t>」の項目が表示されていることが多い．これは，</a:t>
+            </a:r>
+            <a:r>
+              <a:rPr lang="en-US" altLang="ja-JP" sz="5400" dirty="0"/>
+              <a:t>Wikipedia</a:t>
+            </a:r>
+            <a:r>
+              <a:rPr lang="ja-JP" altLang="ja-JP" sz="5400" dirty="0"/>
+              <a:t>にリンクするウェブページがおおくなった結果であるが，このことによって，</a:t>
+            </a:r>
+            <a:r>
+              <a:rPr lang="en-US" altLang="ja-JP" sz="5400" dirty="0"/>
+              <a:t>Wikipedia</a:t>
+            </a:r>
+            <a:r>
+              <a:rPr lang="ja-JP" altLang="ja-JP" sz="5400" dirty="0"/>
+              <a:t>を利用する人はさらに増えたはずである． </a:t>
+            </a:r>
+          </a:p>
+        </p:txBody>
+      </p:sp>
+      <p:pic>
+        <p:nvPicPr>
+          <p:cNvPr id="1026" name="Picture 2" descr="C:\Users\Y.SOGA\Desktop\ah_logo1.jpg"/>
+          <p:cNvPicPr>
+            <a:picLocks noChangeAspect="1" noChangeArrowheads="1"/>
+          </p:cNvPicPr>
+          <p:nvPr/>
+        </p:nvPicPr>
+        <p:blipFill>
+          <a:blip r:embed="rId3">
+            <a:extLst>
+              <a:ext uri="{28A0092B-C50C-407E-A947-70E740481C1C}">
+                <a14:useLocalDpi xmlns:a14="http://schemas.microsoft.com/office/drawing/2010/main" val="0"/>
+              </a:ext>
+            </a:extLst>
+          </a:blip>
+          <a:srcRect/>
+          <a:stretch>
+            <a:fillRect/>
+          </a:stretch>
+        </p:blipFill>
+        <p:spPr bwMode="auto">
+          <a:xfrm>
+            <a:off x="1467175" y="12813149"/>
+            <a:ext cx="4637088" cy="4478413"/>
+          </a:xfrm>
+          <a:prstGeom prst="rect">
+            <a:avLst/>
+          </a:prstGeom>
+          <a:noFill/>
+          <a:extLst>
+            <a:ext uri="{909E8E84-426E-40DD-AFC4-6F175D3DCCD1}">
+              <a14:hiddenFill xmlns:a14="http://schemas.microsoft.com/office/drawing/2010/main">
+                <a:solidFill>
+                  <a:srgbClr val="FFFFFF"/>
+                </a:solidFill>
+              </a14:hiddenFill>
+            </a:ext>
+          </a:extLst>
+        </p:spPr>
+      </p:pic>
     </p:spTree>
     <p:extLst>
       <p:ext uri="{BB962C8B-B14F-4D97-AF65-F5344CB8AC3E}">
@@ -5194,7 +5363,7 @@
 <file path=ppt/theme/theme1.xml><?xml version="1.0" encoding="utf-8"?>
 <a:theme xmlns:a="http://schemas.openxmlformats.org/drawingml/2006/main" name="Office ​​テーマ">
   <a:themeElements>
-    <a:clrScheme name="紅梅匂">
+    <a:clrScheme name="ユーザー定義 2">
       <a:dk1>
         <a:sysClr val="windowText" lastClr="000000"/>
       </a:dk1>
@@ -5202,10 +5371,10 @@
         <a:sysClr val="window" lastClr="FFFFFF"/>
       </a:lt1>
       <a:dk2>
-        <a:srgbClr val="B43731"/>
+        <a:srgbClr val="FFFFFF"/>
       </a:dk2>
       <a:lt2>
-        <a:srgbClr val="FFFFD2"/>
+        <a:srgbClr val="FFFFFF"/>
       </a:lt2>
       <a:accent1>
         <a:srgbClr val="5B8835"/>

--- a/卒業論文/2013/曽我勇貴/中間審査ポスター.pptx
+++ b/卒業論文/2013/曽我勇貴/中間審査ポスター.pptx
@@ -120,52 +120,21 @@
       <c:style val="2"/>
     </mc:Fallback>
   </mc:AlternateContent>
-  <c:pivotSource>
-    <c:name>[10.10.xlsx]Sheet4!ﾋﾟﾎﾞｯﾄﾃｰﾌﾞﾙ1</c:name>
-    <c:fmtId val="9"/>
-  </c:pivotSource>
+  <c:clrMapOvr bg1="lt1" tx1="dk1" bg2="lt2" tx2="dk2" accent1="accent1" accent2="accent2" accent3="accent3" accent4="accent4" accent5="accent5" accent6="accent6" hlink="hlink" folHlink="folHlink"/>
   <c:chart>
     <c:autoTitleDeleted val="1"/>
-    <c:pivotFmts>
-      <c:pivotFmt>
-        <c:idx val="0"/>
-        <c:marker>
-          <c:symbol val="none"/>
-        </c:marker>
-      </c:pivotFmt>
-      <c:pivotFmt>
-        <c:idx val="1"/>
-        <c:marker>
-          <c:symbol val="none"/>
-        </c:marker>
-      </c:pivotFmt>
-      <c:pivotFmt>
-        <c:idx val="2"/>
-        <c:marker>
-          <c:symbol val="none"/>
-        </c:marker>
-      </c:pivotFmt>
-      <c:pivotFmt>
-        <c:idx val="3"/>
-        <c:marker>
-          <c:symbol val="none"/>
-        </c:marker>
-      </c:pivotFmt>
-      <c:pivotFmt>
-        <c:idx val="4"/>
-        <c:marker>
-          <c:symbol val="none"/>
-        </c:marker>
-      </c:pivotFmt>
-      <c:pivotFmt>
-        <c:idx val="5"/>
-        <c:marker>
-          <c:symbol val="none"/>
-        </c:marker>
-      </c:pivotFmt>
-    </c:pivotFmts>
     <c:plotArea>
-      <c:layout/>
+      <c:layout>
+        <c:manualLayout>
+          <c:layoutTarget val="inner"/>
+          <c:xMode val="edge"/>
+          <c:yMode val="edge"/>
+          <c:x val="7.1347742802539693E-2"/>
+          <c:y val="0.10615319562194239"/>
+          <c:w val="0.88335534825148676"/>
+          <c:h val="0.65174981861933456"/>
+        </c:manualLayout>
+      </c:layout>
       <c:barChart>
         <c:barDir val="col"/>
         <c:grouping val="clustered"/>
@@ -175,52 +144,83 @@
           <c:order val="0"/>
           <c:tx>
             <c:strRef>
-              <c:f>Sheet4!$B$1</c:f>
+              <c:f>[ヒストグラム.xlsx]Sheet1!$H$3</c:f>
               <c:strCache>
                 <c:ptCount val="1"/>
                 <c:pt idx="0">
-                  <c:v>集計</c:v>
+                  <c:v>その回数を記録した日数</c:v>
                 </c:pt>
               </c:strCache>
             </c:strRef>
           </c:tx>
-          <c:spPr>
-            <a:solidFill>
-              <a:schemeClr val="accent2"/>
-            </a:solidFill>
-          </c:spPr>
           <c:invertIfNegative val="0"/>
           <c:cat>
             <c:strRef>
-              <c:f>Sheet4!$A$2:$A$4</c:f>
+              <c:f>[ヒストグラム.xlsx]Sheet1!$G$4:$G$12</c:f>
               <c:strCache>
-                <c:ptCount val="3"/>
+                <c:ptCount val="9"/>
                 <c:pt idx="0">
-                  <c:v>  5回以上</c:v>
+                  <c:v>0-99</c:v>
                 </c:pt>
                 <c:pt idx="1">
-                  <c:v> 10回以上</c:v>
+                  <c:v>100-199</c:v>
                 </c:pt>
                 <c:pt idx="2">
-                  <c:v>  100回以上</c:v>
+                  <c:v>200-299</c:v>
+                </c:pt>
+                <c:pt idx="3">
+                  <c:v>300-399</c:v>
+                </c:pt>
+                <c:pt idx="4">
+                  <c:v>400-499</c:v>
+                </c:pt>
+                <c:pt idx="5">
+                  <c:v>500-599</c:v>
+                </c:pt>
+                <c:pt idx="6">
+                  <c:v>600-699</c:v>
+                </c:pt>
+                <c:pt idx="7">
+                  <c:v>700-799</c:v>
+                </c:pt>
+                <c:pt idx="8">
+                  <c:v>800-899</c:v>
                 </c:pt>
               </c:strCache>
             </c:strRef>
           </c:cat>
           <c:val>
             <c:numRef>
-              <c:f>Sheet4!$B$2:$B$4</c:f>
+              <c:f>[ヒストグラム.xlsx]Sheet1!$H$4:$H$12</c:f>
               <c:numCache>
                 <c:formatCode>General</c:formatCode>
-                <c:ptCount val="3"/>
+                <c:ptCount val="9"/>
                 <c:pt idx="0">
-                  <c:v>412300</c:v>
+                  <c:v>0</c:v>
                 </c:pt>
                 <c:pt idx="1">
-                  <c:v>4442984</c:v>
+                  <c:v>6</c:v>
                 </c:pt>
                 <c:pt idx="2">
-                  <c:v>41092</c:v>
+                  <c:v>4</c:v>
+                </c:pt>
+                <c:pt idx="3">
+                  <c:v>15</c:v>
+                </c:pt>
+                <c:pt idx="4">
+                  <c:v>4</c:v>
+                </c:pt>
+                <c:pt idx="5">
+                  <c:v>0</c:v>
+                </c:pt>
+                <c:pt idx="6">
+                  <c:v>0</c:v>
+                </c:pt>
+                <c:pt idx="7">
+                  <c:v>1</c:v>
+                </c:pt>
+                <c:pt idx="8">
+                  <c:v>0</c:v>
                 </c:pt>
               </c:numCache>
             </c:numRef>
@@ -235,11 +235,11 @@
           <c:showBubbleSize val="0"/>
         </c:dLbls>
         <c:gapWidth val="150"/>
-        <c:axId val="34493952"/>
-        <c:axId val="34509568"/>
+        <c:axId val="86299776"/>
+        <c:axId val="86301312"/>
       </c:barChart>
       <c:catAx>
-        <c:axId val="34493952"/>
+        <c:axId val="86299776"/>
         <c:scaling>
           <c:orientation val="minMax"/>
         </c:scaling>
@@ -248,7 +248,7 @@
         <c:majorTickMark val="out"/>
         <c:minorTickMark val="none"/>
         <c:tickLblPos val="nextTo"/>
-        <c:crossAx val="34509568"/>
+        <c:crossAx val="86301312"/>
         <c:crosses val="autoZero"/>
         <c:auto val="1"/>
         <c:lblAlgn val="ctr"/>
@@ -256,7 +256,7 @@
         <c:noMultiLvlLbl val="0"/>
       </c:catAx>
       <c:valAx>
-        <c:axId val="34509568"/>
+        <c:axId val="86301312"/>
         <c:scaling>
           <c:orientation val="minMax"/>
         </c:scaling>
@@ -267,7 +267,7 @@
         <c:majorTickMark val="out"/>
         <c:minorTickMark val="none"/>
         <c:tickLblPos val="nextTo"/>
-        <c:crossAx val="34493952"/>
+        <c:crossAx val="86299776"/>
         <c:crosses val="autoZero"/>
         <c:crossBetween val="between"/>
       </c:valAx>
@@ -277,29 +277,80 @@
     <c:showDLblsOverMax val="0"/>
   </c:chart>
   <c:spPr>
-    <a:solidFill>
-      <a:schemeClr val="bg1"/>
-    </a:solidFill>
     <a:ln>
       <a:solidFill>
-        <a:schemeClr val="tx1"/>
+        <a:sysClr val="windowText" lastClr="000000"/>
       </a:solidFill>
     </a:ln>
   </c:spPr>
-  <c:externalData r:id="rId1">
+  <c:txPr>
+    <a:bodyPr/>
+    <a:lstStyle/>
+    <a:p>
+      <a:pPr>
+        <a:defRPr sz="1800" b="1"/>
+      </a:pPr>
+      <a:endParaRPr lang="ja-JP"/>
+    </a:p>
+  </c:txPr>
+  <c:externalData r:id="rId2">
     <c:autoUpdate val="0"/>
   </c:externalData>
-  <c:extLst>
-    <c:ext xmlns:c14="http://schemas.microsoft.com/office/drawing/2007/8/2/chart" uri="{781A3756-C4B2-4CAC-9D66-4F8BD8637D16}">
-      <c14:pivotOptions>
-        <c14:dropZoneFilter val="1"/>
-        <c14:dropZoneCategories val="1"/>
-        <c14:dropZoneData val="1"/>
-        <c14:dropZonesVisible val="1"/>
-      </c14:pivotOptions>
-    </c:ext>
-  </c:extLst>
+  <c:userShapes r:id="rId3"/>
 </c:chartSpace>
+</file>
+
+<file path=ppt/drawings/drawing1.xml><?xml version="1.0" encoding="utf-8"?>
+<c:userShapes xmlns:c="http://schemas.openxmlformats.org/drawingml/2006/chart">
+  <cdr:relSizeAnchor xmlns:cdr="http://schemas.openxmlformats.org/drawingml/2006/chartDrawing">
+    <cdr:from>
+      <cdr:x>0.42293</cdr:x>
+      <cdr:y>0.86353</cdr:y>
+    </cdr:from>
+    <cdr:to>
+      <cdr:x>0.64447</cdr:x>
+      <cdr:y>0.97235</cdr:y>
+    </cdr:to>
+    <cdr:sp macro="" textlink="">
+      <cdr:nvSpPr>
+        <cdr:cNvPr id="2" name="テキスト ボックス 1"/>
+        <cdr:cNvSpPr txBox="1"/>
+      </cdr:nvSpPr>
+      <cdr:spPr>
+        <a:xfrm xmlns:a="http://schemas.openxmlformats.org/drawingml/2006/main">
+          <a:off x="4772310" y="3720637"/>
+          <a:ext cx="2499921" cy="468832"/>
+        </a:xfrm>
+        <a:prstGeom xmlns:a="http://schemas.openxmlformats.org/drawingml/2006/main" prst="rect">
+          <a:avLst/>
+        </a:prstGeom>
+      </cdr:spPr>
+      <cdr:txBody>
+        <a:bodyPr xmlns:a="http://schemas.openxmlformats.org/drawingml/2006/main" vertOverflow="clip" wrap="square" rtlCol="0"/>
+        <a:lstStyle xmlns:a="http://schemas.openxmlformats.org/drawingml/2006/main"/>
+        <a:p xmlns:a="http://schemas.openxmlformats.org/drawingml/2006/main">
+          <a:r>
+            <a:rPr lang="ja-JP" altLang="en-US" sz="2400" dirty="0" smtClean="0"/>
+            <a:t>閲覧回数　</a:t>
+          </a:r>
+          <a:r>
+            <a:rPr lang="en-US" altLang="ja-JP" sz="2400" dirty="0" smtClean="0"/>
+            <a:t>(</a:t>
+          </a:r>
+          <a:r>
+            <a:rPr lang="ja-JP" altLang="en-US" sz="2400" dirty="0" smtClean="0"/>
+            <a:t>回</a:t>
+          </a:r>
+          <a:r>
+            <a:rPr lang="en-US" altLang="ja-JP" sz="2400" dirty="0" smtClean="0"/>
+            <a:t>)</a:t>
+          </a:r>
+          <a:endParaRPr lang="ja-JP" altLang="en-US" sz="2400" dirty="0"/>
+        </a:p>
+      </cdr:txBody>
+    </cdr:sp>
+  </cdr:relSizeAnchor>
+</c:userShapes>
 </file>
 
 <file path=ppt/slideLayouts/slideLayout1.xml><?xml version="1.0" encoding="utf-8"?>
@@ -483,7 +534,7 @@
           <a:p>
             <a:fld id="{9EDE7F41-7D07-42B4-929A-0ACC7CE90CD8}" type="datetimeFigureOut">
               <a:rPr kumimoji="1" lang="ja-JP" altLang="en-US" smtClean="0"/>
-              <a:t>2014/10/14</a:t>
+              <a:t>2014/10/16</a:t>
             </a:fld>
             <a:endParaRPr kumimoji="1" lang="ja-JP" altLang="en-US"/>
           </a:p>
@@ -685,7 +736,7 @@
           <a:p>
             <a:fld id="{9EDE7F41-7D07-42B4-929A-0ACC7CE90CD8}" type="datetimeFigureOut">
               <a:rPr kumimoji="1" lang="ja-JP" altLang="en-US" smtClean="0"/>
-              <a:t>2014/10/14</a:t>
+              <a:t>2014/10/16</a:t>
             </a:fld>
             <a:endParaRPr kumimoji="1" lang="ja-JP" altLang="en-US"/>
           </a:p>
@@ -897,7 +948,7 @@
           <a:p>
             <a:fld id="{9EDE7F41-7D07-42B4-929A-0ACC7CE90CD8}" type="datetimeFigureOut">
               <a:rPr kumimoji="1" lang="ja-JP" altLang="en-US" smtClean="0"/>
-              <a:t>2014/10/14</a:t>
+              <a:t>2014/10/16</a:t>
             </a:fld>
             <a:endParaRPr kumimoji="1" lang="ja-JP" altLang="en-US"/>
           </a:p>
@@ -1099,7 +1150,7 @@
           <a:p>
             <a:fld id="{9EDE7F41-7D07-42B4-929A-0ACC7CE90CD8}" type="datetimeFigureOut">
               <a:rPr kumimoji="1" lang="ja-JP" altLang="en-US" smtClean="0"/>
-              <a:t>2014/10/14</a:t>
+              <a:t>2014/10/16</a:t>
             </a:fld>
             <a:endParaRPr kumimoji="1" lang="ja-JP" altLang="en-US"/>
           </a:p>
@@ -1345,7 +1396,7 @@
           <a:p>
             <a:fld id="{9EDE7F41-7D07-42B4-929A-0ACC7CE90CD8}" type="datetimeFigureOut">
               <a:rPr kumimoji="1" lang="ja-JP" altLang="en-US" smtClean="0"/>
-              <a:t>2014/10/14</a:t>
+              <a:t>2014/10/16</a:t>
             </a:fld>
             <a:endParaRPr kumimoji="1" lang="ja-JP" altLang="en-US"/>
           </a:p>
@@ -1697,7 +1748,7 @@
           <a:p>
             <a:fld id="{9EDE7F41-7D07-42B4-929A-0ACC7CE90CD8}" type="datetimeFigureOut">
               <a:rPr kumimoji="1" lang="ja-JP" altLang="en-US" smtClean="0"/>
-              <a:t>2014/10/14</a:t>
+              <a:t>2014/10/16</a:t>
             </a:fld>
             <a:endParaRPr kumimoji="1" lang="ja-JP" altLang="en-US"/>
           </a:p>
@@ -2188,7 +2239,7 @@
           <a:p>
             <a:fld id="{9EDE7F41-7D07-42B4-929A-0ACC7CE90CD8}" type="datetimeFigureOut">
               <a:rPr kumimoji="1" lang="ja-JP" altLang="en-US" smtClean="0"/>
-              <a:t>2014/10/14</a:t>
+              <a:t>2014/10/16</a:t>
             </a:fld>
             <a:endParaRPr kumimoji="1" lang="ja-JP" altLang="en-US"/>
           </a:p>
@@ -2306,7 +2357,7 @@
           <a:p>
             <a:fld id="{9EDE7F41-7D07-42B4-929A-0ACC7CE90CD8}" type="datetimeFigureOut">
               <a:rPr kumimoji="1" lang="ja-JP" altLang="en-US" smtClean="0"/>
-              <a:t>2014/10/14</a:t>
+              <a:t>2014/10/16</a:t>
             </a:fld>
             <a:endParaRPr kumimoji="1" lang="ja-JP" altLang="en-US"/>
           </a:p>
@@ -2401,7 +2452,7 @@
           <a:p>
             <a:fld id="{9EDE7F41-7D07-42B4-929A-0ACC7CE90CD8}" type="datetimeFigureOut">
               <a:rPr kumimoji="1" lang="ja-JP" altLang="en-US" smtClean="0"/>
-              <a:t>2014/10/14</a:t>
+              <a:t>2014/10/16</a:t>
             </a:fld>
             <a:endParaRPr kumimoji="1" lang="ja-JP" altLang="en-US"/>
           </a:p>
@@ -2710,7 +2761,7 @@
           <a:p>
             <a:fld id="{9EDE7F41-7D07-42B4-929A-0ACC7CE90CD8}" type="datetimeFigureOut">
               <a:rPr kumimoji="1" lang="ja-JP" altLang="en-US" smtClean="0"/>
-              <a:t>2014/10/14</a:t>
+              <a:t>2014/10/16</a:t>
             </a:fld>
             <a:endParaRPr kumimoji="1" lang="ja-JP" altLang="en-US"/>
           </a:p>
@@ -2963,7 +3014,7 @@
           <a:p>
             <a:fld id="{9EDE7F41-7D07-42B4-929A-0ACC7CE90CD8}" type="datetimeFigureOut">
               <a:rPr kumimoji="1" lang="ja-JP" altLang="en-US" smtClean="0"/>
-              <a:t>2014/10/14</a:t>
+              <a:t>2014/10/16</a:t>
             </a:fld>
             <a:endParaRPr kumimoji="1" lang="ja-JP" altLang="en-US"/>
           </a:p>
@@ -3208,7 +3259,7 @@
           <a:p>
             <a:fld id="{9EDE7F41-7D07-42B4-929A-0ACC7CE90CD8}" type="datetimeFigureOut">
               <a:rPr kumimoji="1" lang="ja-JP" altLang="en-US" smtClean="0"/>
-              <a:t>2014/10/14</a:t>
+              <a:t>2014/10/16</a:t>
             </a:fld>
             <a:endParaRPr kumimoji="1" lang="ja-JP" altLang="en-US"/>
           </a:p>
@@ -3619,11 +3670,7 @@
             </a:r>
             <a:r>
               <a:rPr kumimoji="1" lang="ja-JP" altLang="en-US" sz="10700" b="1" dirty="0" smtClean="0"/>
-              <a:t>人的資源</a:t>
-            </a:r>
-            <a:r>
-              <a:rPr kumimoji="1" lang="ja-JP" altLang="en-US" sz="10700" b="1" dirty="0" smtClean="0"/>
-              <a:t>マイニング</a:t>
+              <a:t>人的資源マイニング</a:t>
             </a:r>
             <a:r>
               <a:rPr lang="en-US" altLang="ja-JP" sz="9600" b="1" dirty="0"/>
@@ -3641,11 +3688,7 @@
             </a:br>
             <a:r>
               <a:rPr lang="ja-JP" altLang="en-US" sz="6700" b="1" dirty="0" smtClean="0"/>
-              <a:t>ＰＭコース</a:t>
-            </a:r>
-            <a:r>
-              <a:rPr lang="ja-JP" altLang="en-US" sz="6700" b="1" dirty="0" smtClean="0"/>
-              <a:t>　矢吹研究室　</a:t>
+              <a:t>ＰＭコース　矢吹研究室　</a:t>
             </a:r>
             <a:r>
               <a:rPr lang="en-US" altLang="ja-JP" sz="6700" b="1" dirty="0" smtClean="0"/>
@@ -3709,7 +3752,7 @@
         </p:nvSpPr>
         <p:spPr>
           <a:xfrm>
-            <a:off x="509355" y="17458274"/>
+            <a:off x="373935" y="16556875"/>
             <a:ext cx="6552728" cy="1569660"/>
           </a:xfrm>
           <a:prstGeom prst="rect">
@@ -3785,7 +3828,7 @@
         </p:nvSpPr>
         <p:spPr>
           <a:xfrm>
-            <a:off x="509355" y="19244443"/>
+            <a:off x="373935" y="18524363"/>
             <a:ext cx="19931979" cy="2646878"/>
           </a:xfrm>
           <a:prstGeom prst="rect">
@@ -3806,10 +3849,6 @@
           </a:bodyPr>
           <a:lstStyle/>
           <a:p>
-            <a:r>
-              <a:rPr lang="ja-JP" altLang="en-US" dirty="0" smtClean="0"/>
-              <a:t>　</a:t>
-            </a:r>
             <a:r>
               <a:rPr lang="en-US" altLang="ja-JP" sz="5400" dirty="0" smtClean="0"/>
               <a:t>Wikipedia</a:t>
@@ -3916,139 +3955,6 @@
           </a:p>
         </p:txBody>
       </p:sp>
-      <p:sp>
-        <p:nvSpPr>
-          <p:cNvPr id="21" name="テキスト ボックス 20"/>
-          <p:cNvSpPr txBox="1"/>
-          <p:nvPr/>
-        </p:nvSpPr>
-        <p:spPr>
-          <a:xfrm>
-            <a:off x="8455370" y="22772835"/>
-            <a:ext cx="363420" cy="984885"/>
-          </a:xfrm>
-          <a:prstGeom prst="rect">
-            <a:avLst/>
-          </a:prstGeom>
-          <a:solidFill>
-            <a:schemeClr val="bg1"/>
-          </a:solidFill>
-          <a:ln>
-            <a:solidFill>
-              <a:schemeClr val="bg1"/>
-            </a:solidFill>
-          </a:ln>
-        </p:spPr>
-        <p:txBody>
-          <a:bodyPr wrap="square" rtlCol="0">
-            <a:spAutoFit/>
-          </a:bodyPr>
-          <a:lstStyle/>
-          <a:p>
-            <a:endParaRPr kumimoji="1" lang="ja-JP" altLang="en-US" dirty="0"/>
-          </a:p>
-        </p:txBody>
-      </p:sp>
-      <p:graphicFrame>
-        <p:nvGraphicFramePr>
-          <p:cNvPr id="28" name="グラフ 27"/>
-          <p:cNvGraphicFramePr>
-            <a:graphicFrameLocks/>
-          </p:cNvGraphicFramePr>
-          <p:nvPr>
-            <p:extLst>
-              <p:ext uri="{D42A27DB-BD31-4B8C-83A1-F6EECF244321}">
-                <p14:modId xmlns:p14="http://schemas.microsoft.com/office/powerpoint/2010/main" val="2251360475"/>
-              </p:ext>
-            </p:extLst>
-          </p:nvPr>
-        </p:nvGraphicFramePr>
-        <p:xfrm>
-          <a:off x="9225752" y="22254263"/>
-          <a:ext cx="11368746" cy="4764390"/>
-        </p:xfrm>
-        <a:graphic>
-          <a:graphicData uri="http://schemas.openxmlformats.org/drawingml/2006/chart">
-            <c:chart xmlns:c="http://schemas.openxmlformats.org/drawingml/2006/chart" xmlns:r="http://schemas.openxmlformats.org/officeDocument/2006/relationships" r:id="rId2"/>
-          </a:graphicData>
-        </a:graphic>
-      </p:graphicFrame>
-      <p:sp>
-        <p:nvSpPr>
-          <p:cNvPr id="15" name="テキスト ボックス 14"/>
-          <p:cNvSpPr txBox="1"/>
-          <p:nvPr/>
-        </p:nvSpPr>
-        <p:spPr>
-          <a:xfrm>
-            <a:off x="18962949" y="22300223"/>
-            <a:ext cx="1532644" cy="984885"/>
-          </a:xfrm>
-          <a:prstGeom prst="rect">
-            <a:avLst/>
-          </a:prstGeom>
-          <a:solidFill>
-            <a:schemeClr val="bg1"/>
-          </a:solidFill>
-          <a:ln>
-            <a:noFill/>
-          </a:ln>
-        </p:spPr>
-        <p:txBody>
-          <a:bodyPr wrap="square" rtlCol="0">
-            <a:spAutoFit/>
-          </a:bodyPr>
-          <a:lstStyle/>
-          <a:p>
-            <a:r>
-              <a:rPr lang="ja-JP" altLang="en-US" dirty="0" smtClean="0"/>
-              <a:t>図</a:t>
-            </a:r>
-            <a:r>
-              <a:rPr lang="en-US" altLang="ja-JP" dirty="0" smtClean="0"/>
-              <a:t>1</a:t>
-            </a:r>
-            <a:endParaRPr kumimoji="1" lang="ja-JP" altLang="en-US" dirty="0"/>
-          </a:p>
-        </p:txBody>
-      </p:sp>
-      <p:sp>
-        <p:nvSpPr>
-          <p:cNvPr id="22" name="テキスト ボックス 21"/>
-          <p:cNvSpPr txBox="1"/>
-          <p:nvPr/>
-        </p:nvSpPr>
-        <p:spPr>
-          <a:xfrm>
-            <a:off x="9170960" y="26373235"/>
-            <a:ext cx="673368" cy="338554"/>
-          </a:xfrm>
-          <a:prstGeom prst="rect">
-            <a:avLst/>
-          </a:prstGeom>
-          <a:noFill/>
-        </p:spPr>
-        <p:txBody>
-          <a:bodyPr wrap="square" rtlCol="0">
-            <a:spAutoFit/>
-          </a:bodyPr>
-          <a:lstStyle/>
-          <a:p>
-            <a:r>
-              <a:rPr kumimoji="1" lang="en-US" altLang="ja-JP" sz="1600" dirty="0" smtClean="0"/>
-              <a:t>(</a:t>
-            </a:r>
-            <a:r>
-              <a:rPr kumimoji="1" lang="ja-JP" altLang="en-US" sz="1600" dirty="0" smtClean="0"/>
-              <a:t>人</a:t>
-            </a:r>
-            <a:r>
-              <a:rPr kumimoji="1" lang="en-US" altLang="ja-JP" sz="1600" dirty="0" smtClean="0"/>
-              <a:t>)</a:t>
-            </a:r>
-          </a:p>
-        </p:txBody>
-      </p:sp>
       <p:graphicFrame>
         <p:nvGraphicFramePr>
           <p:cNvPr id="24" name="表 23"/>
@@ -4058,14 +3964,14 @@
           <p:nvPr>
             <p:extLst>
               <p:ext uri="{D42A27DB-BD31-4B8C-83A1-F6EECF244321}">
-                <p14:modId xmlns:p14="http://schemas.microsoft.com/office/powerpoint/2010/main" val="3283266929"/>
+                <p14:modId xmlns:p14="http://schemas.microsoft.com/office/powerpoint/2010/main" val="2416766843"/>
               </p:ext>
             </p:extLst>
           </p:nvPr>
         </p:nvGraphicFramePr>
         <p:xfrm>
-          <a:off x="612280" y="22151292"/>
-          <a:ext cx="8352928" cy="3212856"/>
+          <a:off x="1875411" y="21269031"/>
+          <a:ext cx="5721645" cy="2295892"/>
         </p:xfrm>
         <a:graphic>
           <a:graphicData uri="http://schemas.openxmlformats.org/drawingml/2006/table">
@@ -4074,10 +3980,10 @@
                 <a:tableStyleId>{5C22544A-7EE6-4342-B048-85BDC9FD1C3A}</a:tableStyleId>
               </a:tblPr>
               <a:tblGrid>
-                <a:gridCol w="5556186"/>
-                <a:gridCol w="2796742"/>
+                <a:gridCol w="3805914"/>
+                <a:gridCol w="1915731"/>
               </a:tblGrid>
-              <a:tr h="803214">
+              <a:tr h="573973">
                 <a:tc>
                   <a:txBody>
                     <a:bodyPr/>
@@ -4152,7 +4058,17 @@
                     <a:bodyPr/>
                     <a:lstStyle/>
                     <a:p>
-                      <a:pPr algn="ctr" fontAlgn="ctr"/>
+                      <a:pPr algn="r" fontAlgn="ctr"/>
+                      <a:r>
+                        <a:rPr lang="en-US" altLang="ja-JP" sz="2800" b="1" i="0" u="none" strike="noStrike" dirty="0" smtClean="0">
+                          <a:solidFill>
+                            <a:srgbClr val="000000"/>
+                          </a:solidFill>
+                          <a:effectLst/>
+                          <a:latin typeface="ＭＳ Ｐゴシック"/>
+                        </a:rPr>
+                        <a:t>(</a:t>
+                      </a:r>
                       <a:r>
                         <a:rPr lang="ja-JP" altLang="en-US" sz="2800" b="1" i="0" u="none" strike="noStrike" dirty="0" smtClean="0">
                           <a:solidFill>
@@ -4162,6 +4078,16 @@
                           <a:latin typeface="ＭＳ Ｐゴシック"/>
                         </a:rPr>
                         <a:t>人</a:t>
+                      </a:r>
+                      <a:r>
+                        <a:rPr lang="en-US" altLang="ja-JP" sz="2800" b="1" i="0" u="none" strike="noStrike" dirty="0" smtClean="0">
+                          <a:solidFill>
+                            <a:srgbClr val="000000"/>
+                          </a:solidFill>
+                          <a:effectLst/>
+                          <a:latin typeface="ＭＳ Ｐゴシック"/>
+                        </a:rPr>
+                        <a:t>)</a:t>
                       </a:r>
                       <a:endParaRPr lang="ja-JP" altLang="en-US" sz="2800" b="1" i="0" u="none" strike="noStrike" dirty="0">
                         <a:solidFill>
@@ -4215,7 +4141,7 @@
                   </a:tcPr>
                 </a:tc>
               </a:tr>
-              <a:tr h="803214">
+              <a:tr h="573973">
                 <a:tc>
                   <a:txBody>
                     <a:bodyPr/>
@@ -4238,7 +4164,25 @@
                         <a:rPr lang="ja-JP" altLang="en-US" sz="2800" b="1" u="none" strike="noStrike" dirty="0">
                           <a:effectLst/>
                         </a:rPr>
-                        <a:t>回以上</a:t>
+                        <a:t>回</a:t>
+                      </a:r>
+                      <a:r>
+                        <a:rPr lang="ja-JP" altLang="en-US" sz="2800" b="1" u="none" strike="noStrike" dirty="0" smtClean="0">
+                          <a:effectLst/>
+                        </a:rPr>
+                        <a:t>以上</a:t>
+                      </a:r>
+                      <a:r>
+                        <a:rPr lang="en-US" altLang="ja-JP" sz="2800" b="1" u="none" strike="noStrike" dirty="0" smtClean="0">
+                          <a:effectLst/>
+                        </a:rPr>
+                        <a:t>10</a:t>
+                      </a:r>
+                      <a:r>
+                        <a:rPr lang="ja-JP" altLang="en-US" sz="2800" b="1" u="none" strike="noStrike" dirty="0" smtClean="0">
+                          <a:effectLst/>
+                        </a:rPr>
+                        <a:t>回未満</a:t>
                       </a:r>
                       <a:endParaRPr lang="ja-JP" altLang="en-US" sz="2800" b="1" i="0" u="none" strike="noStrike" dirty="0">
                         <a:solidFill>
@@ -4296,12 +4240,12 @@
                     <a:bodyPr/>
                     <a:lstStyle/>
                     <a:p>
-                      <a:pPr algn="ctr" fontAlgn="ctr"/>
+                      <a:pPr algn="r" fontAlgn="ctr"/>
                       <a:r>
-                        <a:rPr lang="en-US" altLang="ja-JP" sz="2800" b="1" u="none" strike="noStrike" dirty="0">
+                        <a:rPr lang="en-US" altLang="ja-JP" sz="2800" b="1" u="none" strike="noStrike" dirty="0" smtClean="0">
                           <a:effectLst/>
                         </a:rPr>
-                        <a:t>412300</a:t>
+                        <a:t>412,300</a:t>
                       </a:r>
                       <a:endParaRPr lang="en-US" altLang="ja-JP" sz="2800" b="1" i="0" u="none" strike="noStrike" dirty="0">
                         <a:solidFill>
@@ -4355,7 +4299,7 @@
                   </a:tcPr>
                 </a:tc>
               </a:tr>
-              <a:tr h="803214">
+              <a:tr h="573973">
                 <a:tc>
                   <a:txBody>
                     <a:bodyPr/>
@@ -4372,7 +4316,25 @@
                         <a:rPr lang="ja-JP" altLang="en-US" sz="2800" b="1" u="none" strike="noStrike" dirty="0">
                           <a:effectLst/>
                         </a:rPr>
-                        <a:t>回以上</a:t>
+                        <a:t>回</a:t>
+                      </a:r>
+                      <a:r>
+                        <a:rPr lang="ja-JP" altLang="en-US" sz="2800" b="1" u="none" strike="noStrike" dirty="0" smtClean="0">
+                          <a:effectLst/>
+                        </a:rPr>
+                        <a:t>以上</a:t>
+                      </a:r>
+                      <a:r>
+                        <a:rPr lang="en-US" altLang="ja-JP" sz="2800" b="1" u="none" strike="noStrike" dirty="0" smtClean="0">
+                          <a:effectLst/>
+                        </a:rPr>
+                        <a:t>100</a:t>
+                      </a:r>
+                      <a:r>
+                        <a:rPr lang="ja-JP" altLang="en-US" sz="2800" b="1" u="none" strike="noStrike" dirty="0" smtClean="0">
+                          <a:effectLst/>
+                        </a:rPr>
+                        <a:t>回未満</a:t>
                       </a:r>
                       <a:endParaRPr lang="ja-JP" altLang="en-US" sz="2800" b="1" i="0" u="none" strike="noStrike" dirty="0">
                         <a:solidFill>
@@ -4430,12 +4392,12 @@
                     <a:bodyPr/>
                     <a:lstStyle/>
                     <a:p>
-                      <a:pPr algn="ctr" fontAlgn="ctr"/>
+                      <a:pPr algn="r" fontAlgn="ctr"/>
                       <a:r>
-                        <a:rPr lang="en-US" altLang="ja-JP" sz="2800" b="1" u="none" strike="noStrike" dirty="0">
+                        <a:rPr lang="en-US" altLang="ja-JP" sz="2800" b="1" u="none" strike="noStrike" dirty="0" smtClean="0">
                           <a:effectLst/>
                         </a:rPr>
-                        <a:t>4442984</a:t>
+                        <a:t>4,442,984</a:t>
                       </a:r>
                       <a:endParaRPr lang="en-US" altLang="ja-JP" sz="2800" b="1" i="0" u="none" strike="noStrike" dirty="0">
                         <a:solidFill>
@@ -4489,7 +4451,7 @@
                   </a:tcPr>
                 </a:tc>
               </a:tr>
-              <a:tr h="803214">
+              <a:tr h="573973">
                 <a:tc>
                   <a:txBody>
                     <a:bodyPr/>
@@ -4564,12 +4526,12 @@
                     <a:bodyPr/>
                     <a:lstStyle/>
                     <a:p>
-                      <a:pPr algn="ctr" fontAlgn="ctr"/>
+                      <a:pPr algn="r" fontAlgn="ctr"/>
                       <a:r>
-                        <a:rPr lang="en-US" altLang="ja-JP" sz="2800" b="1" u="none" strike="noStrike" dirty="0">
+                        <a:rPr lang="en-US" altLang="ja-JP" sz="2800" b="1" u="none" strike="noStrike" dirty="0" smtClean="0">
                           <a:effectLst/>
                         </a:rPr>
-                        <a:t>41092</a:t>
+                        <a:t>41,092</a:t>
                       </a:r>
                       <a:endParaRPr lang="en-US" altLang="ja-JP" sz="2800" b="1" i="0" u="none" strike="noStrike" dirty="0">
                         <a:solidFill>
@@ -4629,16 +4591,16 @@
       </p:graphicFrame>
       <p:grpSp>
         <p:nvGrpSpPr>
-          <p:cNvPr id="1024" name="グループ化 1023"/>
+          <p:cNvPr id="16" name="グループ化 15"/>
           <p:cNvGrpSpPr/>
           <p:nvPr/>
         </p:nvGrpSpPr>
         <p:grpSpPr>
           <a:xfrm>
-            <a:off x="6928426" y="13544594"/>
-            <a:ext cx="13955360" cy="4185456"/>
-            <a:chOff x="65323" y="7102907"/>
-            <a:chExt cx="20709207" cy="8717935"/>
+            <a:off x="6928426" y="12223671"/>
+            <a:ext cx="13955360" cy="5118033"/>
+            <a:chOff x="6928426" y="13544594"/>
+            <a:chExt cx="13955360" cy="4185456"/>
           </a:xfrm>
         </p:grpSpPr>
         <p:sp>
@@ -4649,14 +4611,14 @@
           </p:nvSpPr>
           <p:spPr>
             <a:xfrm>
-              <a:off x="65323" y="7102907"/>
-              <a:ext cx="7541226" cy="2485758"/>
+              <a:off x="6928426" y="13544594"/>
+              <a:ext cx="5081823" cy="1193405"/>
             </a:xfrm>
             <a:prstGeom prst="ellipse">
               <a:avLst/>
             </a:prstGeom>
             <a:solidFill>
-              <a:srgbClr val="00B0F0"/>
+              <a:srgbClr val="00B050"/>
             </a:solidFill>
             <a:ln>
               <a:solidFill>
@@ -4709,8 +4671,8 @@
           </p:nvSpPr>
           <p:spPr>
             <a:xfrm rot="16200000">
-              <a:off x="2630517" y="10554745"/>
-              <a:ext cx="2410837" cy="1644217"/>
+              <a:off x="8890619" y="15042508"/>
+              <a:ext cx="1157436" cy="1107992"/>
             </a:xfrm>
             <a:prstGeom prst="rightArrow">
               <a:avLst/>
@@ -4757,14 +4719,14 @@
           </p:nvSpPr>
           <p:spPr>
             <a:xfrm>
-              <a:off x="718240" y="13560830"/>
-              <a:ext cx="6912775" cy="1959570"/>
+              <a:off x="7368409" y="16645025"/>
+              <a:ext cx="4658327" cy="940784"/>
             </a:xfrm>
             <a:prstGeom prst="roundRect">
               <a:avLst/>
             </a:prstGeom>
             <a:solidFill>
-              <a:srgbClr val="00B050"/>
+              <a:srgbClr val="00B0F0"/>
             </a:solidFill>
             <a:ln>
               <a:solidFill>
@@ -4817,8 +4779,8 @@
           </p:nvSpPr>
           <p:spPr>
             <a:xfrm rot="10800000">
-              <a:off x="7972625" y="7679710"/>
-              <a:ext cx="1604654" cy="1332149"/>
+              <a:off x="12256937" y="13821515"/>
+              <a:ext cx="1081332" cy="639561"/>
             </a:xfrm>
             <a:prstGeom prst="rightArrow">
               <a:avLst/>
@@ -4869,17 +4831,14 @@
           </p:nvSpPr>
           <p:spPr>
             <a:xfrm>
-              <a:off x="10189344" y="7269019"/>
-              <a:ext cx="10585186" cy="2153534"/>
+              <a:off x="13750723" y="13624344"/>
+              <a:ext cx="7133063" cy="1033906"/>
             </a:xfrm>
             <a:prstGeom prst="parallelogram">
               <a:avLst/>
             </a:prstGeom>
             <a:solidFill>
-              <a:schemeClr val="accent5">
-                <a:lumMod val="40000"/>
-                <a:lumOff val="60000"/>
-              </a:schemeClr>
+              <a:srgbClr val="FF0000"/>
             </a:solidFill>
             <a:ln>
               <a:solidFill>
@@ -4932,8 +4891,8 @@
           </p:nvSpPr>
           <p:spPr>
             <a:xfrm>
-              <a:off x="10384167" y="13260390"/>
-              <a:ext cx="10225145" cy="2560452"/>
+              <a:off x="13882009" y="16500784"/>
+              <a:ext cx="6890442" cy="1229266"/>
             </a:xfrm>
             <a:prstGeom prst="hexagon">
               <a:avLst/>
@@ -4992,8 +4951,8 @@
           </p:nvSpPr>
           <p:spPr>
             <a:xfrm>
-              <a:off x="10535352" y="10027419"/>
-              <a:ext cx="1253092" cy="2554854"/>
+              <a:off x="13983888" y="14948644"/>
+              <a:ext cx="844424" cy="1226578"/>
             </a:xfrm>
             <a:prstGeom prst="upDownArrow">
               <a:avLst/>
@@ -5044,8 +5003,8 @@
           </p:nvGrpSpPr>
           <p:grpSpPr>
             <a:xfrm>
-              <a:off x="12133560" y="10077357"/>
-              <a:ext cx="8280928" cy="2454978"/>
+              <a:off x="15060876" y="14972619"/>
+              <a:ext cx="5580288" cy="1178628"/>
               <a:chOff x="11341470" y="10077357"/>
               <a:chExt cx="8280919" cy="2454978"/>
             </a:xfrm>
@@ -5168,8 +5127,8 @@
           </p:nvSpPr>
           <p:spPr>
             <a:xfrm rot="10800000">
-              <a:off x="7973075" y="13874540"/>
-              <a:ext cx="1604654" cy="1332150"/>
+              <a:off x="12257241" y="16795636"/>
+              <a:ext cx="1081332" cy="639561"/>
             </a:xfrm>
             <a:prstGeom prst="rightArrow">
               <a:avLst/>
@@ -5222,7 +5181,7 @@
         <p:spPr>
           <a:xfrm>
             <a:off x="646720" y="6797934"/>
-            <a:ext cx="19931978" cy="5909310"/>
+            <a:ext cx="20237066" cy="5078313"/>
           </a:xfrm>
           <a:prstGeom prst="rect">
             <a:avLst/>
@@ -5253,31 +5212,27 @@
           <a:p>
             <a:r>
               <a:rPr lang="ja-JP" altLang="ja-JP" sz="5400" dirty="0"/>
-              <a:t>ウィキペディアの成功理由についてはさまざまな考察がされている．例えば，「</a:t>
-            </a:r>
-            <a:r>
-              <a:rPr lang="en-US" altLang="ja-JP" sz="5400" dirty="0"/>
-              <a:t>Google</a:t>
+              <a:t>ウィキペディアの成功理由についてはさまざまな考察が</a:t>
+            </a:r>
+            <a:r>
+              <a:rPr lang="ja-JP" altLang="ja-JP" sz="5400" dirty="0" smtClean="0"/>
+              <a:t>され</a:t>
+            </a:r>
+            <a:r>
+              <a:rPr lang="ja-JP" altLang="en-US" sz="5400" dirty="0"/>
+              <a:t>て</a:t>
+            </a:r>
+            <a:r>
+              <a:rPr lang="ja-JP" altLang="en-US" sz="5400" dirty="0" smtClean="0"/>
+              <a:t>おり，</a:t>
+            </a:r>
+            <a:r>
+              <a:rPr lang="ja-JP" altLang="ja-JP" sz="5400" dirty="0" smtClean="0"/>
+              <a:t>多く</a:t>
             </a:r>
             <a:r>
               <a:rPr lang="ja-JP" altLang="ja-JP" sz="5400" dirty="0"/>
-              <a:t>」の検索結果の上位</a:t>
-            </a:r>
-            <a:r>
-              <a:rPr lang="en-US" altLang="ja-JP" sz="5400" dirty="0"/>
-              <a:t>(</a:t>
-            </a:r>
-            <a:r>
-              <a:rPr lang="ja-JP" altLang="ja-JP" sz="5400" dirty="0"/>
-              <a:t>最初のページ</a:t>
-            </a:r>
-            <a:r>
-              <a:rPr lang="en-US" altLang="ja-JP" sz="5400" dirty="0"/>
-              <a:t>)</a:t>
-            </a:r>
-            <a:r>
-              <a:rPr lang="ja-JP" altLang="ja-JP" sz="5400" dirty="0"/>
-              <a:t>に「</a:t>
+              <a:t>の人が参加するプロジェクトの代表例である</a:t>
             </a:r>
             <a:r>
               <a:rPr lang="en-US" altLang="ja-JP" sz="5400" dirty="0"/>
@@ -5285,24 +5240,13 @@
             </a:r>
             <a:r>
               <a:rPr lang="ja-JP" altLang="ja-JP" sz="5400" dirty="0"/>
-              <a:t>」の項目が表示されていることが多い．これは，</a:t>
-            </a:r>
-            <a:r>
-              <a:rPr lang="en-US" altLang="ja-JP" sz="5400" dirty="0"/>
-              <a:t>Wikipedia</a:t>
-            </a:r>
-            <a:r>
-              <a:rPr lang="ja-JP" altLang="ja-JP" sz="5400" dirty="0"/>
-              <a:t>にリンクするウェブページがおおくなった結果であるが，このことによって，</a:t>
-            </a:r>
-            <a:r>
-              <a:rPr lang="en-US" altLang="ja-JP" sz="5400" dirty="0"/>
-              <a:t>Wikipedia</a:t>
-            </a:r>
-            <a:r>
-              <a:rPr lang="ja-JP" altLang="ja-JP" sz="5400" dirty="0"/>
-              <a:t>を利用する人はさらに増えたはずである． </a:t>
-            </a:r>
+              <a:t>を調査することによって，このような形式のプロジェクトのマネジメントについての有意義な知見が得られることが期待される</a:t>
+            </a:r>
+            <a:r>
+              <a:rPr lang="ja-JP" altLang="ja-JP" sz="5400" dirty="0" smtClean="0"/>
+              <a:t>．</a:t>
+            </a:r>
+            <a:endParaRPr lang="ja-JP" altLang="ja-JP" sz="5400" dirty="0"/>
           </a:p>
         </p:txBody>
       </p:sp>
@@ -5315,7 +5259,7 @@
           <p:nvPr/>
         </p:nvPicPr>
         <p:blipFill>
-          <a:blip r:embed="rId3">
+          <a:blip r:embed="rId2">
             <a:extLst>
               <a:ext uri="{28A0092B-C50C-407E-A947-70E740481C1C}">
                 <a14:useLocalDpi xmlns:a14="http://schemas.microsoft.com/office/drawing/2010/main" val="0"/>
@@ -5329,8 +5273,8 @@
         </p:blipFill>
         <p:spPr bwMode="auto">
           <a:xfrm>
-            <a:off x="1467175" y="12813149"/>
-            <a:ext cx="4637088" cy="4478413"/>
+            <a:off x="1766434" y="12158814"/>
+            <a:ext cx="4138996" cy="3997365"/>
           </a:xfrm>
           <a:prstGeom prst="rect">
             <a:avLst/>
@@ -5347,6 +5291,293 @@
           </a:extLst>
         </p:spPr>
       </p:pic>
+      <p:sp>
+        <p:nvSpPr>
+          <p:cNvPr id="19" name="テキスト ボックス 18"/>
+          <p:cNvSpPr txBox="1"/>
+          <p:nvPr/>
+        </p:nvSpPr>
+        <p:spPr>
+          <a:xfrm>
+            <a:off x="324921" y="21228747"/>
+            <a:ext cx="2265644" cy="984885"/>
+          </a:xfrm>
+          <a:prstGeom prst="rect">
+            <a:avLst/>
+          </a:prstGeom>
+          <a:noFill/>
+        </p:spPr>
+        <p:txBody>
+          <a:bodyPr wrap="square" rtlCol="0">
+            <a:spAutoFit/>
+          </a:bodyPr>
+          <a:lstStyle/>
+          <a:p>
+            <a:r>
+              <a:rPr kumimoji="1" lang="ja-JP" altLang="en-US" dirty="0" smtClean="0"/>
+              <a:t>表</a:t>
+            </a:r>
+            <a:r>
+              <a:rPr kumimoji="1" lang="en-US" altLang="ja-JP" dirty="0" smtClean="0"/>
+              <a:t>1.</a:t>
+            </a:r>
+            <a:endParaRPr kumimoji="1" lang="ja-JP" altLang="en-US" dirty="0"/>
+          </a:p>
+        </p:txBody>
+      </p:sp>
+      <p:sp>
+        <p:nvSpPr>
+          <p:cNvPr id="20" name="テキスト ボックス 19"/>
+          <p:cNvSpPr txBox="1"/>
+          <p:nvPr/>
+        </p:nvSpPr>
+        <p:spPr>
+          <a:xfrm>
+            <a:off x="439373" y="23757720"/>
+            <a:ext cx="8582526" cy="1569660"/>
+          </a:xfrm>
+          <a:prstGeom prst="rect">
+            <a:avLst/>
+          </a:prstGeom>
+          <a:noFill/>
+        </p:spPr>
+        <p:txBody>
+          <a:bodyPr wrap="square" rtlCol="0">
+            <a:spAutoFit/>
+          </a:bodyPr>
+          <a:lstStyle/>
+          <a:p>
+            <a:r>
+              <a:rPr kumimoji="1" lang="en-US" altLang="ja-JP" sz="3200" dirty="0" smtClean="0"/>
+              <a:t>※</a:t>
+            </a:r>
+            <a:r>
+              <a:rPr kumimoji="1" lang="ja-JP" altLang="en-US" sz="3200" dirty="0" smtClean="0"/>
+              <a:t>表１</a:t>
+            </a:r>
+            <a:r>
+              <a:rPr kumimoji="1" lang="en-US" altLang="ja-JP" sz="3200" dirty="0" smtClean="0"/>
+              <a:t>.</a:t>
+            </a:r>
+            <a:r>
+              <a:rPr kumimoji="1" lang="ja-JP" altLang="en-US" sz="3200" dirty="0" smtClean="0"/>
+              <a:t>は</a:t>
+            </a:r>
+            <a:r>
+              <a:rPr kumimoji="1" lang="en-US" altLang="ja-JP" sz="3200" dirty="0" smtClean="0"/>
+              <a:t>Wikipedia</a:t>
+            </a:r>
+            <a:r>
+              <a:rPr lang="ja-JP" altLang="en-US" sz="3200" dirty="0"/>
+              <a:t>に</a:t>
+            </a:r>
+            <a:r>
+              <a:rPr kumimoji="1" lang="ja-JP" altLang="en-US" sz="3200" dirty="0" smtClean="0"/>
+              <a:t>登録後，</a:t>
+            </a:r>
+            <a:r>
+              <a:rPr kumimoji="1" lang="en-US" altLang="ja-JP" sz="3200" dirty="0" smtClean="0"/>
+              <a:t>2002</a:t>
+            </a:r>
+            <a:r>
+              <a:rPr kumimoji="1" lang="ja-JP" altLang="en-US" sz="3200" dirty="0" smtClean="0"/>
+              <a:t>年</a:t>
+            </a:r>
+            <a:r>
+              <a:rPr lang="en-US" altLang="ja-JP" sz="3200" dirty="0"/>
+              <a:t>9</a:t>
+            </a:r>
+            <a:r>
+              <a:rPr kumimoji="1" lang="ja-JP" altLang="en-US" sz="3200" dirty="0" smtClean="0"/>
+              <a:t>月～</a:t>
+            </a:r>
+            <a:r>
+              <a:rPr kumimoji="1" lang="en-US" altLang="ja-JP" sz="3200" dirty="0" smtClean="0"/>
+              <a:t>2014</a:t>
+            </a:r>
+            <a:r>
+              <a:rPr kumimoji="1" lang="ja-JP" altLang="en-US" sz="3200" dirty="0" smtClean="0"/>
+              <a:t>年</a:t>
+            </a:r>
+            <a:r>
+              <a:rPr kumimoji="1" lang="en-US" altLang="ja-JP" sz="3200" dirty="0" smtClean="0"/>
+              <a:t>4</a:t>
+            </a:r>
+            <a:r>
+              <a:rPr kumimoji="1" lang="ja-JP" altLang="en-US" sz="3200" dirty="0" smtClean="0"/>
+              <a:t>月までに編集したユーザの人数の総計をまとめたものである．</a:t>
+            </a:r>
+            <a:endParaRPr kumimoji="1" lang="ja-JP" altLang="en-US" sz="3200" dirty="0"/>
+          </a:p>
+        </p:txBody>
+      </p:sp>
+      <p:graphicFrame>
+        <p:nvGraphicFramePr>
+          <p:cNvPr id="32" name="グラフ 31"/>
+          <p:cNvGraphicFramePr>
+            <a:graphicFrameLocks/>
+          </p:cNvGraphicFramePr>
+          <p:nvPr>
+            <p:extLst>
+              <p:ext uri="{D42A27DB-BD31-4B8C-83A1-F6EECF244321}">
+                <p14:modId xmlns:p14="http://schemas.microsoft.com/office/powerpoint/2010/main" val="2582948903"/>
+              </p:ext>
+            </p:extLst>
+          </p:nvPr>
+        </p:nvGraphicFramePr>
+        <p:xfrm>
+          <a:off x="9211578" y="21259524"/>
+          <a:ext cx="11284015" cy="4308618"/>
+        </p:xfrm>
+        <a:graphic>
+          <a:graphicData uri="http://schemas.openxmlformats.org/drawingml/2006/chart">
+            <c:chart xmlns:c="http://schemas.openxmlformats.org/drawingml/2006/chart" xmlns:r="http://schemas.openxmlformats.org/officeDocument/2006/relationships" r:id="rId3"/>
+          </a:graphicData>
+        </a:graphic>
+      </p:graphicFrame>
+      <p:sp>
+        <p:nvSpPr>
+          <p:cNvPr id="23" name="テキスト ボックス 22"/>
+          <p:cNvSpPr txBox="1"/>
+          <p:nvPr/>
+        </p:nvSpPr>
+        <p:spPr>
+          <a:xfrm>
+            <a:off x="9117090" y="21259524"/>
+            <a:ext cx="1778206" cy="461665"/>
+          </a:xfrm>
+          <a:prstGeom prst="rect">
+            <a:avLst/>
+          </a:prstGeom>
+          <a:noFill/>
+        </p:spPr>
+        <p:txBody>
+          <a:bodyPr wrap="square" rtlCol="0">
+            <a:spAutoFit/>
+          </a:bodyPr>
+          <a:lstStyle/>
+          <a:p>
+            <a:r>
+              <a:rPr kumimoji="1" lang="ja-JP" altLang="en-US" sz="2400" dirty="0" smtClean="0"/>
+              <a:t>日数　</a:t>
+            </a:r>
+            <a:r>
+              <a:rPr kumimoji="1" lang="en-US" altLang="ja-JP" sz="2400" dirty="0" smtClean="0"/>
+              <a:t>(</a:t>
+            </a:r>
+            <a:r>
+              <a:rPr kumimoji="1" lang="ja-JP" altLang="en-US" sz="2400" dirty="0" smtClean="0"/>
+              <a:t>日</a:t>
+            </a:r>
+            <a:r>
+              <a:rPr kumimoji="1" lang="en-US" altLang="ja-JP" sz="2400" dirty="0" smtClean="0"/>
+              <a:t>)</a:t>
+            </a:r>
+            <a:endParaRPr kumimoji="1" lang="ja-JP" altLang="en-US" sz="2400" dirty="0"/>
+          </a:p>
+        </p:txBody>
+      </p:sp>
+      <p:sp>
+        <p:nvSpPr>
+          <p:cNvPr id="26" name="テキスト ボックス 25"/>
+          <p:cNvSpPr txBox="1"/>
+          <p:nvPr/>
+        </p:nvSpPr>
+        <p:spPr>
+          <a:xfrm>
+            <a:off x="18398256" y="21490356"/>
+            <a:ext cx="1635479" cy="923330"/>
+          </a:xfrm>
+          <a:prstGeom prst="rect">
+            <a:avLst/>
+          </a:prstGeom>
+          <a:solidFill>
+            <a:schemeClr val="bg1"/>
+          </a:solidFill>
+          <a:ln>
+            <a:noFill/>
+          </a:ln>
+        </p:spPr>
+        <p:txBody>
+          <a:bodyPr wrap="square" rtlCol="0">
+            <a:spAutoFit/>
+          </a:bodyPr>
+          <a:lstStyle/>
+          <a:p>
+            <a:r>
+              <a:rPr kumimoji="1" lang="ja-JP" altLang="en-US" sz="5400" dirty="0" smtClean="0"/>
+              <a:t>図</a:t>
+            </a:r>
+            <a:r>
+              <a:rPr kumimoji="1" lang="en-US" altLang="ja-JP" sz="5400" dirty="0" smtClean="0"/>
+              <a:t>1</a:t>
+            </a:r>
+            <a:r>
+              <a:rPr lang="en-US" altLang="ja-JP" sz="5400" dirty="0"/>
+              <a:t>.</a:t>
+            </a:r>
+            <a:endParaRPr kumimoji="1" lang="ja-JP" altLang="en-US" sz="5400" dirty="0"/>
+          </a:p>
+        </p:txBody>
+      </p:sp>
+      <p:sp>
+        <p:nvSpPr>
+          <p:cNvPr id="27" name="テキスト ボックス 26"/>
+          <p:cNvSpPr txBox="1"/>
+          <p:nvPr/>
+        </p:nvSpPr>
+        <p:spPr>
+          <a:xfrm>
+            <a:off x="9444438" y="25695214"/>
+            <a:ext cx="11014542" cy="1077218"/>
+          </a:xfrm>
+          <a:prstGeom prst="rect">
+            <a:avLst/>
+          </a:prstGeom>
+          <a:noFill/>
+        </p:spPr>
+        <p:txBody>
+          <a:bodyPr wrap="square" rtlCol="0">
+            <a:spAutoFit/>
+          </a:bodyPr>
+          <a:lstStyle/>
+          <a:p>
+            <a:r>
+              <a:rPr kumimoji="1" lang="en-US" altLang="ja-JP" sz="3200" dirty="0" smtClean="0"/>
+              <a:t>※</a:t>
+            </a:r>
+            <a:r>
+              <a:rPr kumimoji="1" lang="ja-JP" altLang="en-US" sz="3200" dirty="0" smtClean="0"/>
+              <a:t>図</a:t>
+            </a:r>
+            <a:r>
+              <a:rPr kumimoji="1" lang="en-US" altLang="ja-JP" sz="3200" dirty="0" smtClean="0"/>
+              <a:t>1.</a:t>
+            </a:r>
+            <a:r>
+              <a:rPr lang="ja-JP" altLang="en-US" sz="3200" dirty="0" smtClean="0"/>
+              <a:t>はウィキペディア日本語版の記事である，「ヒストグラム」の</a:t>
+            </a:r>
+            <a:r>
+              <a:rPr lang="en-US" altLang="ja-JP" sz="3200" dirty="0" smtClean="0"/>
+              <a:t>2014</a:t>
+            </a:r>
+            <a:r>
+              <a:rPr lang="ja-JP" altLang="en-US" sz="3200" dirty="0" smtClean="0"/>
+              <a:t>年</a:t>
+            </a:r>
+            <a:r>
+              <a:rPr lang="en-US" altLang="ja-JP" sz="3200" dirty="0" smtClean="0"/>
+              <a:t>9</a:t>
+            </a:r>
+            <a:r>
+              <a:rPr lang="ja-JP" altLang="en-US" sz="3200" dirty="0" smtClean="0"/>
+              <a:t>月の閲覧回数をもとに作成したヒストグラムである．</a:t>
+            </a:r>
+            <a:endParaRPr kumimoji="1" lang="ja-JP" altLang="en-US" sz="3200" dirty="0"/>
+          </a:p>
+        </p:txBody>
+      </p:sp>
     </p:spTree>
     <p:extLst>
       <p:ext uri="{BB962C8B-B14F-4D97-AF65-F5344CB8AC3E}">
@@ -5357,6 +5588,13 @@
   <p:clrMapOvr>
     <a:masterClrMapping/>
   </p:clrMapOvr>
+  <p:timing>
+    <p:tnLst>
+      <p:par>
+        <p:cTn id="1" dur="indefinite" restart="never" nodeType="tmRoot"/>
+      </p:par>
+    </p:tnLst>
+  </p:timing>
 </p:sld>
 </file>
 
@@ -5643,4 +5881,285 @@
   <a:objectDefaults/>
   <a:extraClrSchemeLst/>
 </a:theme>
+</file>
+
+<file path=ppt/theme/themeOverride1.xml><?xml version="1.0" encoding="utf-8"?>
+<a:themeOverride xmlns:a="http://schemas.openxmlformats.org/drawingml/2006/main">
+  <a:clrScheme name="Office">
+    <a:dk1>
+      <a:sysClr val="windowText" lastClr="000000"/>
+    </a:dk1>
+    <a:lt1>
+      <a:sysClr val="window" lastClr="FFFFFF"/>
+    </a:lt1>
+    <a:dk2>
+      <a:srgbClr val="1F497D"/>
+    </a:dk2>
+    <a:lt2>
+      <a:srgbClr val="EEECE1"/>
+    </a:lt2>
+    <a:accent1>
+      <a:srgbClr val="4F81BD"/>
+    </a:accent1>
+    <a:accent2>
+      <a:srgbClr val="C0504D"/>
+    </a:accent2>
+    <a:accent3>
+      <a:srgbClr val="9BBB59"/>
+    </a:accent3>
+    <a:accent4>
+      <a:srgbClr val="8064A2"/>
+    </a:accent4>
+    <a:accent5>
+      <a:srgbClr val="4BACC6"/>
+    </a:accent5>
+    <a:accent6>
+      <a:srgbClr val="F79646"/>
+    </a:accent6>
+    <a:hlink>
+      <a:srgbClr val="0000FF"/>
+    </a:hlink>
+    <a:folHlink>
+      <a:srgbClr val="800080"/>
+    </a:folHlink>
+  </a:clrScheme>
+  <a:fontScheme name="Office">
+    <a:majorFont>
+      <a:latin typeface="Cambria"/>
+      <a:ea typeface=""/>
+      <a:cs typeface=""/>
+      <a:font script="Jpan" typeface="ＭＳ Ｐゴシック"/>
+      <a:font script="Hang" typeface="맑은 고딕"/>
+      <a:font script="Hans" typeface="宋体"/>
+      <a:font script="Hant" typeface="新細明體"/>
+      <a:font script="Arab" typeface="Times New Roman"/>
+      <a:font script="Hebr" typeface="Times New Roman"/>
+      <a:font script="Thai" typeface="Tahoma"/>
+      <a:font script="Ethi" typeface="Nyala"/>
+      <a:font script="Beng" typeface="Vrinda"/>
+      <a:font script="Gujr" typeface="Shruti"/>
+      <a:font script="Khmr" typeface="MoolBoran"/>
+      <a:font script="Knda" typeface="Tunga"/>
+      <a:font script="Guru" typeface="Raavi"/>
+      <a:font script="Cans" typeface="Euphemia"/>
+      <a:font script="Cher" typeface="Plantagenet Cherokee"/>
+      <a:font script="Yiii" typeface="Microsoft Yi Baiti"/>
+      <a:font script="Tibt" typeface="Microsoft Himalaya"/>
+      <a:font script="Thaa" typeface="MV Boli"/>
+      <a:font script="Deva" typeface="Mangal"/>
+      <a:font script="Telu" typeface="Gautami"/>
+      <a:font script="Taml" typeface="Latha"/>
+      <a:font script="Syrc" typeface="Estrangelo Edessa"/>
+      <a:font script="Orya" typeface="Kalinga"/>
+      <a:font script="Mlym" typeface="Kartika"/>
+      <a:font script="Laoo" typeface="DokChampa"/>
+      <a:font script="Sinh" typeface="Iskoola Pota"/>
+      <a:font script="Mong" typeface="Mongolian Baiti"/>
+      <a:font script="Viet" typeface="Times New Roman"/>
+      <a:font script="Uigh" typeface="Microsoft Uighur"/>
+      <a:font script="Geor" typeface="Sylfaen"/>
+    </a:majorFont>
+    <a:minorFont>
+      <a:latin typeface="Calibri"/>
+      <a:ea typeface=""/>
+      <a:cs typeface=""/>
+      <a:font script="Jpan" typeface="ＭＳ Ｐゴシック"/>
+      <a:font script="Hang" typeface="맑은 고딕"/>
+      <a:font script="Hans" typeface="宋体"/>
+      <a:font script="Hant" typeface="新細明體"/>
+      <a:font script="Arab" typeface="Arial"/>
+      <a:font script="Hebr" typeface="Arial"/>
+      <a:font script="Thai" typeface="Tahoma"/>
+      <a:font script="Ethi" typeface="Nyala"/>
+      <a:font script="Beng" typeface="Vrinda"/>
+      <a:font script="Gujr" typeface="Shruti"/>
+      <a:font script="Khmr" typeface="DaunPenh"/>
+      <a:font script="Knda" typeface="Tunga"/>
+      <a:font script="Guru" typeface="Raavi"/>
+      <a:font script="Cans" typeface="Euphemia"/>
+      <a:font script="Cher" typeface="Plantagenet Cherokee"/>
+      <a:font script="Yiii" typeface="Microsoft Yi Baiti"/>
+      <a:font script="Tibt" typeface="Microsoft Himalaya"/>
+      <a:font script="Thaa" typeface="MV Boli"/>
+      <a:font script="Deva" typeface="Mangal"/>
+      <a:font script="Telu" typeface="Gautami"/>
+      <a:font script="Taml" typeface="Latha"/>
+      <a:font script="Syrc" typeface="Estrangelo Edessa"/>
+      <a:font script="Orya" typeface="Kalinga"/>
+      <a:font script="Mlym" typeface="Kartika"/>
+      <a:font script="Laoo" typeface="DokChampa"/>
+      <a:font script="Sinh" typeface="Iskoola Pota"/>
+      <a:font script="Mong" typeface="Mongolian Baiti"/>
+      <a:font script="Viet" typeface="Arial"/>
+      <a:font script="Uigh" typeface="Microsoft Uighur"/>
+      <a:font script="Geor" typeface="Sylfaen"/>
+    </a:minorFont>
+  </a:fontScheme>
+  <a:fmtScheme name="Office">
+    <a:fillStyleLst>
+      <a:solidFill>
+        <a:schemeClr val="phClr"/>
+      </a:solidFill>
+      <a:gradFill rotWithShape="1">
+        <a:gsLst>
+          <a:gs pos="0">
+            <a:schemeClr val="phClr">
+              <a:tint val="50000"/>
+              <a:satMod val="300000"/>
+            </a:schemeClr>
+          </a:gs>
+          <a:gs pos="35000">
+            <a:schemeClr val="phClr">
+              <a:tint val="37000"/>
+              <a:satMod val="300000"/>
+            </a:schemeClr>
+          </a:gs>
+          <a:gs pos="100000">
+            <a:schemeClr val="phClr">
+              <a:tint val="15000"/>
+              <a:satMod val="350000"/>
+            </a:schemeClr>
+          </a:gs>
+        </a:gsLst>
+        <a:lin ang="16200000" scaled="1"/>
+      </a:gradFill>
+      <a:gradFill rotWithShape="1">
+        <a:gsLst>
+          <a:gs pos="0">
+            <a:schemeClr val="phClr">
+              <a:shade val="51000"/>
+              <a:satMod val="130000"/>
+            </a:schemeClr>
+          </a:gs>
+          <a:gs pos="80000">
+            <a:schemeClr val="phClr">
+              <a:shade val="93000"/>
+              <a:satMod val="130000"/>
+            </a:schemeClr>
+          </a:gs>
+          <a:gs pos="100000">
+            <a:schemeClr val="phClr">
+              <a:shade val="94000"/>
+              <a:satMod val="135000"/>
+            </a:schemeClr>
+          </a:gs>
+        </a:gsLst>
+        <a:lin ang="16200000" scaled="0"/>
+      </a:gradFill>
+    </a:fillStyleLst>
+    <a:lnStyleLst>
+      <a:ln w="9525" cap="flat" cmpd="sng" algn="ctr">
+        <a:solidFill>
+          <a:schemeClr val="phClr">
+            <a:shade val="95000"/>
+            <a:satMod val="105000"/>
+          </a:schemeClr>
+        </a:solidFill>
+        <a:prstDash val="solid"/>
+      </a:ln>
+      <a:ln w="25400" cap="flat" cmpd="sng" algn="ctr">
+        <a:solidFill>
+          <a:schemeClr val="phClr"/>
+        </a:solidFill>
+        <a:prstDash val="solid"/>
+      </a:ln>
+      <a:ln w="38100" cap="flat" cmpd="sng" algn="ctr">
+        <a:solidFill>
+          <a:schemeClr val="phClr"/>
+        </a:solidFill>
+        <a:prstDash val="solid"/>
+      </a:ln>
+    </a:lnStyleLst>
+    <a:effectStyleLst>
+      <a:effectStyle>
+        <a:effectLst>
+          <a:outerShdw blurRad="40000" dist="20000" dir="5400000" rotWithShape="0">
+            <a:srgbClr val="000000">
+              <a:alpha val="38000"/>
+            </a:srgbClr>
+          </a:outerShdw>
+        </a:effectLst>
+      </a:effectStyle>
+      <a:effectStyle>
+        <a:effectLst>
+          <a:outerShdw blurRad="40000" dist="23000" dir="5400000" rotWithShape="0">
+            <a:srgbClr val="000000">
+              <a:alpha val="35000"/>
+            </a:srgbClr>
+          </a:outerShdw>
+        </a:effectLst>
+      </a:effectStyle>
+      <a:effectStyle>
+        <a:effectLst>
+          <a:outerShdw blurRad="40000" dist="23000" dir="5400000" rotWithShape="0">
+            <a:srgbClr val="000000">
+              <a:alpha val="35000"/>
+            </a:srgbClr>
+          </a:outerShdw>
+        </a:effectLst>
+        <a:scene3d>
+          <a:camera prst="orthographicFront">
+            <a:rot lat="0" lon="0" rev="0"/>
+          </a:camera>
+          <a:lightRig rig="threePt" dir="t">
+            <a:rot lat="0" lon="0" rev="1200000"/>
+          </a:lightRig>
+        </a:scene3d>
+        <a:sp3d>
+          <a:bevelT w="63500" h="25400"/>
+        </a:sp3d>
+      </a:effectStyle>
+    </a:effectStyleLst>
+    <a:bgFillStyleLst>
+      <a:solidFill>
+        <a:schemeClr val="phClr"/>
+      </a:solidFill>
+      <a:gradFill rotWithShape="1">
+        <a:gsLst>
+          <a:gs pos="0">
+            <a:schemeClr val="phClr">
+              <a:tint val="40000"/>
+              <a:satMod val="350000"/>
+            </a:schemeClr>
+          </a:gs>
+          <a:gs pos="40000">
+            <a:schemeClr val="phClr">
+              <a:tint val="45000"/>
+              <a:shade val="99000"/>
+              <a:satMod val="350000"/>
+            </a:schemeClr>
+          </a:gs>
+          <a:gs pos="100000">
+            <a:schemeClr val="phClr">
+              <a:shade val="20000"/>
+              <a:satMod val="255000"/>
+            </a:schemeClr>
+          </a:gs>
+        </a:gsLst>
+        <a:path path="circle">
+          <a:fillToRect l="50000" t="-80000" r="50000" b="180000"/>
+        </a:path>
+      </a:gradFill>
+      <a:gradFill rotWithShape="1">
+        <a:gsLst>
+          <a:gs pos="0">
+            <a:schemeClr val="phClr">
+              <a:tint val="80000"/>
+              <a:satMod val="300000"/>
+            </a:schemeClr>
+          </a:gs>
+          <a:gs pos="100000">
+            <a:schemeClr val="phClr">
+              <a:shade val="30000"/>
+              <a:satMod val="200000"/>
+            </a:schemeClr>
+          </a:gs>
+        </a:gsLst>
+        <a:path path="circle">
+          <a:fillToRect l="50000" t="50000" r="50000" b="50000"/>
+        </a:path>
+      </a:gradFill>
+    </a:bgFillStyleLst>
+  </a:fmtScheme>
+</a:themeOverride>
 </file>
--- a/卒業論文/2013/曽我勇貴/中間審査ポスター.pptx
+++ b/卒業論文/2013/曽我勇貴/中間審査ポスター.pptx
@@ -235,11 +235,11 @@
           <c:showBubbleSize val="0"/>
         </c:dLbls>
         <c:gapWidth val="150"/>
-        <c:axId val="86299776"/>
-        <c:axId val="86301312"/>
+        <c:axId val="45401600"/>
+        <c:axId val="45403136"/>
       </c:barChart>
       <c:catAx>
-        <c:axId val="86299776"/>
+        <c:axId val="45401600"/>
         <c:scaling>
           <c:orientation val="minMax"/>
         </c:scaling>
@@ -248,7 +248,7 @@
         <c:majorTickMark val="out"/>
         <c:minorTickMark val="none"/>
         <c:tickLblPos val="nextTo"/>
-        <c:crossAx val="86301312"/>
+        <c:crossAx val="45403136"/>
         <c:crosses val="autoZero"/>
         <c:auto val="1"/>
         <c:lblAlgn val="ctr"/>
@@ -256,7 +256,7 @@
         <c:noMultiLvlLbl val="0"/>
       </c:catAx>
       <c:valAx>
-        <c:axId val="86301312"/>
+        <c:axId val="45403136"/>
         <c:scaling>
           <c:orientation val="minMax"/>
         </c:scaling>
@@ -267,7 +267,7 @@
         <c:majorTickMark val="out"/>
         <c:minorTickMark val="none"/>
         <c:tickLblPos val="nextTo"/>
-        <c:crossAx val="86299776"/>
+        <c:crossAx val="45401600"/>
         <c:crosses val="autoZero"/>
         <c:crossBetween val="between"/>
       </c:valAx>
@@ -3752,7 +3752,7 @@
         </p:nvSpPr>
         <p:spPr>
           <a:xfrm>
-            <a:off x="373935" y="16556875"/>
+            <a:off x="324921" y="15748764"/>
             <a:ext cx="6552728" cy="1569660"/>
           </a:xfrm>
           <a:prstGeom prst="rect">
@@ -3828,7 +3828,7 @@
         </p:nvSpPr>
         <p:spPr>
           <a:xfrm>
-            <a:off x="373935" y="18524363"/>
+            <a:off x="319323" y="17732275"/>
             <a:ext cx="19931979" cy="2646878"/>
           </a:xfrm>
           <a:prstGeom prst="rect">
@@ -3964,13 +3964,13 @@
           <p:nvPr>
             <p:extLst>
               <p:ext uri="{D42A27DB-BD31-4B8C-83A1-F6EECF244321}">
-                <p14:modId xmlns:p14="http://schemas.microsoft.com/office/powerpoint/2010/main" val="2416766843"/>
+                <p14:modId xmlns:p14="http://schemas.microsoft.com/office/powerpoint/2010/main" val="3820967593"/>
               </p:ext>
             </p:extLst>
           </p:nvPr>
         </p:nvGraphicFramePr>
         <p:xfrm>
-          <a:off x="1875411" y="21269031"/>
+          <a:off x="2106060" y="21324728"/>
           <a:ext cx="5721645" cy="2295892"/>
         </p:xfrm>
         <a:graphic>
@@ -4589,80 +4589,491 @@
           </a:graphicData>
         </a:graphic>
       </p:graphicFrame>
+      <p:sp>
+        <p:nvSpPr>
+          <p:cNvPr id="18" name="テキスト ボックス 17"/>
+          <p:cNvSpPr txBox="1"/>
+          <p:nvPr/>
+        </p:nvSpPr>
+        <p:spPr>
+          <a:xfrm>
+            <a:off x="559568" y="6797934"/>
+            <a:ext cx="20237066" cy="5078313"/>
+          </a:xfrm>
+          <a:prstGeom prst="rect">
+            <a:avLst/>
+          </a:prstGeom>
+          <a:noFill/>
+          <a:ln>
+            <a:solidFill>
+              <a:schemeClr val="tx1"/>
+            </a:solidFill>
+          </a:ln>
+        </p:spPr>
+        <p:txBody>
+          <a:bodyPr wrap="square" rtlCol="0">
+            <a:spAutoFit/>
+          </a:bodyPr>
+          <a:lstStyle/>
+          <a:p>
+            <a:r>
+              <a:rPr kumimoji="1" lang="en-US" altLang="ja-JP" sz="5400" dirty="0" smtClean="0"/>
+              <a:t>Wikipedia</a:t>
+            </a:r>
+            <a:r>
+              <a:rPr kumimoji="1" lang="ja-JP" altLang="en-US" sz="5400" dirty="0" smtClean="0"/>
+              <a:t>は，多くの人がボランティアで執筆するオンライン百科事典プロジェクトである．</a:t>
+            </a:r>
+            <a:endParaRPr kumimoji="1" lang="en-US" altLang="ja-JP" sz="5400" dirty="0" smtClean="0"/>
+          </a:p>
+          <a:p>
+            <a:r>
+              <a:rPr lang="ja-JP" altLang="ja-JP" sz="5400" dirty="0"/>
+              <a:t>ウィキペディアの成功理由についてはさまざまな考察が</a:t>
+            </a:r>
+            <a:r>
+              <a:rPr lang="ja-JP" altLang="ja-JP" sz="5400" dirty="0" smtClean="0"/>
+              <a:t>され</a:t>
+            </a:r>
+            <a:r>
+              <a:rPr lang="ja-JP" altLang="en-US" sz="5400" dirty="0"/>
+              <a:t>て</a:t>
+            </a:r>
+            <a:r>
+              <a:rPr lang="ja-JP" altLang="en-US" sz="5400" dirty="0" smtClean="0"/>
+              <a:t>おり，</a:t>
+            </a:r>
+            <a:r>
+              <a:rPr lang="ja-JP" altLang="ja-JP" sz="5400" dirty="0" smtClean="0"/>
+              <a:t>多く</a:t>
+            </a:r>
+            <a:r>
+              <a:rPr lang="ja-JP" altLang="ja-JP" sz="5400" dirty="0"/>
+              <a:t>の人が参加するプロジェクトの代表例である</a:t>
+            </a:r>
+            <a:r>
+              <a:rPr lang="en-US" altLang="ja-JP" sz="5400" dirty="0"/>
+              <a:t>Wikipedia</a:t>
+            </a:r>
+            <a:r>
+              <a:rPr lang="ja-JP" altLang="ja-JP" sz="5400" dirty="0"/>
+              <a:t>を調査することによって，このような形式のプロジェクトのマネジメントについての有意義な知見が得られることが期待される</a:t>
+            </a:r>
+            <a:r>
+              <a:rPr lang="ja-JP" altLang="ja-JP" sz="5400" dirty="0" smtClean="0"/>
+              <a:t>．</a:t>
+            </a:r>
+            <a:endParaRPr lang="ja-JP" altLang="ja-JP" sz="5400" dirty="0"/>
+          </a:p>
+        </p:txBody>
+      </p:sp>
+      <p:pic>
+        <p:nvPicPr>
+          <p:cNvPr id="1026" name="Picture 2" descr="C:\Users\Y.SOGA\Desktop\ah_logo1.jpg"/>
+          <p:cNvPicPr>
+            <a:picLocks noChangeAspect="1" noChangeArrowheads="1"/>
+          </p:cNvPicPr>
+          <p:nvPr/>
+        </p:nvPicPr>
+        <p:blipFill>
+          <a:blip r:embed="rId2">
+            <a:extLst>
+              <a:ext uri="{28A0092B-C50C-407E-A947-70E740481C1C}">
+                <a14:useLocalDpi xmlns:a14="http://schemas.microsoft.com/office/drawing/2010/main" val="0"/>
+              </a:ext>
+            </a:extLst>
+          </a:blip>
+          <a:srcRect/>
+          <a:stretch>
+            <a:fillRect/>
+          </a:stretch>
+        </p:blipFill>
+        <p:spPr bwMode="auto">
+          <a:xfrm>
+            <a:off x="2412480" y="12084583"/>
+            <a:ext cx="3672408" cy="3413141"/>
+          </a:xfrm>
+          <a:prstGeom prst="rect">
+            <a:avLst/>
+          </a:prstGeom>
+          <a:noFill/>
+          <a:extLst>
+            <a:ext uri="{909E8E84-426E-40DD-AFC4-6F175D3DCCD1}">
+              <a14:hiddenFill xmlns:a14="http://schemas.microsoft.com/office/drawing/2010/main">
+                <a:solidFill>
+                  <a:srgbClr val="FFFFFF"/>
+                </a:solidFill>
+              </a14:hiddenFill>
+            </a:ext>
+          </a:extLst>
+        </p:spPr>
+      </p:pic>
+      <p:sp>
+        <p:nvSpPr>
+          <p:cNvPr id="19" name="テキスト ボックス 18"/>
+          <p:cNvSpPr txBox="1"/>
+          <p:nvPr/>
+        </p:nvSpPr>
+        <p:spPr>
+          <a:xfrm>
+            <a:off x="555570" y="21284444"/>
+            <a:ext cx="2265644" cy="984885"/>
+          </a:xfrm>
+          <a:prstGeom prst="rect">
+            <a:avLst/>
+          </a:prstGeom>
+          <a:noFill/>
+        </p:spPr>
+        <p:txBody>
+          <a:bodyPr wrap="square" rtlCol="0">
+            <a:spAutoFit/>
+          </a:bodyPr>
+          <a:lstStyle/>
+          <a:p>
+            <a:r>
+              <a:rPr kumimoji="1" lang="ja-JP" altLang="en-US" dirty="0" smtClean="0"/>
+              <a:t>表</a:t>
+            </a:r>
+            <a:r>
+              <a:rPr kumimoji="1" lang="en-US" altLang="ja-JP" dirty="0" smtClean="0"/>
+              <a:t>1.</a:t>
+            </a:r>
+            <a:endParaRPr kumimoji="1" lang="ja-JP" altLang="en-US" dirty="0"/>
+          </a:p>
+        </p:txBody>
+      </p:sp>
+      <p:sp>
+        <p:nvSpPr>
+          <p:cNvPr id="20" name="テキスト ボックス 19"/>
+          <p:cNvSpPr txBox="1"/>
+          <p:nvPr/>
+        </p:nvSpPr>
+        <p:spPr>
+          <a:xfrm>
+            <a:off x="319323" y="23735704"/>
+            <a:ext cx="8582526" cy="1384995"/>
+          </a:xfrm>
+          <a:prstGeom prst="rect">
+            <a:avLst/>
+          </a:prstGeom>
+          <a:noFill/>
+        </p:spPr>
+        <p:txBody>
+          <a:bodyPr wrap="square" rtlCol="0">
+            <a:spAutoFit/>
+          </a:bodyPr>
+          <a:lstStyle/>
+          <a:p>
+            <a:endParaRPr kumimoji="1" lang="en-US" altLang="ja-JP" sz="2800" dirty="0" smtClean="0"/>
+          </a:p>
+          <a:p>
+            <a:r>
+              <a:rPr kumimoji="1" lang="en-US" altLang="ja-JP" sz="2800" dirty="0" smtClean="0"/>
+              <a:t>※</a:t>
+            </a:r>
+            <a:r>
+              <a:rPr kumimoji="1" lang="ja-JP" altLang="en-US" sz="2800" dirty="0" smtClean="0"/>
+              <a:t>表１</a:t>
+            </a:r>
+            <a:r>
+              <a:rPr kumimoji="1" lang="en-US" altLang="ja-JP" sz="2800" dirty="0" smtClean="0"/>
+              <a:t>.</a:t>
+            </a:r>
+            <a:r>
+              <a:rPr kumimoji="1" lang="ja-JP" altLang="en-US" sz="2800" dirty="0" smtClean="0"/>
+              <a:t>は</a:t>
+            </a:r>
+            <a:r>
+              <a:rPr kumimoji="1" lang="en-US" altLang="ja-JP" sz="2800" dirty="0" smtClean="0"/>
+              <a:t>Wikipedia</a:t>
+            </a:r>
+            <a:r>
+              <a:rPr lang="ja-JP" altLang="en-US" sz="2800" dirty="0"/>
+              <a:t>に</a:t>
+            </a:r>
+            <a:r>
+              <a:rPr kumimoji="1" lang="ja-JP" altLang="en-US" sz="2800" dirty="0" smtClean="0"/>
+              <a:t>登録後，</a:t>
+            </a:r>
+            <a:r>
+              <a:rPr kumimoji="1" lang="en-US" altLang="ja-JP" sz="2800" dirty="0" smtClean="0"/>
+              <a:t>2002</a:t>
+            </a:r>
+            <a:r>
+              <a:rPr kumimoji="1" lang="ja-JP" altLang="en-US" sz="2800" dirty="0" smtClean="0"/>
+              <a:t>年</a:t>
+            </a:r>
+            <a:r>
+              <a:rPr lang="en-US" altLang="ja-JP" sz="2800" dirty="0"/>
+              <a:t>9</a:t>
+            </a:r>
+            <a:r>
+              <a:rPr kumimoji="1" lang="ja-JP" altLang="en-US" sz="2800" dirty="0" smtClean="0"/>
+              <a:t>月～</a:t>
+            </a:r>
+            <a:r>
+              <a:rPr kumimoji="1" lang="en-US" altLang="ja-JP" sz="2800" dirty="0" smtClean="0"/>
+              <a:t>2014</a:t>
+            </a:r>
+            <a:r>
+              <a:rPr kumimoji="1" lang="ja-JP" altLang="en-US" sz="2800" dirty="0" smtClean="0"/>
+              <a:t>年</a:t>
+            </a:r>
+            <a:r>
+              <a:rPr kumimoji="1" lang="en-US" altLang="ja-JP" sz="2800" dirty="0" smtClean="0"/>
+              <a:t>4</a:t>
+            </a:r>
+            <a:r>
+              <a:rPr kumimoji="1" lang="ja-JP" altLang="en-US" sz="2800" dirty="0" smtClean="0"/>
+              <a:t>月までに編集したユーザの人数の総計をまとめたものである．</a:t>
+            </a:r>
+            <a:endParaRPr kumimoji="1" lang="ja-JP" altLang="en-US" sz="2800" dirty="0"/>
+          </a:p>
+        </p:txBody>
+      </p:sp>
+      <p:graphicFrame>
+        <p:nvGraphicFramePr>
+          <p:cNvPr id="32" name="グラフ 31"/>
+          <p:cNvGraphicFramePr>
+            <a:graphicFrameLocks/>
+          </p:cNvGraphicFramePr>
+          <p:nvPr>
+            <p:extLst>
+              <p:ext uri="{D42A27DB-BD31-4B8C-83A1-F6EECF244321}">
+                <p14:modId xmlns:p14="http://schemas.microsoft.com/office/powerpoint/2010/main" val="2678655558"/>
+              </p:ext>
+            </p:extLst>
+          </p:nvPr>
+        </p:nvGraphicFramePr>
+        <p:xfrm>
+          <a:off x="8901850" y="20583041"/>
+          <a:ext cx="11569828" cy="4062002"/>
+        </p:xfrm>
+        <a:graphic>
+          <a:graphicData uri="http://schemas.openxmlformats.org/drawingml/2006/chart">
+            <c:chart xmlns:c="http://schemas.openxmlformats.org/drawingml/2006/chart" xmlns:r="http://schemas.openxmlformats.org/officeDocument/2006/relationships" r:id="rId3"/>
+          </a:graphicData>
+        </a:graphic>
+      </p:graphicFrame>
+      <p:sp>
+        <p:nvSpPr>
+          <p:cNvPr id="23" name="テキスト ボックス 22"/>
+          <p:cNvSpPr txBox="1"/>
+          <p:nvPr/>
+        </p:nvSpPr>
+        <p:spPr>
+          <a:xfrm>
+            <a:off x="9093174" y="20583041"/>
+            <a:ext cx="1778206" cy="461665"/>
+          </a:xfrm>
+          <a:prstGeom prst="rect">
+            <a:avLst/>
+          </a:prstGeom>
+          <a:noFill/>
+        </p:spPr>
+        <p:txBody>
+          <a:bodyPr wrap="square" rtlCol="0">
+            <a:spAutoFit/>
+          </a:bodyPr>
+          <a:lstStyle/>
+          <a:p>
+            <a:r>
+              <a:rPr kumimoji="1" lang="ja-JP" altLang="en-US" sz="2400" dirty="0" smtClean="0"/>
+              <a:t>日数　</a:t>
+            </a:r>
+            <a:r>
+              <a:rPr kumimoji="1" lang="en-US" altLang="ja-JP" sz="2400" dirty="0" smtClean="0"/>
+              <a:t>(</a:t>
+            </a:r>
+            <a:r>
+              <a:rPr kumimoji="1" lang="ja-JP" altLang="en-US" sz="2400" dirty="0" smtClean="0"/>
+              <a:t>日</a:t>
+            </a:r>
+            <a:r>
+              <a:rPr kumimoji="1" lang="en-US" altLang="ja-JP" sz="2400" dirty="0" smtClean="0"/>
+              <a:t>)</a:t>
+            </a:r>
+            <a:endParaRPr kumimoji="1" lang="ja-JP" altLang="en-US" sz="2400" dirty="0"/>
+          </a:p>
+        </p:txBody>
+      </p:sp>
+      <p:sp>
+        <p:nvSpPr>
+          <p:cNvPr id="26" name="テキスト ボックス 25"/>
+          <p:cNvSpPr txBox="1"/>
+          <p:nvPr/>
+        </p:nvSpPr>
+        <p:spPr>
+          <a:xfrm>
+            <a:off x="18374340" y="20813873"/>
+            <a:ext cx="1635479" cy="923330"/>
+          </a:xfrm>
+          <a:prstGeom prst="rect">
+            <a:avLst/>
+          </a:prstGeom>
+          <a:solidFill>
+            <a:schemeClr val="bg1"/>
+          </a:solidFill>
+          <a:ln>
+            <a:noFill/>
+          </a:ln>
+        </p:spPr>
+        <p:txBody>
+          <a:bodyPr wrap="square" rtlCol="0">
+            <a:spAutoFit/>
+          </a:bodyPr>
+          <a:lstStyle/>
+          <a:p>
+            <a:r>
+              <a:rPr kumimoji="1" lang="ja-JP" altLang="en-US" sz="5400" dirty="0" smtClean="0"/>
+              <a:t>図</a:t>
+            </a:r>
+            <a:r>
+              <a:rPr kumimoji="1" lang="en-US" altLang="ja-JP" sz="5400" dirty="0" smtClean="0"/>
+              <a:t>1</a:t>
+            </a:r>
+            <a:r>
+              <a:rPr lang="en-US" altLang="ja-JP" sz="5400" dirty="0"/>
+              <a:t>.</a:t>
+            </a:r>
+            <a:endParaRPr kumimoji="1" lang="ja-JP" altLang="en-US" sz="5400" dirty="0"/>
+          </a:p>
+        </p:txBody>
+      </p:sp>
+      <p:sp>
+        <p:nvSpPr>
+          <p:cNvPr id="27" name="テキスト ボックス 26"/>
+          <p:cNvSpPr txBox="1"/>
+          <p:nvPr/>
+        </p:nvSpPr>
+        <p:spPr>
+          <a:xfrm>
+            <a:off x="9270814" y="24853516"/>
+            <a:ext cx="11196726" cy="2308324"/>
+          </a:xfrm>
+          <a:prstGeom prst="rect">
+            <a:avLst/>
+          </a:prstGeom>
+          <a:noFill/>
+        </p:spPr>
+        <p:txBody>
+          <a:bodyPr wrap="square" rtlCol="0">
+            <a:spAutoFit/>
+          </a:bodyPr>
+          <a:lstStyle/>
+          <a:p>
+            <a:r>
+              <a:rPr lang="ja-JP" altLang="en-US" sz="3200" dirty="0"/>
+              <a:t>　</a:t>
+            </a:r>
+            <a:r>
+              <a:rPr lang="ja-JP" altLang="en-US" sz="2800" dirty="0" smtClean="0"/>
+              <a:t>　　　　　　　　　　</a:t>
+            </a:r>
+            <a:r>
+              <a:rPr kumimoji="1" lang="ja-JP" altLang="en-US" sz="2800" dirty="0" smtClean="0"/>
+              <a:t>図</a:t>
+            </a:r>
+            <a:r>
+              <a:rPr kumimoji="1" lang="en-US" altLang="ja-JP" sz="2800" dirty="0" smtClean="0"/>
+              <a:t>1</a:t>
+            </a:r>
+            <a:r>
+              <a:rPr kumimoji="1" lang="en-US" altLang="ja-JP" sz="2800" dirty="0" smtClean="0"/>
+              <a:t>.</a:t>
+            </a:r>
+            <a:r>
+              <a:rPr lang="ja-JP" altLang="en-US" sz="2800" dirty="0" smtClean="0"/>
+              <a:t>閲覧</a:t>
+            </a:r>
+            <a:r>
+              <a:rPr lang="ja-JP" altLang="en-US" sz="2800" dirty="0"/>
+              <a:t>回数</a:t>
+            </a:r>
+            <a:r>
+              <a:rPr lang="ja-JP" altLang="en-US" sz="2800" dirty="0" smtClean="0"/>
+              <a:t>のヒストグラム</a:t>
+            </a:r>
+            <a:endParaRPr kumimoji="1" lang="en-US" altLang="ja-JP" sz="2800" dirty="0" smtClean="0"/>
+          </a:p>
+          <a:p>
+            <a:r>
+              <a:rPr lang="en-US" altLang="ja-JP" sz="2800" dirty="0" smtClean="0"/>
+              <a:t>※</a:t>
+            </a:r>
+            <a:r>
+              <a:rPr lang="ja-JP" altLang="en-US" sz="2800" dirty="0" smtClean="0"/>
+              <a:t>図</a:t>
+            </a:r>
+            <a:r>
+              <a:rPr lang="en-US" altLang="ja-JP" sz="2800" dirty="0" smtClean="0"/>
+              <a:t>1</a:t>
+            </a:r>
+            <a:r>
+              <a:rPr lang="en-US" altLang="ja-JP" sz="2800" dirty="0" smtClean="0"/>
+              <a:t>.</a:t>
+            </a:r>
+            <a:r>
+              <a:rPr lang="ja-JP" altLang="en-US" sz="2800" dirty="0" smtClean="0"/>
+              <a:t>は</a:t>
+            </a:r>
+            <a:endParaRPr lang="en-US" altLang="ja-JP" sz="2800" dirty="0" smtClean="0"/>
+          </a:p>
+          <a:p>
+            <a:r>
+              <a:rPr lang="en-US" altLang="ja-JP" sz="2800" dirty="0" smtClean="0">
+                <a:hlinkClick r:id="rId4"/>
+              </a:rPr>
+              <a:t>http</a:t>
+            </a:r>
+            <a:r>
+              <a:rPr lang="en-US" altLang="ja-JP" sz="2800" dirty="0">
+                <a:hlinkClick r:id="rId4"/>
+              </a:rPr>
+              <a:t>://ja.wikipedia.org/wiki/%E3%83%92%E3%82%B9%E3%83%88%E3%82%B0%E3%83%A9%E3%83%A0</a:t>
+            </a:r>
+            <a:r>
+              <a:rPr lang="ja-JP" altLang="en-US" sz="2800" dirty="0"/>
+              <a:t>の</a:t>
+            </a:r>
+            <a:r>
+              <a:rPr lang="en-US" altLang="ja-JP" sz="2800" dirty="0"/>
+              <a:t>2014</a:t>
+            </a:r>
+            <a:r>
+              <a:rPr lang="ja-JP" altLang="en-US" sz="2800" dirty="0"/>
+              <a:t>年</a:t>
+            </a:r>
+            <a:r>
+              <a:rPr lang="en-US" altLang="ja-JP" sz="2800" dirty="0"/>
+              <a:t>9</a:t>
+            </a:r>
+            <a:r>
+              <a:rPr lang="ja-JP" altLang="en-US" sz="2800" dirty="0"/>
+              <a:t>月の閲覧回数をもとに作成したヒストグラムである</a:t>
+            </a:r>
+            <a:r>
+              <a:rPr lang="ja-JP" altLang="en-US" sz="2800" dirty="0" smtClean="0"/>
+              <a:t>．</a:t>
+            </a:r>
+            <a:endParaRPr lang="ja-JP" altLang="en-US" sz="2800" dirty="0"/>
+          </a:p>
+        </p:txBody>
+      </p:sp>
       <p:grpSp>
         <p:nvGrpSpPr>
-          <p:cNvPr id="16" name="グループ化 15"/>
+          <p:cNvPr id="28" name="グループ化 27"/>
           <p:cNvGrpSpPr/>
           <p:nvPr/>
         </p:nvGrpSpPr>
         <p:grpSpPr>
           <a:xfrm>
-            <a:off x="6928426" y="12223671"/>
-            <a:ext cx="13955360" cy="5118033"/>
-            <a:chOff x="6928426" y="13544594"/>
-            <a:chExt cx="13955360" cy="4185456"/>
+            <a:off x="8342237" y="12105528"/>
+            <a:ext cx="12385376" cy="4518895"/>
+            <a:chOff x="7165008" y="12462259"/>
+            <a:chExt cx="13018152" cy="4770525"/>
           </a:xfrm>
         </p:grpSpPr>
-        <p:sp>
-          <p:nvSpPr>
-            <p:cNvPr id="3" name="円/楕円 2"/>
-            <p:cNvSpPr/>
-            <p:nvPr/>
-          </p:nvSpPr>
-          <p:spPr>
-            <a:xfrm>
-              <a:off x="6928426" y="13544594"/>
-              <a:ext cx="5081823" cy="1193405"/>
-            </a:xfrm>
-            <a:prstGeom prst="ellipse">
-              <a:avLst/>
-            </a:prstGeom>
-            <a:solidFill>
-              <a:srgbClr val="00B050"/>
-            </a:solidFill>
-            <a:ln>
-              <a:solidFill>
-                <a:schemeClr val="tx1"/>
-              </a:solidFill>
-            </a:ln>
-          </p:spPr>
-          <p:style>
-            <a:lnRef idx="2">
-              <a:schemeClr val="accent1">
-                <a:shade val="50000"/>
-              </a:schemeClr>
-            </a:lnRef>
-            <a:fillRef idx="1">
-              <a:schemeClr val="accent1"/>
-            </a:fillRef>
-            <a:effectRef idx="0">
-              <a:schemeClr val="accent1"/>
-            </a:effectRef>
-            <a:fontRef idx="minor">
-              <a:schemeClr val="lt1"/>
-            </a:fontRef>
-          </p:style>
-          <p:txBody>
-            <a:bodyPr rtlCol="0" anchor="ctr"/>
-            <a:lstStyle/>
-            <a:p>
-              <a:pPr algn="ctr"/>
-              <a:r>
-                <a:rPr kumimoji="1" lang="en-US" altLang="ja-JP" sz="3600" b="1" dirty="0" smtClean="0">
-                  <a:solidFill>
-                    <a:schemeClr val="tx1"/>
-                  </a:solidFill>
-                </a:rPr>
-                <a:t>Wikipedia</a:t>
-              </a:r>
-              <a:endParaRPr kumimoji="1" lang="ja-JP" altLang="en-US" sz="3600" b="1" dirty="0">
-                <a:solidFill>
-                  <a:schemeClr val="tx1"/>
-                </a:solidFill>
-              </a:endParaRPr>
-            </a:p>
-          </p:txBody>
-        </p:sp>
         <p:sp>
           <p:nvSpPr>
             <p:cNvPr id="5" name="右矢印 4"/>
@@ -4671,8 +5082,8 @@
           </p:nvSpPr>
           <p:spPr>
             <a:xfrm rot="16200000">
-              <a:off x="8890619" y="15042508"/>
-              <a:ext cx="1157436" cy="1107992"/>
+              <a:off x="8761673" y="14178779"/>
+              <a:ext cx="1415329" cy="1107992"/>
             </a:xfrm>
             <a:prstGeom prst="rightArrow">
               <a:avLst/>
@@ -4719,14 +5130,14 @@
           </p:nvSpPr>
           <p:spPr>
             <a:xfrm>
-              <a:off x="7368409" y="16645025"/>
-              <a:ext cx="4658327" cy="940784"/>
+              <a:off x="7176104" y="16082380"/>
+              <a:ext cx="4658327" cy="1150404"/>
             </a:xfrm>
             <a:prstGeom prst="roundRect">
               <a:avLst/>
             </a:prstGeom>
             <a:solidFill>
-              <a:srgbClr val="00B0F0"/>
+              <a:schemeClr val="bg1"/>
             </a:solidFill>
             <a:ln>
               <a:solidFill>
@@ -4779,8 +5190,8 @@
           </p:nvSpPr>
           <p:spPr>
             <a:xfrm rot="10800000">
-              <a:off x="12256937" y="13821515"/>
-              <a:ext cx="1081332" cy="639561"/>
+              <a:off x="12256937" y="12562294"/>
+              <a:ext cx="1081332" cy="782064"/>
             </a:xfrm>
             <a:prstGeom prst="rightArrow">
               <a:avLst/>
@@ -4825,134 +5236,14 @@
         </p:sp>
         <p:sp>
           <p:nvSpPr>
-            <p:cNvPr id="10" name="平行四辺形 9"/>
-            <p:cNvSpPr/>
-            <p:nvPr/>
-          </p:nvSpPr>
-          <p:spPr>
-            <a:xfrm>
-              <a:off x="13750723" y="13624344"/>
-              <a:ext cx="7133063" cy="1033906"/>
-            </a:xfrm>
-            <a:prstGeom prst="parallelogram">
-              <a:avLst/>
-            </a:prstGeom>
-            <a:solidFill>
-              <a:srgbClr val="FF0000"/>
-            </a:solidFill>
-            <a:ln>
-              <a:solidFill>
-                <a:schemeClr val="tx1"/>
-              </a:solidFill>
-            </a:ln>
-          </p:spPr>
-          <p:style>
-            <a:lnRef idx="2">
-              <a:schemeClr val="accent1">
-                <a:shade val="50000"/>
-              </a:schemeClr>
-            </a:lnRef>
-            <a:fillRef idx="1">
-              <a:schemeClr val="accent1"/>
-            </a:fillRef>
-            <a:effectRef idx="0">
-              <a:schemeClr val="accent1"/>
-            </a:effectRef>
-            <a:fontRef idx="minor">
-              <a:schemeClr val="lt1"/>
-            </a:fontRef>
-          </p:style>
-          <p:txBody>
-            <a:bodyPr rtlCol="0" anchor="ctr"/>
-            <a:lstStyle/>
-            <a:p>
-              <a:pPr algn="ctr"/>
-              <a:r>
-                <a:rPr kumimoji="1" lang="ja-JP" altLang="en-US" sz="3600" b="1" dirty="0" smtClean="0">
-                  <a:solidFill>
-                    <a:schemeClr val="tx1"/>
-                  </a:solidFill>
-                </a:rPr>
-                <a:t>大規模プロジェクト</a:t>
-              </a:r>
-              <a:endParaRPr kumimoji="1" lang="ja-JP" altLang="en-US" sz="3600" b="1" dirty="0">
-                <a:solidFill>
-                  <a:schemeClr val="tx1"/>
-                </a:solidFill>
-              </a:endParaRPr>
-            </a:p>
-          </p:txBody>
-        </p:sp>
-        <p:sp>
-          <p:nvSpPr>
-            <p:cNvPr id="13" name="六角形 12"/>
-            <p:cNvSpPr/>
-            <p:nvPr/>
-          </p:nvSpPr>
-          <p:spPr>
-            <a:xfrm>
-              <a:off x="13882009" y="16500784"/>
-              <a:ext cx="6890442" cy="1229266"/>
-            </a:xfrm>
-            <a:prstGeom prst="hexagon">
-              <a:avLst/>
-            </a:prstGeom>
-            <a:solidFill>
-              <a:srgbClr val="FFFF00"/>
-            </a:solidFill>
-            <a:ln>
-              <a:solidFill>
-                <a:schemeClr val="tx1"/>
-              </a:solidFill>
-            </a:ln>
-          </p:spPr>
-          <p:style>
-            <a:lnRef idx="2">
-              <a:schemeClr val="accent1">
-                <a:shade val="50000"/>
-              </a:schemeClr>
-            </a:lnRef>
-            <a:fillRef idx="1">
-              <a:schemeClr val="accent1"/>
-            </a:fillRef>
-            <a:effectRef idx="0">
-              <a:schemeClr val="accent1"/>
-            </a:effectRef>
-            <a:fontRef idx="minor">
-              <a:schemeClr val="lt1"/>
-            </a:fontRef>
-          </p:style>
-          <p:txBody>
-            <a:bodyPr rtlCol="0" anchor="ctr"/>
-            <a:lstStyle/>
-            <a:p>
-              <a:pPr algn="ctr"/>
-              <a:r>
-                <a:rPr kumimoji="1" lang="ja-JP" altLang="en-US" sz="3600" b="1" dirty="0" smtClean="0">
-                  <a:solidFill>
-                    <a:schemeClr val="tx1"/>
-                  </a:solidFill>
-                </a:rPr>
-                <a:t>人的資源マネジメント</a:t>
-              </a:r>
-              <a:endParaRPr kumimoji="1" lang="ja-JP" altLang="en-US" sz="3600" b="1" dirty="0">
-                <a:solidFill>
-                  <a:schemeClr val="tx1"/>
-                </a:solidFill>
-              </a:endParaRPr>
-            </a:p>
-          </p:txBody>
-        </p:sp>
-        <p:sp>
-          <p:nvSpPr>
             <p:cNvPr id="14" name="上下矢印 13"/>
             <p:cNvSpPr/>
             <p:nvPr/>
           </p:nvSpPr>
           <p:spPr>
             <a:xfrm>
-              <a:off x="13983888" y="14948644"/>
-              <a:ext cx="844424" cy="1226578"/>
+              <a:off x="13983888" y="13940563"/>
+              <a:ext cx="844424" cy="1499876"/>
             </a:xfrm>
             <a:prstGeom prst="upDownArrow">
               <a:avLst/>
@@ -4995,130 +5286,6 @@
             </a:p>
           </p:txBody>
         </p:sp>
-        <p:grpSp>
-          <p:nvGrpSpPr>
-            <p:cNvPr id="29" name="グループ化 28"/>
-            <p:cNvGrpSpPr/>
-            <p:nvPr/>
-          </p:nvGrpSpPr>
-          <p:grpSpPr>
-            <a:xfrm>
-              <a:off x="15060876" y="14972619"/>
-              <a:ext cx="5580288" cy="1178628"/>
-              <a:chOff x="11341470" y="10077357"/>
-              <a:chExt cx="8280919" cy="2454978"/>
-            </a:xfrm>
-          </p:grpSpPr>
-          <p:sp>
-            <p:nvSpPr>
-              <p:cNvPr id="25" name="正方形/長方形 24"/>
-              <p:cNvSpPr/>
-              <p:nvPr/>
-            </p:nvSpPr>
-            <p:spPr>
-              <a:xfrm>
-                <a:off x="11485488" y="10243443"/>
-                <a:ext cx="7920880" cy="2016224"/>
-              </a:xfrm>
-              <a:prstGeom prst="rect">
-                <a:avLst/>
-              </a:prstGeom>
-              <a:solidFill>
-                <a:schemeClr val="bg1"/>
-              </a:solidFill>
-            </p:spPr>
-            <p:style>
-              <a:lnRef idx="2">
-                <a:schemeClr val="accent1">
-                  <a:shade val="50000"/>
-                </a:schemeClr>
-              </a:lnRef>
-              <a:fillRef idx="1">
-                <a:schemeClr val="accent1"/>
-              </a:fillRef>
-              <a:effectRef idx="0">
-                <a:schemeClr val="accent1"/>
-              </a:effectRef>
-              <a:fontRef idx="minor">
-                <a:schemeClr val="lt1"/>
-              </a:fontRef>
-            </p:style>
-            <p:txBody>
-              <a:bodyPr rtlCol="0" anchor="ctr"/>
-              <a:lstStyle/>
-              <a:p>
-                <a:pPr algn="ctr"/>
-                <a:endParaRPr kumimoji="1" lang="ja-JP" altLang="en-US"/>
-              </a:p>
-            </p:txBody>
-          </p:sp>
-          <p:sp>
-            <p:nvSpPr>
-              <p:cNvPr id="17" name="フレーム 16"/>
-              <p:cNvSpPr/>
-              <p:nvPr/>
-            </p:nvSpPr>
-            <p:spPr>
-              <a:xfrm>
-                <a:off x="11341470" y="10077357"/>
-                <a:ext cx="8280919" cy="2454978"/>
-              </a:xfrm>
-              <a:prstGeom prst="frame">
-                <a:avLst/>
-              </a:prstGeom>
-              <a:solidFill>
-                <a:schemeClr val="tx1"/>
-              </a:solidFill>
-              <a:ln>
-                <a:noFill/>
-              </a:ln>
-            </p:spPr>
-            <p:style>
-              <a:lnRef idx="2">
-                <a:schemeClr val="accent1">
-                  <a:shade val="50000"/>
-                </a:schemeClr>
-              </a:lnRef>
-              <a:fillRef idx="1">
-                <a:schemeClr val="accent1"/>
-              </a:fillRef>
-              <a:effectRef idx="0">
-                <a:schemeClr val="accent1"/>
-              </a:effectRef>
-              <a:fontRef idx="minor">
-                <a:schemeClr val="lt1"/>
-              </a:fontRef>
-            </p:style>
-            <p:txBody>
-              <a:bodyPr rtlCol="0" anchor="ctr"/>
-              <a:lstStyle/>
-              <a:p>
-                <a:pPr algn="ctr"/>
-                <a:r>
-                  <a:rPr kumimoji="1" lang="ja-JP" altLang="en-US" sz="3600" b="1" dirty="0" smtClean="0">
-                    <a:solidFill>
-                      <a:schemeClr val="tx1"/>
-                    </a:solidFill>
-                  </a:rPr>
-                  <a:t>プロジェクトマネジメン</a:t>
-                </a:r>
-                <a:r>
-                  <a:rPr kumimoji="1" lang="ja-JP" altLang="en-US" sz="3600" dirty="0" smtClean="0">
-                    <a:solidFill>
-                      <a:schemeClr val="tx1"/>
-                    </a:solidFill>
-                  </a:rPr>
-                  <a:t>ト</a:t>
-                </a:r>
-                <a:endParaRPr kumimoji="1" lang="ja-JP" altLang="en-US" sz="3600" dirty="0">
-                  <a:solidFill>
-                    <a:schemeClr val="tx1"/>
-                  </a:solidFill>
-                </a:endParaRPr>
-              </a:p>
-            </p:txBody>
-          </p:sp>
-        </p:grpSp>
         <p:sp>
           <p:nvSpPr>
             <p:cNvPr id="31" name="右矢印 30"/>
@@ -5127,8 +5294,8 @@
           </p:nvSpPr>
           <p:spPr>
             <a:xfrm rot="10800000">
-              <a:off x="12257241" y="16795636"/>
-              <a:ext cx="1081332" cy="639561"/>
+              <a:off x="12257241" y="16199090"/>
+              <a:ext cx="1081332" cy="782064"/>
             </a:xfrm>
             <a:prstGeom prst="rightArrow">
               <a:avLst/>
@@ -5171,413 +5338,240 @@
             </a:p>
           </p:txBody>
         </p:sp>
+        <p:sp>
+          <p:nvSpPr>
+            <p:cNvPr id="21" name="角丸四角形 20"/>
+            <p:cNvSpPr/>
+            <p:nvPr/>
+          </p:nvSpPr>
+          <p:spPr>
+            <a:xfrm>
+              <a:off x="7165008" y="12462260"/>
+              <a:ext cx="4680520" cy="1093551"/>
+            </a:xfrm>
+            <a:prstGeom prst="roundRect">
+              <a:avLst/>
+            </a:prstGeom>
+            <a:solidFill>
+              <a:schemeClr val="bg1"/>
+            </a:solidFill>
+            <a:ln>
+              <a:solidFill>
+                <a:schemeClr val="tx1"/>
+              </a:solidFill>
+            </a:ln>
+          </p:spPr>
+          <p:style>
+            <a:lnRef idx="2">
+              <a:schemeClr val="accent1">
+                <a:shade val="50000"/>
+              </a:schemeClr>
+            </a:lnRef>
+            <a:fillRef idx="1">
+              <a:schemeClr val="accent1"/>
+            </a:fillRef>
+            <a:effectRef idx="0">
+              <a:schemeClr val="accent1"/>
+            </a:effectRef>
+            <a:fontRef idx="minor">
+              <a:schemeClr val="lt1"/>
+            </a:fontRef>
+          </p:style>
+          <p:txBody>
+            <a:bodyPr rtlCol="0" anchor="ctr"/>
+            <a:lstStyle/>
+            <a:p>
+              <a:pPr algn="ctr"/>
+              <a:r>
+                <a:rPr lang="en-US" altLang="ja-JP" sz="3600" b="1" dirty="0">
+                  <a:solidFill>
+                    <a:schemeClr val="tx1"/>
+                  </a:solidFill>
+                </a:rPr>
+                <a:t>Wikipedia</a:t>
+              </a:r>
+            </a:p>
+          </p:txBody>
+        </p:sp>
+        <p:sp>
+          <p:nvSpPr>
+            <p:cNvPr id="33" name="角丸四角形 32"/>
+            <p:cNvSpPr/>
+            <p:nvPr/>
+          </p:nvSpPr>
+          <p:spPr>
+            <a:xfrm>
+              <a:off x="14601175" y="12462259"/>
+              <a:ext cx="4680520" cy="1093551"/>
+            </a:xfrm>
+            <a:prstGeom prst="roundRect">
+              <a:avLst/>
+            </a:prstGeom>
+            <a:solidFill>
+              <a:schemeClr val="bg1"/>
+            </a:solidFill>
+            <a:ln>
+              <a:solidFill>
+                <a:schemeClr val="tx1"/>
+              </a:solidFill>
+            </a:ln>
+          </p:spPr>
+          <p:style>
+            <a:lnRef idx="2">
+              <a:schemeClr val="accent1">
+                <a:shade val="50000"/>
+              </a:schemeClr>
+            </a:lnRef>
+            <a:fillRef idx="1">
+              <a:schemeClr val="accent1"/>
+            </a:fillRef>
+            <a:effectRef idx="0">
+              <a:schemeClr val="accent1"/>
+            </a:effectRef>
+            <a:fontRef idx="minor">
+              <a:schemeClr val="lt1"/>
+            </a:fontRef>
+          </p:style>
+          <p:txBody>
+            <a:bodyPr rtlCol="0" anchor="ctr"/>
+            <a:lstStyle/>
+            <a:p>
+              <a:pPr algn="ctr"/>
+              <a:r>
+                <a:rPr lang="ja-JP" altLang="en-US" sz="3600" b="1" dirty="0" smtClean="0">
+                  <a:solidFill>
+                    <a:schemeClr val="tx1"/>
+                  </a:solidFill>
+                </a:rPr>
+                <a:t>大規模</a:t>
+              </a:r>
+              <a:r>
+                <a:rPr lang="ja-JP" altLang="en-US" sz="3600" b="1" dirty="0">
+                  <a:solidFill>
+                    <a:schemeClr val="tx1"/>
+                  </a:solidFill>
+                </a:rPr>
+                <a:t>プロジェクト</a:t>
+              </a:r>
+              <a:endParaRPr lang="en-US" altLang="ja-JP" sz="3600" b="1" dirty="0">
+                <a:solidFill>
+                  <a:schemeClr val="tx1"/>
+                </a:solidFill>
+              </a:endParaRPr>
+            </a:p>
+          </p:txBody>
+        </p:sp>
+        <p:sp>
+          <p:nvSpPr>
+            <p:cNvPr id="34" name="角丸四角形 33"/>
+            <p:cNvSpPr/>
+            <p:nvPr/>
+          </p:nvSpPr>
+          <p:spPr>
+            <a:xfrm>
+              <a:off x="14570137" y="16043346"/>
+              <a:ext cx="4680520" cy="1093551"/>
+            </a:xfrm>
+            <a:prstGeom prst="roundRect">
+              <a:avLst/>
+            </a:prstGeom>
+            <a:solidFill>
+              <a:schemeClr val="bg1"/>
+            </a:solidFill>
+            <a:ln>
+              <a:solidFill>
+                <a:schemeClr val="tx1"/>
+              </a:solidFill>
+            </a:ln>
+          </p:spPr>
+          <p:style>
+            <a:lnRef idx="2">
+              <a:schemeClr val="accent1">
+                <a:shade val="50000"/>
+              </a:schemeClr>
+            </a:lnRef>
+            <a:fillRef idx="1">
+              <a:schemeClr val="accent1"/>
+            </a:fillRef>
+            <a:effectRef idx="0">
+              <a:schemeClr val="accent1"/>
+            </a:effectRef>
+            <a:fontRef idx="minor">
+              <a:schemeClr val="lt1"/>
+            </a:fontRef>
+          </p:style>
+          <p:txBody>
+            <a:bodyPr rtlCol="0" anchor="ctr"/>
+            <a:lstStyle/>
+            <a:p>
+              <a:pPr algn="ctr"/>
+              <a:r>
+                <a:rPr lang="ja-JP" altLang="en-US" sz="3600" b="1" dirty="0">
+                  <a:solidFill>
+                    <a:schemeClr val="tx1"/>
+                  </a:solidFill>
+                </a:rPr>
+                <a:t>人的資源マネジメント</a:t>
+              </a:r>
+            </a:p>
+          </p:txBody>
+        </p:sp>
+        <p:sp>
+          <p:nvSpPr>
+            <p:cNvPr id="22" name="角丸四角形 21"/>
+            <p:cNvSpPr/>
+            <p:nvPr/>
+          </p:nvSpPr>
+          <p:spPr>
+            <a:xfrm>
+              <a:off x="15251166" y="14156711"/>
+              <a:ext cx="4931994" cy="1152128"/>
+            </a:xfrm>
+            <a:prstGeom prst="roundRect">
+              <a:avLst/>
+            </a:prstGeom>
+            <a:solidFill>
+              <a:schemeClr val="bg1"/>
+            </a:solidFill>
+          </p:spPr>
+          <p:style>
+            <a:lnRef idx="2">
+              <a:schemeClr val="accent1">
+                <a:shade val="50000"/>
+              </a:schemeClr>
+            </a:lnRef>
+            <a:fillRef idx="1">
+              <a:schemeClr val="accent1"/>
+            </a:fillRef>
+            <a:effectRef idx="0">
+              <a:schemeClr val="accent1"/>
+            </a:effectRef>
+            <a:fontRef idx="minor">
+              <a:schemeClr val="lt1"/>
+            </a:fontRef>
+          </p:style>
+          <p:txBody>
+            <a:bodyPr rtlCol="0" anchor="ctr"/>
+            <a:lstStyle/>
+            <a:p>
+              <a:pPr algn="ctr"/>
+              <a:r>
+                <a:rPr kumimoji="1" lang="ja-JP" altLang="en-US" sz="3600" b="1" dirty="0" smtClean="0">
+                  <a:solidFill>
+                    <a:schemeClr val="tx1"/>
+                  </a:solidFill>
+                </a:rPr>
+                <a:t>プロジェクトマネジメント</a:t>
+              </a:r>
+              <a:endParaRPr kumimoji="1" lang="ja-JP" altLang="en-US" sz="3600" b="1" dirty="0">
+                <a:solidFill>
+                  <a:schemeClr val="tx1"/>
+                </a:solidFill>
+              </a:endParaRPr>
+            </a:p>
+          </p:txBody>
+        </p:sp>
       </p:grpSp>
-      <p:sp>
-        <p:nvSpPr>
-          <p:cNvPr id="18" name="テキスト ボックス 17"/>
-          <p:cNvSpPr txBox="1"/>
-          <p:nvPr/>
-        </p:nvSpPr>
-        <p:spPr>
-          <a:xfrm>
-            <a:off x="646720" y="6797934"/>
-            <a:ext cx="20237066" cy="5078313"/>
-          </a:xfrm>
-          <a:prstGeom prst="rect">
-            <a:avLst/>
-          </a:prstGeom>
-          <a:noFill/>
-          <a:ln>
-            <a:solidFill>
-              <a:schemeClr val="tx1"/>
-            </a:solidFill>
-          </a:ln>
-        </p:spPr>
-        <p:txBody>
-          <a:bodyPr wrap="square" rtlCol="0">
-            <a:spAutoFit/>
-          </a:bodyPr>
-          <a:lstStyle/>
-          <a:p>
-            <a:r>
-              <a:rPr kumimoji="1" lang="en-US" altLang="ja-JP" sz="5400" dirty="0" smtClean="0"/>
-              <a:t>Wikipedia</a:t>
-            </a:r>
-            <a:r>
-              <a:rPr kumimoji="1" lang="ja-JP" altLang="en-US" sz="5400" dirty="0" smtClean="0"/>
-              <a:t>は，多くの人がボランティアで執筆するオンライン百科事典プロジェクトである．</a:t>
-            </a:r>
-            <a:endParaRPr kumimoji="1" lang="en-US" altLang="ja-JP" sz="5400" dirty="0" smtClean="0"/>
-          </a:p>
-          <a:p>
-            <a:r>
-              <a:rPr lang="ja-JP" altLang="ja-JP" sz="5400" dirty="0"/>
-              <a:t>ウィキペディアの成功理由についてはさまざまな考察が</a:t>
-            </a:r>
-            <a:r>
-              <a:rPr lang="ja-JP" altLang="ja-JP" sz="5400" dirty="0" smtClean="0"/>
-              <a:t>され</a:t>
-            </a:r>
-            <a:r>
-              <a:rPr lang="ja-JP" altLang="en-US" sz="5400" dirty="0"/>
-              <a:t>て</a:t>
-            </a:r>
-            <a:r>
-              <a:rPr lang="ja-JP" altLang="en-US" sz="5400" dirty="0" smtClean="0"/>
-              <a:t>おり，</a:t>
-            </a:r>
-            <a:r>
-              <a:rPr lang="ja-JP" altLang="ja-JP" sz="5400" dirty="0" smtClean="0"/>
-              <a:t>多く</a:t>
-            </a:r>
-            <a:r>
-              <a:rPr lang="ja-JP" altLang="ja-JP" sz="5400" dirty="0"/>
-              <a:t>の人が参加するプロジェクトの代表例である</a:t>
-            </a:r>
-            <a:r>
-              <a:rPr lang="en-US" altLang="ja-JP" sz="5400" dirty="0"/>
-              <a:t>Wikipedia</a:t>
-            </a:r>
-            <a:r>
-              <a:rPr lang="ja-JP" altLang="ja-JP" sz="5400" dirty="0"/>
-              <a:t>を調査することによって，このような形式のプロジェクトのマネジメントについての有意義な知見が得られることが期待される</a:t>
-            </a:r>
-            <a:r>
-              <a:rPr lang="ja-JP" altLang="ja-JP" sz="5400" dirty="0" smtClean="0"/>
-              <a:t>．</a:t>
-            </a:r>
-            <a:endParaRPr lang="ja-JP" altLang="ja-JP" sz="5400" dirty="0"/>
-          </a:p>
-        </p:txBody>
-      </p:sp>
-      <p:pic>
-        <p:nvPicPr>
-          <p:cNvPr id="1026" name="Picture 2" descr="C:\Users\Y.SOGA\Desktop\ah_logo1.jpg"/>
-          <p:cNvPicPr>
-            <a:picLocks noChangeAspect="1" noChangeArrowheads="1"/>
-          </p:cNvPicPr>
-          <p:nvPr/>
-        </p:nvPicPr>
-        <p:blipFill>
-          <a:blip r:embed="rId2">
-            <a:extLst>
-              <a:ext uri="{28A0092B-C50C-407E-A947-70E740481C1C}">
-                <a14:useLocalDpi xmlns:a14="http://schemas.microsoft.com/office/drawing/2010/main" val="0"/>
-              </a:ext>
-            </a:extLst>
-          </a:blip>
-          <a:srcRect/>
-          <a:stretch>
-            <a:fillRect/>
-          </a:stretch>
-        </p:blipFill>
-        <p:spPr bwMode="auto">
-          <a:xfrm>
-            <a:off x="1766434" y="12158814"/>
-            <a:ext cx="4138996" cy="3997365"/>
-          </a:xfrm>
-          <a:prstGeom prst="rect">
-            <a:avLst/>
-          </a:prstGeom>
-          <a:noFill/>
-          <a:extLst>
-            <a:ext uri="{909E8E84-426E-40DD-AFC4-6F175D3DCCD1}">
-              <a14:hiddenFill xmlns:a14="http://schemas.microsoft.com/office/drawing/2010/main">
-                <a:solidFill>
-                  <a:srgbClr val="FFFFFF"/>
-                </a:solidFill>
-              </a14:hiddenFill>
-            </a:ext>
-          </a:extLst>
-        </p:spPr>
-      </p:pic>
-      <p:sp>
-        <p:nvSpPr>
-          <p:cNvPr id="19" name="テキスト ボックス 18"/>
-          <p:cNvSpPr txBox="1"/>
-          <p:nvPr/>
-        </p:nvSpPr>
-        <p:spPr>
-          <a:xfrm>
-            <a:off x="324921" y="21228747"/>
-            <a:ext cx="2265644" cy="984885"/>
-          </a:xfrm>
-          <a:prstGeom prst="rect">
-            <a:avLst/>
-          </a:prstGeom>
-          <a:noFill/>
-        </p:spPr>
-        <p:txBody>
-          <a:bodyPr wrap="square" rtlCol="0">
-            <a:spAutoFit/>
-          </a:bodyPr>
-          <a:lstStyle/>
-          <a:p>
-            <a:r>
-              <a:rPr kumimoji="1" lang="ja-JP" altLang="en-US" dirty="0" smtClean="0"/>
-              <a:t>表</a:t>
-            </a:r>
-            <a:r>
-              <a:rPr kumimoji="1" lang="en-US" altLang="ja-JP" dirty="0" smtClean="0"/>
-              <a:t>1.</a:t>
-            </a:r>
-            <a:endParaRPr kumimoji="1" lang="ja-JP" altLang="en-US" dirty="0"/>
-          </a:p>
-        </p:txBody>
-      </p:sp>
-      <p:sp>
-        <p:nvSpPr>
-          <p:cNvPr id="20" name="テキスト ボックス 19"/>
-          <p:cNvSpPr txBox="1"/>
-          <p:nvPr/>
-        </p:nvSpPr>
-        <p:spPr>
-          <a:xfrm>
-            <a:off x="439373" y="23757720"/>
-            <a:ext cx="8582526" cy="1569660"/>
-          </a:xfrm>
-          <a:prstGeom prst="rect">
-            <a:avLst/>
-          </a:prstGeom>
-          <a:noFill/>
-        </p:spPr>
-        <p:txBody>
-          <a:bodyPr wrap="square" rtlCol="0">
-            <a:spAutoFit/>
-          </a:bodyPr>
-          <a:lstStyle/>
-          <a:p>
-            <a:r>
-              <a:rPr kumimoji="1" lang="en-US" altLang="ja-JP" sz="3200" dirty="0" smtClean="0"/>
-              <a:t>※</a:t>
-            </a:r>
-            <a:r>
-              <a:rPr kumimoji="1" lang="ja-JP" altLang="en-US" sz="3200" dirty="0" smtClean="0"/>
-              <a:t>表１</a:t>
-            </a:r>
-            <a:r>
-              <a:rPr kumimoji="1" lang="en-US" altLang="ja-JP" sz="3200" dirty="0" smtClean="0"/>
-              <a:t>.</a:t>
-            </a:r>
-            <a:r>
-              <a:rPr kumimoji="1" lang="ja-JP" altLang="en-US" sz="3200" dirty="0" smtClean="0"/>
-              <a:t>は</a:t>
-            </a:r>
-            <a:r>
-              <a:rPr kumimoji="1" lang="en-US" altLang="ja-JP" sz="3200" dirty="0" smtClean="0"/>
-              <a:t>Wikipedia</a:t>
-            </a:r>
-            <a:r>
-              <a:rPr lang="ja-JP" altLang="en-US" sz="3200" dirty="0"/>
-              <a:t>に</a:t>
-            </a:r>
-            <a:r>
-              <a:rPr kumimoji="1" lang="ja-JP" altLang="en-US" sz="3200" dirty="0" smtClean="0"/>
-              <a:t>登録後，</a:t>
-            </a:r>
-            <a:r>
-              <a:rPr kumimoji="1" lang="en-US" altLang="ja-JP" sz="3200" dirty="0" smtClean="0"/>
-              <a:t>2002</a:t>
-            </a:r>
-            <a:r>
-              <a:rPr kumimoji="1" lang="ja-JP" altLang="en-US" sz="3200" dirty="0" smtClean="0"/>
-              <a:t>年</a:t>
-            </a:r>
-            <a:r>
-              <a:rPr lang="en-US" altLang="ja-JP" sz="3200" dirty="0"/>
-              <a:t>9</a:t>
-            </a:r>
-            <a:r>
-              <a:rPr kumimoji="1" lang="ja-JP" altLang="en-US" sz="3200" dirty="0" smtClean="0"/>
-              <a:t>月～</a:t>
-            </a:r>
-            <a:r>
-              <a:rPr kumimoji="1" lang="en-US" altLang="ja-JP" sz="3200" dirty="0" smtClean="0"/>
-              <a:t>2014</a:t>
-            </a:r>
-            <a:r>
-              <a:rPr kumimoji="1" lang="ja-JP" altLang="en-US" sz="3200" dirty="0" smtClean="0"/>
-              <a:t>年</a:t>
-            </a:r>
-            <a:r>
-              <a:rPr kumimoji="1" lang="en-US" altLang="ja-JP" sz="3200" dirty="0" smtClean="0"/>
-              <a:t>4</a:t>
-            </a:r>
-            <a:r>
-              <a:rPr kumimoji="1" lang="ja-JP" altLang="en-US" sz="3200" dirty="0" smtClean="0"/>
-              <a:t>月までに編集したユーザの人数の総計をまとめたものである．</a:t>
-            </a:r>
-            <a:endParaRPr kumimoji="1" lang="ja-JP" altLang="en-US" sz="3200" dirty="0"/>
-          </a:p>
-        </p:txBody>
-      </p:sp>
-      <p:graphicFrame>
-        <p:nvGraphicFramePr>
-          <p:cNvPr id="32" name="グラフ 31"/>
-          <p:cNvGraphicFramePr>
-            <a:graphicFrameLocks/>
-          </p:cNvGraphicFramePr>
-          <p:nvPr>
-            <p:extLst>
-              <p:ext uri="{D42A27DB-BD31-4B8C-83A1-F6EECF244321}">
-                <p14:modId xmlns:p14="http://schemas.microsoft.com/office/powerpoint/2010/main" val="2582948903"/>
-              </p:ext>
-            </p:extLst>
-          </p:nvPr>
-        </p:nvGraphicFramePr>
-        <p:xfrm>
-          <a:off x="9211578" y="21259524"/>
-          <a:ext cx="11284015" cy="4308618"/>
-        </p:xfrm>
-        <a:graphic>
-          <a:graphicData uri="http://schemas.openxmlformats.org/drawingml/2006/chart">
-            <c:chart xmlns:c="http://schemas.openxmlformats.org/drawingml/2006/chart" xmlns:r="http://schemas.openxmlformats.org/officeDocument/2006/relationships" r:id="rId3"/>
-          </a:graphicData>
-        </a:graphic>
-      </p:graphicFrame>
-      <p:sp>
-        <p:nvSpPr>
-          <p:cNvPr id="23" name="テキスト ボックス 22"/>
-          <p:cNvSpPr txBox="1"/>
-          <p:nvPr/>
-        </p:nvSpPr>
-        <p:spPr>
-          <a:xfrm>
-            <a:off x="9117090" y="21259524"/>
-            <a:ext cx="1778206" cy="461665"/>
-          </a:xfrm>
-          <a:prstGeom prst="rect">
-            <a:avLst/>
-          </a:prstGeom>
-          <a:noFill/>
-        </p:spPr>
-        <p:txBody>
-          <a:bodyPr wrap="square" rtlCol="0">
-            <a:spAutoFit/>
-          </a:bodyPr>
-          <a:lstStyle/>
-          <a:p>
-            <a:r>
-              <a:rPr kumimoji="1" lang="ja-JP" altLang="en-US" sz="2400" dirty="0" smtClean="0"/>
-              <a:t>日数　</a:t>
-            </a:r>
-            <a:r>
-              <a:rPr kumimoji="1" lang="en-US" altLang="ja-JP" sz="2400" dirty="0" smtClean="0"/>
-              <a:t>(</a:t>
-            </a:r>
-            <a:r>
-              <a:rPr kumimoji="1" lang="ja-JP" altLang="en-US" sz="2400" dirty="0" smtClean="0"/>
-              <a:t>日</a:t>
-            </a:r>
-            <a:r>
-              <a:rPr kumimoji="1" lang="en-US" altLang="ja-JP" sz="2400" dirty="0" smtClean="0"/>
-              <a:t>)</a:t>
-            </a:r>
-            <a:endParaRPr kumimoji="1" lang="ja-JP" altLang="en-US" sz="2400" dirty="0"/>
-          </a:p>
-        </p:txBody>
-      </p:sp>
-      <p:sp>
-        <p:nvSpPr>
-          <p:cNvPr id="26" name="テキスト ボックス 25"/>
-          <p:cNvSpPr txBox="1"/>
-          <p:nvPr/>
-        </p:nvSpPr>
-        <p:spPr>
-          <a:xfrm>
-            <a:off x="18398256" y="21490356"/>
-            <a:ext cx="1635479" cy="923330"/>
-          </a:xfrm>
-          <a:prstGeom prst="rect">
-            <a:avLst/>
-          </a:prstGeom>
-          <a:solidFill>
-            <a:schemeClr val="bg1"/>
-          </a:solidFill>
-          <a:ln>
-            <a:noFill/>
-          </a:ln>
-        </p:spPr>
-        <p:txBody>
-          <a:bodyPr wrap="square" rtlCol="0">
-            <a:spAutoFit/>
-          </a:bodyPr>
-          <a:lstStyle/>
-          <a:p>
-            <a:r>
-              <a:rPr kumimoji="1" lang="ja-JP" altLang="en-US" sz="5400" dirty="0" smtClean="0"/>
-              <a:t>図</a:t>
-            </a:r>
-            <a:r>
-              <a:rPr kumimoji="1" lang="en-US" altLang="ja-JP" sz="5400" dirty="0" smtClean="0"/>
-              <a:t>1</a:t>
-            </a:r>
-            <a:r>
-              <a:rPr lang="en-US" altLang="ja-JP" sz="5400" dirty="0"/>
-              <a:t>.</a:t>
-            </a:r>
-            <a:endParaRPr kumimoji="1" lang="ja-JP" altLang="en-US" sz="5400" dirty="0"/>
-          </a:p>
-        </p:txBody>
-      </p:sp>
-      <p:sp>
-        <p:nvSpPr>
-          <p:cNvPr id="27" name="テキスト ボックス 26"/>
-          <p:cNvSpPr txBox="1"/>
-          <p:nvPr/>
-        </p:nvSpPr>
-        <p:spPr>
-          <a:xfrm>
-            <a:off x="9444438" y="25695214"/>
-            <a:ext cx="11014542" cy="1077218"/>
-          </a:xfrm>
-          <a:prstGeom prst="rect">
-            <a:avLst/>
-          </a:prstGeom>
-          <a:noFill/>
-        </p:spPr>
-        <p:txBody>
-          <a:bodyPr wrap="square" rtlCol="0">
-            <a:spAutoFit/>
-          </a:bodyPr>
-          <a:lstStyle/>
-          <a:p>
-            <a:r>
-              <a:rPr kumimoji="1" lang="en-US" altLang="ja-JP" sz="3200" dirty="0" smtClean="0"/>
-              <a:t>※</a:t>
-            </a:r>
-            <a:r>
-              <a:rPr kumimoji="1" lang="ja-JP" altLang="en-US" sz="3200" dirty="0" smtClean="0"/>
-              <a:t>図</a:t>
-            </a:r>
-            <a:r>
-              <a:rPr kumimoji="1" lang="en-US" altLang="ja-JP" sz="3200" dirty="0" smtClean="0"/>
-              <a:t>1.</a:t>
-            </a:r>
-            <a:r>
-              <a:rPr lang="ja-JP" altLang="en-US" sz="3200" dirty="0" smtClean="0"/>
-              <a:t>はウィキペディア日本語版の記事である，「ヒストグラム」の</a:t>
-            </a:r>
-            <a:r>
-              <a:rPr lang="en-US" altLang="ja-JP" sz="3200" dirty="0" smtClean="0"/>
-              <a:t>2014</a:t>
-            </a:r>
-            <a:r>
-              <a:rPr lang="ja-JP" altLang="en-US" sz="3200" dirty="0" smtClean="0"/>
-              <a:t>年</a:t>
-            </a:r>
-            <a:r>
-              <a:rPr lang="en-US" altLang="ja-JP" sz="3200" dirty="0" smtClean="0"/>
-              <a:t>9</a:t>
-            </a:r>
-            <a:r>
-              <a:rPr lang="ja-JP" altLang="en-US" sz="3200" dirty="0" smtClean="0"/>
-              <a:t>月の閲覧回数をもとに作成したヒストグラムである．</a:t>
-            </a:r>
-            <a:endParaRPr kumimoji="1" lang="ja-JP" altLang="en-US" sz="3200" dirty="0"/>
-          </a:p>
-        </p:txBody>
-      </p:sp>
     </p:spTree>
     <p:extLst>
       <p:ext uri="{BB962C8B-B14F-4D97-AF65-F5344CB8AC3E}">

--- a/卒業論文/2013/曽我勇貴/中間審査ポスター.pptx
+++ b/卒業論文/2013/曽我勇貴/中間審査ポスター.pptx
@@ -121,18 +121,63 @@
     </mc:Fallback>
   </mc:AlternateContent>
   <c:clrMapOvr bg1="lt1" tx1="dk1" bg2="lt2" tx2="dk2" accent1="accent1" accent2="accent2" accent3="accent3" accent4="accent4" accent5="accent5" accent6="accent6" hlink="hlink" folHlink="folHlink"/>
+  <c:pivotSource>
+    <c:name>[ヒストグラム.xlsx]Sheet4!ﾋﾟﾎﾞｯﾄﾃｰﾌﾞﾙ1</c:name>
+    <c:fmtId val="13"/>
+  </c:pivotSource>
   <c:chart>
     <c:autoTitleDeleted val="1"/>
+    <c:pivotFmts>
+      <c:pivotFmt>
+        <c:idx val="0"/>
+        <c:spPr>
+          <a:ln>
+            <a:solidFill>
+              <a:sysClr val="windowText" lastClr="000000"/>
+            </a:solidFill>
+          </a:ln>
+        </c:spPr>
+        <c:marker>
+          <c:symbol val="none"/>
+        </c:marker>
+      </c:pivotFmt>
+      <c:pivotFmt>
+        <c:idx val="1"/>
+        <c:spPr>
+          <a:ln>
+            <a:solidFill>
+              <a:sysClr val="windowText" lastClr="000000"/>
+            </a:solidFill>
+          </a:ln>
+        </c:spPr>
+        <c:marker>
+          <c:symbol val="none"/>
+        </c:marker>
+      </c:pivotFmt>
+      <c:pivotFmt>
+        <c:idx val="2"/>
+        <c:spPr>
+          <a:ln>
+            <a:solidFill>
+              <a:sysClr val="windowText" lastClr="000000"/>
+            </a:solidFill>
+          </a:ln>
+        </c:spPr>
+        <c:marker>
+          <c:symbol val="none"/>
+        </c:marker>
+      </c:pivotFmt>
+    </c:pivotFmts>
     <c:plotArea>
       <c:layout>
         <c:manualLayout>
           <c:layoutTarget val="inner"/>
           <c:xMode val="edge"/>
           <c:yMode val="edge"/>
-          <c:x val="7.1347742802539693E-2"/>
-          <c:y val="0.10615319562194239"/>
-          <c:w val="0.88335534825148676"/>
-          <c:h val="0.65174981861933456"/>
+          <c:x val="9.2482903748554932E-2"/>
+          <c:y val="4.2603655104427665E-2"/>
+          <c:w val="0.90519010335804473"/>
+          <c:h val="0.79484348815087769"/>
         </c:manualLayout>
       </c:layout>
       <c:barChart>
@@ -144,19 +189,26 @@
           <c:order val="0"/>
           <c:tx>
             <c:strRef>
-              <c:f>[ヒストグラム.xlsx]Sheet1!$H$3</c:f>
+              <c:f>Sheet4!$B$1</c:f>
               <c:strCache>
                 <c:ptCount val="1"/>
                 <c:pt idx="0">
-                  <c:v>その回数を記録した日数</c:v>
+                  <c:v>集計</c:v>
                 </c:pt>
               </c:strCache>
             </c:strRef>
           </c:tx>
+          <c:spPr>
+            <a:ln>
+              <a:solidFill>
+                <a:sysClr val="windowText" lastClr="000000"/>
+              </a:solidFill>
+            </a:ln>
+          </c:spPr>
           <c:invertIfNegative val="0"/>
           <c:cat>
             <c:strRef>
-              <c:f>[ヒストグラム.xlsx]Sheet1!$G$4:$G$12</c:f>
+              <c:f>Sheet4!$A$2:$A$11</c:f>
               <c:strCache>
                 <c:ptCount val="9"/>
                 <c:pt idx="0">
@@ -191,7 +243,7 @@
           </c:cat>
           <c:val>
             <c:numRef>
-              <c:f>[ヒストグラム.xlsx]Sheet1!$H$4:$H$12</c:f>
+              <c:f>Sheet4!$B$2:$B$11</c:f>
               <c:numCache>
                 <c:formatCode>General</c:formatCode>
                 <c:ptCount val="9"/>
@@ -234,21 +286,21 @@
           <c:showPercent val="0"/>
           <c:showBubbleSize val="0"/>
         </c:dLbls>
-        <c:gapWidth val="150"/>
-        <c:axId val="45401600"/>
-        <c:axId val="45403136"/>
+        <c:gapWidth val="0"/>
+        <c:axId val="119395072"/>
+        <c:axId val="119396608"/>
       </c:barChart>
       <c:catAx>
-        <c:axId val="45401600"/>
+        <c:axId val="119395072"/>
         <c:scaling>
           <c:orientation val="minMax"/>
         </c:scaling>
         <c:delete val="0"/>
         <c:axPos val="b"/>
-        <c:majorTickMark val="out"/>
+        <c:majorTickMark val="none"/>
         <c:minorTickMark val="none"/>
         <c:tickLblPos val="nextTo"/>
-        <c:crossAx val="45403136"/>
+        <c:crossAx val="119396608"/>
         <c:crosses val="autoZero"/>
         <c:auto val="1"/>
         <c:lblAlgn val="ctr"/>
@@ -256,18 +308,27 @@
         <c:noMultiLvlLbl val="0"/>
       </c:catAx>
       <c:valAx>
-        <c:axId val="45403136"/>
+        <c:axId val="119396608"/>
         <c:scaling>
           <c:orientation val="minMax"/>
         </c:scaling>
         <c:delete val="0"/>
         <c:axPos val="l"/>
-        <c:majorGridlines/>
         <c:numFmt formatCode="General" sourceLinked="1"/>
         <c:majorTickMark val="out"/>
         <c:minorTickMark val="none"/>
         <c:tickLblPos val="nextTo"/>
-        <c:crossAx val="45401600"/>
+        <c:txPr>
+          <a:bodyPr/>
+          <a:lstStyle/>
+          <a:p>
+            <a:pPr>
+              <a:defRPr b="1"/>
+            </a:pPr>
+            <a:endParaRPr lang="ja-JP"/>
+          </a:p>
+        </c:txPr>
+        <c:crossAx val="119395072"/>
         <c:crosses val="autoZero"/>
         <c:crossBetween val="between"/>
       </c:valAx>
@@ -283,74 +344,20 @@
       </a:solidFill>
     </a:ln>
   </c:spPr>
-  <c:txPr>
-    <a:bodyPr/>
-    <a:lstStyle/>
-    <a:p>
-      <a:pPr>
-        <a:defRPr sz="1800" b="1"/>
-      </a:pPr>
-      <a:endParaRPr lang="ja-JP"/>
-    </a:p>
-  </c:txPr>
   <c:externalData r:id="rId2">
     <c:autoUpdate val="0"/>
   </c:externalData>
-  <c:userShapes r:id="rId3"/>
+  <c:extLst>
+    <c:ext xmlns:c14="http://schemas.microsoft.com/office/drawing/2007/8/2/chart" uri="{781A3756-C4B2-4CAC-9D66-4F8BD8637D16}">
+      <c14:pivotOptions>
+        <c14:dropZoneFilter val="1"/>
+        <c14:dropZoneCategories val="1"/>
+        <c14:dropZoneData val="1"/>
+        <c14:dropZonesVisible val="1"/>
+      </c14:pivotOptions>
+    </c:ext>
+  </c:extLst>
 </c:chartSpace>
-</file>
-
-<file path=ppt/drawings/drawing1.xml><?xml version="1.0" encoding="utf-8"?>
-<c:userShapes xmlns:c="http://schemas.openxmlformats.org/drawingml/2006/chart">
-  <cdr:relSizeAnchor xmlns:cdr="http://schemas.openxmlformats.org/drawingml/2006/chartDrawing">
-    <cdr:from>
-      <cdr:x>0.42293</cdr:x>
-      <cdr:y>0.86353</cdr:y>
-    </cdr:from>
-    <cdr:to>
-      <cdr:x>0.64447</cdr:x>
-      <cdr:y>0.97235</cdr:y>
-    </cdr:to>
-    <cdr:sp macro="" textlink="">
-      <cdr:nvSpPr>
-        <cdr:cNvPr id="2" name="テキスト ボックス 1"/>
-        <cdr:cNvSpPr txBox="1"/>
-      </cdr:nvSpPr>
-      <cdr:spPr>
-        <a:xfrm xmlns:a="http://schemas.openxmlformats.org/drawingml/2006/main">
-          <a:off x="4772310" y="3720637"/>
-          <a:ext cx="2499921" cy="468832"/>
-        </a:xfrm>
-        <a:prstGeom xmlns:a="http://schemas.openxmlformats.org/drawingml/2006/main" prst="rect">
-          <a:avLst/>
-        </a:prstGeom>
-      </cdr:spPr>
-      <cdr:txBody>
-        <a:bodyPr xmlns:a="http://schemas.openxmlformats.org/drawingml/2006/main" vertOverflow="clip" wrap="square" rtlCol="0"/>
-        <a:lstStyle xmlns:a="http://schemas.openxmlformats.org/drawingml/2006/main"/>
-        <a:p xmlns:a="http://schemas.openxmlformats.org/drawingml/2006/main">
-          <a:r>
-            <a:rPr lang="ja-JP" altLang="en-US" sz="2400" dirty="0" smtClean="0"/>
-            <a:t>閲覧回数　</a:t>
-          </a:r>
-          <a:r>
-            <a:rPr lang="en-US" altLang="ja-JP" sz="2400" dirty="0" smtClean="0"/>
-            <a:t>(</a:t>
-          </a:r>
-          <a:r>
-            <a:rPr lang="ja-JP" altLang="en-US" sz="2400" dirty="0" smtClean="0"/>
-            <a:t>回</a:t>
-          </a:r>
-          <a:r>
-            <a:rPr lang="en-US" altLang="ja-JP" sz="2400" dirty="0" smtClean="0"/>
-            <a:t>)</a:t>
-          </a:r>
-          <a:endParaRPr lang="ja-JP" altLang="en-US" sz="2400" dirty="0"/>
-        </a:p>
-      </cdr:txBody>
-    </cdr:sp>
-  </cdr:relSizeAnchor>
-</c:userShapes>
 </file>
 
 <file path=ppt/slideLayouts/slideLayout1.xml><?xml version="1.0" encoding="utf-8"?>
@@ -3646,7 +3653,7 @@
         </p:nvSpPr>
         <p:spPr>
           <a:xfrm>
-            <a:off x="636229" y="450355"/>
+            <a:off x="595900" y="450355"/>
             <a:ext cx="20305069" cy="3974956"/>
           </a:xfrm>
           <a:solidFill>
@@ -3710,7 +3717,7 @@
         </p:nvSpPr>
         <p:spPr>
           <a:xfrm>
-            <a:off x="559568" y="4770835"/>
+            <a:off x="537666" y="4770835"/>
             <a:ext cx="6552728" cy="1569660"/>
           </a:xfrm>
           <a:prstGeom prst="rect">
@@ -3752,7 +3759,7 @@
         </p:nvSpPr>
         <p:spPr>
           <a:xfrm>
-            <a:off x="324921" y="15748764"/>
+            <a:off x="537666" y="15724128"/>
             <a:ext cx="6552728" cy="1569660"/>
           </a:xfrm>
           <a:prstGeom prst="rect">
@@ -3790,7 +3797,7 @@
         </p:nvSpPr>
         <p:spPr>
           <a:xfrm>
-            <a:off x="509429" y="25448993"/>
+            <a:off x="537666" y="25448993"/>
             <a:ext cx="8512469" cy="1569660"/>
           </a:xfrm>
           <a:prstGeom prst="rect">
@@ -3828,7 +3835,7 @@
         </p:nvSpPr>
         <p:spPr>
           <a:xfrm>
-            <a:off x="319323" y="17732275"/>
+            <a:off x="537666" y="17754066"/>
             <a:ext cx="19931979" cy="2646878"/>
           </a:xfrm>
           <a:prstGeom prst="rect">
@@ -4597,7 +4604,7 @@
         </p:nvSpPr>
         <p:spPr>
           <a:xfrm>
-            <a:off x="559568" y="6797934"/>
+            <a:off x="537666" y="6797934"/>
             <a:ext cx="20237066" cy="5078313"/>
           </a:xfrm>
           <a:prstGeom prst="rect">
@@ -4716,8 +4723,8 @@
         </p:nvSpPr>
         <p:spPr>
           <a:xfrm>
-            <a:off x="555570" y="21284444"/>
-            <a:ext cx="2265644" cy="984885"/>
+            <a:off x="691585" y="20715711"/>
+            <a:ext cx="1640886" cy="984885"/>
           </a:xfrm>
           <a:prstGeom prst="rect">
             <a:avLst/>
@@ -4831,72 +4838,6 @@
           </a:p>
         </p:txBody>
       </p:sp>
-      <p:graphicFrame>
-        <p:nvGraphicFramePr>
-          <p:cNvPr id="32" name="グラフ 31"/>
-          <p:cNvGraphicFramePr>
-            <a:graphicFrameLocks/>
-          </p:cNvGraphicFramePr>
-          <p:nvPr>
-            <p:extLst>
-              <p:ext uri="{D42A27DB-BD31-4B8C-83A1-F6EECF244321}">
-                <p14:modId xmlns:p14="http://schemas.microsoft.com/office/powerpoint/2010/main" val="2678655558"/>
-              </p:ext>
-            </p:extLst>
-          </p:nvPr>
-        </p:nvGraphicFramePr>
-        <p:xfrm>
-          <a:off x="8901850" y="20583041"/>
-          <a:ext cx="11569828" cy="4062002"/>
-        </p:xfrm>
-        <a:graphic>
-          <a:graphicData uri="http://schemas.openxmlformats.org/drawingml/2006/chart">
-            <c:chart xmlns:c="http://schemas.openxmlformats.org/drawingml/2006/chart" xmlns:r="http://schemas.openxmlformats.org/officeDocument/2006/relationships" r:id="rId3"/>
-          </a:graphicData>
-        </a:graphic>
-      </p:graphicFrame>
-      <p:sp>
-        <p:nvSpPr>
-          <p:cNvPr id="23" name="テキスト ボックス 22"/>
-          <p:cNvSpPr txBox="1"/>
-          <p:nvPr/>
-        </p:nvSpPr>
-        <p:spPr>
-          <a:xfrm>
-            <a:off x="9093174" y="20583041"/>
-            <a:ext cx="1778206" cy="461665"/>
-          </a:xfrm>
-          <a:prstGeom prst="rect">
-            <a:avLst/>
-          </a:prstGeom>
-          <a:noFill/>
-        </p:spPr>
-        <p:txBody>
-          <a:bodyPr wrap="square" rtlCol="0">
-            <a:spAutoFit/>
-          </a:bodyPr>
-          <a:lstStyle/>
-          <a:p>
-            <a:r>
-              <a:rPr kumimoji="1" lang="ja-JP" altLang="en-US" sz="2400" dirty="0" smtClean="0"/>
-              <a:t>日数　</a:t>
-            </a:r>
-            <a:r>
-              <a:rPr kumimoji="1" lang="en-US" altLang="ja-JP" sz="2400" dirty="0" smtClean="0"/>
-              <a:t>(</a:t>
-            </a:r>
-            <a:r>
-              <a:rPr kumimoji="1" lang="ja-JP" altLang="en-US" sz="2400" dirty="0" smtClean="0"/>
-              <a:t>日</a:t>
-            </a:r>
-            <a:r>
-              <a:rPr kumimoji="1" lang="en-US" altLang="ja-JP" sz="2400" dirty="0" smtClean="0"/>
-              <a:t>)</a:t>
-            </a:r>
-            <a:endParaRPr kumimoji="1" lang="ja-JP" altLang="en-US" sz="2400" dirty="0"/>
-          </a:p>
-        </p:txBody>
-      </p:sp>
       <p:sp>
         <p:nvSpPr>
           <p:cNvPr id="26" name="テキスト ボックス 25"/>
@@ -4905,7 +4846,7 @@
         </p:nvSpPr>
         <p:spPr>
           <a:xfrm>
-            <a:off x="18374340" y="20813873"/>
+            <a:off x="18533475" y="20715711"/>
             <a:ext cx="1635479" cy="923330"/>
           </a:xfrm>
           <a:prstGeom prst="rect">
@@ -4976,11 +4917,7 @@
             </a:r>
             <a:r>
               <a:rPr kumimoji="1" lang="en-US" altLang="ja-JP" sz="2800" dirty="0" smtClean="0"/>
-              <a:t>1</a:t>
-            </a:r>
-            <a:r>
-              <a:rPr kumimoji="1" lang="en-US" altLang="ja-JP" sz="2800" dirty="0" smtClean="0"/>
-              <a:t>.</a:t>
+              <a:t>1.</a:t>
             </a:r>
             <a:r>
               <a:rPr lang="ja-JP" altLang="en-US" sz="2800" dirty="0" smtClean="0"/>
@@ -5007,11 +4944,7 @@
             </a:r>
             <a:r>
               <a:rPr lang="en-US" altLang="ja-JP" sz="2800" dirty="0" smtClean="0"/>
-              <a:t>1</a:t>
-            </a:r>
-            <a:r>
-              <a:rPr lang="en-US" altLang="ja-JP" sz="2800" dirty="0" smtClean="0"/>
-              <a:t>.</a:t>
+              <a:t>1.</a:t>
             </a:r>
             <a:r>
               <a:rPr lang="ja-JP" altLang="en-US" sz="2800" dirty="0" smtClean="0"/>
@@ -5022,13 +4955,13 @@
           <a:p>
             <a:r>
               <a:rPr lang="en-US" altLang="ja-JP" sz="2800" dirty="0" smtClean="0">
-                <a:hlinkClick r:id="rId4"/>
+                <a:hlinkClick r:id="rId3"/>
               </a:rPr>
               <a:t>http</a:t>
             </a:r>
             <a:r>
               <a:rPr lang="en-US" altLang="ja-JP" sz="2800" dirty="0">
-                <a:hlinkClick r:id="rId4"/>
+                <a:hlinkClick r:id="rId3"/>
               </a:rPr>
               <a:t>://ja.wikipedia.org/wiki/%E3%83%92%E3%82%B9%E3%83%88%E3%82%B0%E3%83%A9%E3%83%A0</a:t>
             </a:r>
@@ -5060,514 +4993,703 @@
           </a:p>
         </p:txBody>
       </p:sp>
+      <p:graphicFrame>
+        <p:nvGraphicFramePr>
+          <p:cNvPr id="29" name="グラフ 28"/>
+          <p:cNvGraphicFramePr>
+            <a:graphicFrameLocks/>
+          </p:cNvGraphicFramePr>
+          <p:nvPr>
+            <p:extLst>
+              <p:ext uri="{D42A27DB-BD31-4B8C-83A1-F6EECF244321}">
+                <p14:modId xmlns:p14="http://schemas.microsoft.com/office/powerpoint/2010/main" val="3225705967"/>
+              </p:ext>
+            </p:extLst>
+          </p:nvPr>
+        </p:nvGraphicFramePr>
+        <p:xfrm>
+          <a:off x="9228688" y="20598645"/>
+          <a:ext cx="11177277" cy="4222971"/>
+        </p:xfrm>
+        <a:graphic>
+          <a:graphicData uri="http://schemas.openxmlformats.org/drawingml/2006/chart">
+            <c:chart xmlns:c="http://schemas.openxmlformats.org/drawingml/2006/chart" xmlns:r="http://schemas.openxmlformats.org/officeDocument/2006/relationships" r:id="rId4"/>
+          </a:graphicData>
+        </a:graphic>
+      </p:graphicFrame>
+      <p:sp>
+        <p:nvSpPr>
+          <p:cNvPr id="23" name="テキスト ボックス 22"/>
+          <p:cNvSpPr txBox="1"/>
+          <p:nvPr/>
+        </p:nvSpPr>
+        <p:spPr>
+          <a:xfrm>
+            <a:off x="9228688" y="20715711"/>
+            <a:ext cx="889103" cy="276999"/>
+          </a:xfrm>
+          <a:prstGeom prst="rect">
+            <a:avLst/>
+          </a:prstGeom>
+          <a:noFill/>
+        </p:spPr>
+        <p:txBody>
+          <a:bodyPr wrap="square" rtlCol="0">
+            <a:spAutoFit/>
+          </a:bodyPr>
+          <a:lstStyle/>
+          <a:p>
+            <a:r>
+              <a:rPr kumimoji="1" lang="ja-JP" altLang="en-US" sz="1200" b="1" dirty="0" smtClean="0"/>
+              <a:t>日数　</a:t>
+            </a:r>
+            <a:r>
+              <a:rPr kumimoji="1" lang="en-US" altLang="ja-JP" sz="1200" b="1" dirty="0" smtClean="0"/>
+              <a:t>(</a:t>
+            </a:r>
+            <a:r>
+              <a:rPr kumimoji="1" lang="ja-JP" altLang="en-US" sz="1200" b="1" dirty="0" smtClean="0"/>
+              <a:t>日</a:t>
+            </a:r>
+            <a:r>
+              <a:rPr kumimoji="1" lang="en-US" altLang="ja-JP" sz="1200" b="1" dirty="0" smtClean="0"/>
+              <a:t>)</a:t>
+            </a:r>
+            <a:endParaRPr kumimoji="1" lang="ja-JP" altLang="en-US" sz="1200" b="1" dirty="0"/>
+          </a:p>
+        </p:txBody>
+      </p:sp>
+      <p:sp>
+        <p:nvSpPr>
+          <p:cNvPr id="10" name="テキスト ボックス 9"/>
+          <p:cNvSpPr txBox="1"/>
+          <p:nvPr/>
+        </p:nvSpPr>
+        <p:spPr>
+          <a:xfrm>
+            <a:off x="14987054" y="24438017"/>
+            <a:ext cx="800737" cy="276999"/>
+          </a:xfrm>
+          <a:prstGeom prst="rect">
+            <a:avLst/>
+          </a:prstGeom>
+          <a:noFill/>
+        </p:spPr>
+        <p:txBody>
+          <a:bodyPr wrap="square" rtlCol="0">
+            <a:spAutoFit/>
+          </a:bodyPr>
+          <a:lstStyle/>
+          <a:p>
+            <a:r>
+              <a:rPr kumimoji="1" lang="ja-JP" altLang="en-US" sz="1200" b="1" dirty="0" smtClean="0"/>
+              <a:t>閲覧回数</a:t>
+            </a:r>
+            <a:endParaRPr kumimoji="1" lang="ja-JP" altLang="en-US" sz="1200" b="1" dirty="0"/>
+          </a:p>
+        </p:txBody>
+      </p:sp>
       <p:grpSp>
         <p:nvGrpSpPr>
-          <p:cNvPr id="28" name="グループ化 27"/>
+          <p:cNvPr id="30" name="グループ化 29"/>
           <p:cNvGrpSpPr/>
           <p:nvPr/>
         </p:nvGrpSpPr>
         <p:grpSpPr>
           <a:xfrm>
-            <a:off x="8342237" y="12105528"/>
-            <a:ext cx="12385376" cy="4518895"/>
-            <a:chOff x="7165008" y="12462259"/>
-            <a:chExt cx="13018152" cy="4770525"/>
+            <a:off x="7185506" y="12362067"/>
+            <a:ext cx="13609724" cy="4764222"/>
+            <a:chOff x="7185506" y="12362067"/>
+            <a:chExt cx="13609724" cy="4764222"/>
           </a:xfrm>
         </p:grpSpPr>
+        <p:grpSp>
+          <p:nvGrpSpPr>
+            <p:cNvPr id="28" name="グループ化 27"/>
+            <p:cNvGrpSpPr/>
+            <p:nvPr/>
+          </p:nvGrpSpPr>
+          <p:grpSpPr>
+            <a:xfrm>
+              <a:off x="7185506" y="12362067"/>
+              <a:ext cx="13609724" cy="4670325"/>
+              <a:chOff x="7165008" y="12462259"/>
+              <a:chExt cx="12116687" cy="4770525"/>
+            </a:xfrm>
+          </p:grpSpPr>
+          <p:sp>
+            <p:nvSpPr>
+              <p:cNvPr id="5" name="右矢印 4"/>
+              <p:cNvSpPr/>
+              <p:nvPr/>
+            </p:nvSpPr>
+            <p:spPr>
+              <a:xfrm rot="16200000">
+                <a:off x="6442851" y="14692049"/>
+                <a:ext cx="2266245" cy="247647"/>
+              </a:xfrm>
+              <a:prstGeom prst="rightArrow">
+                <a:avLst/>
+              </a:prstGeom>
+              <a:solidFill>
+                <a:schemeClr val="tx1"/>
+              </a:solidFill>
+              <a:ln>
+                <a:solidFill>
+                  <a:schemeClr val="tx1"/>
+                </a:solidFill>
+              </a:ln>
+            </p:spPr>
+            <p:style>
+              <a:lnRef idx="2">
+                <a:schemeClr val="accent1">
+                  <a:shade val="50000"/>
+                </a:schemeClr>
+              </a:lnRef>
+              <a:fillRef idx="1">
+                <a:schemeClr val="accent1"/>
+              </a:fillRef>
+              <a:effectRef idx="0">
+                <a:schemeClr val="accent1"/>
+              </a:effectRef>
+              <a:fontRef idx="minor">
+                <a:schemeClr val="lt1"/>
+              </a:fontRef>
+            </p:style>
+            <p:txBody>
+              <a:bodyPr rtlCol="0" anchor="ctr"/>
+              <a:lstStyle/>
+              <a:p>
+                <a:pPr algn="ctr"/>
+                <a:endParaRPr kumimoji="1" lang="ja-JP" altLang="en-US"/>
+              </a:p>
+            </p:txBody>
+          </p:sp>
+          <p:sp>
+            <p:nvSpPr>
+              <p:cNvPr id="8" name="角丸四角形 7"/>
+              <p:cNvSpPr/>
+              <p:nvPr/>
+            </p:nvSpPr>
+            <p:spPr>
+              <a:xfrm>
+                <a:off x="7176104" y="16082380"/>
+                <a:ext cx="4658327" cy="1150404"/>
+              </a:xfrm>
+              <a:prstGeom prst="roundRect">
+                <a:avLst/>
+              </a:prstGeom>
+              <a:solidFill>
+                <a:schemeClr val="bg1"/>
+              </a:solidFill>
+              <a:ln>
+                <a:solidFill>
+                  <a:schemeClr val="tx1"/>
+                </a:solidFill>
+              </a:ln>
+            </p:spPr>
+            <p:style>
+              <a:lnRef idx="2">
+                <a:schemeClr val="accent1">
+                  <a:shade val="50000"/>
+                </a:schemeClr>
+              </a:lnRef>
+              <a:fillRef idx="1">
+                <a:schemeClr val="accent1"/>
+              </a:fillRef>
+              <a:effectRef idx="0">
+                <a:schemeClr val="accent1"/>
+              </a:effectRef>
+              <a:fontRef idx="minor">
+                <a:schemeClr val="lt1"/>
+              </a:fontRef>
+            </p:style>
+            <p:txBody>
+              <a:bodyPr rtlCol="0" anchor="ctr"/>
+              <a:lstStyle/>
+              <a:p>
+                <a:pPr algn="ctr"/>
+                <a:r>
+                  <a:rPr kumimoji="1" lang="ja-JP" altLang="en-US" sz="3600" b="1" dirty="0" smtClean="0">
+                    <a:solidFill>
+                      <a:schemeClr val="tx1"/>
+                    </a:solidFill>
+                  </a:rPr>
+                  <a:t>ボランティアの人々</a:t>
+                </a:r>
+                <a:endParaRPr kumimoji="1" lang="ja-JP" altLang="en-US" sz="3600" b="1" dirty="0">
+                  <a:solidFill>
+                    <a:schemeClr val="tx1"/>
+                  </a:solidFill>
+                </a:endParaRPr>
+              </a:p>
+            </p:txBody>
+          </p:sp>
+          <p:sp>
+            <p:nvSpPr>
+              <p:cNvPr id="9" name="右矢印 8"/>
+              <p:cNvSpPr/>
+              <p:nvPr/>
+            </p:nvSpPr>
+            <p:spPr>
+              <a:xfrm>
+                <a:off x="11928996" y="12567851"/>
+                <a:ext cx="2601474" cy="346549"/>
+              </a:xfrm>
+              <a:prstGeom prst="rightArrow">
+                <a:avLst/>
+              </a:prstGeom>
+              <a:solidFill>
+                <a:schemeClr val="tx1"/>
+              </a:solidFill>
+              <a:ln>
+                <a:solidFill>
+                  <a:schemeClr val="tx1"/>
+                </a:solidFill>
+              </a:ln>
+            </p:spPr>
+            <p:style>
+              <a:lnRef idx="2">
+                <a:schemeClr val="accent1">
+                  <a:shade val="50000"/>
+                </a:schemeClr>
+              </a:lnRef>
+              <a:fillRef idx="1">
+                <a:schemeClr val="accent1"/>
+              </a:fillRef>
+              <a:effectRef idx="0">
+                <a:schemeClr val="accent1"/>
+              </a:effectRef>
+              <a:fontRef idx="minor">
+                <a:schemeClr val="lt1"/>
+              </a:fontRef>
+            </p:style>
+            <p:txBody>
+              <a:bodyPr rtlCol="0" anchor="ctr"/>
+              <a:lstStyle/>
+              <a:p>
+                <a:pPr algn="ctr"/>
+                <a:endParaRPr kumimoji="1" lang="ja-JP" altLang="en-US">
+                  <a:solidFill>
+                    <a:schemeClr val="tx1"/>
+                  </a:solidFill>
+                </a:endParaRPr>
+              </a:p>
+            </p:txBody>
+          </p:sp>
+          <p:sp>
+            <p:nvSpPr>
+              <p:cNvPr id="14" name="上下矢印 13"/>
+              <p:cNvSpPr/>
+              <p:nvPr/>
+            </p:nvSpPr>
+            <p:spPr>
+              <a:xfrm flipH="1">
+                <a:off x="15043338" y="13681614"/>
+                <a:ext cx="313584" cy="2184118"/>
+              </a:xfrm>
+              <a:prstGeom prst="upDownArrow">
+                <a:avLst/>
+              </a:prstGeom>
+              <a:solidFill>
+                <a:schemeClr val="tx1"/>
+              </a:solidFill>
+              <a:ln>
+                <a:solidFill>
+                  <a:schemeClr val="tx1"/>
+                </a:solidFill>
+              </a:ln>
+            </p:spPr>
+            <p:style>
+              <a:lnRef idx="2">
+                <a:schemeClr val="accent1">
+                  <a:shade val="50000"/>
+                </a:schemeClr>
+              </a:lnRef>
+              <a:fillRef idx="1">
+                <a:schemeClr val="accent1"/>
+              </a:fillRef>
+              <a:effectRef idx="0">
+                <a:schemeClr val="accent1"/>
+              </a:effectRef>
+              <a:fontRef idx="minor">
+                <a:schemeClr val="lt1"/>
+              </a:fontRef>
+            </p:style>
+            <p:txBody>
+              <a:bodyPr rtlCol="0" anchor="ctr"/>
+              <a:lstStyle/>
+              <a:p>
+                <a:pPr algn="ctr"/>
+                <a:endParaRPr kumimoji="1" lang="ja-JP" altLang="en-US">
+                  <a:solidFill>
+                    <a:schemeClr val="tx1"/>
+                  </a:solidFill>
+                </a:endParaRPr>
+              </a:p>
+            </p:txBody>
+          </p:sp>
+          <p:sp>
+            <p:nvSpPr>
+              <p:cNvPr id="31" name="右矢印 30"/>
+              <p:cNvSpPr/>
+              <p:nvPr/>
+            </p:nvSpPr>
+            <p:spPr>
+              <a:xfrm rot="10800000">
+                <a:off x="11899154" y="16082378"/>
+                <a:ext cx="2601475" cy="328836"/>
+              </a:xfrm>
+              <a:prstGeom prst="rightArrow">
+                <a:avLst/>
+              </a:prstGeom>
+              <a:solidFill>
+                <a:schemeClr val="tx1"/>
+              </a:solidFill>
+              <a:ln>
+                <a:solidFill>
+                  <a:schemeClr val="tx1"/>
+                </a:solidFill>
+              </a:ln>
+            </p:spPr>
+            <p:style>
+              <a:lnRef idx="2">
+                <a:schemeClr val="accent1">
+                  <a:shade val="50000"/>
+                </a:schemeClr>
+              </a:lnRef>
+              <a:fillRef idx="1">
+                <a:schemeClr val="accent1"/>
+              </a:fillRef>
+              <a:effectRef idx="0">
+                <a:schemeClr val="accent1"/>
+              </a:effectRef>
+              <a:fontRef idx="minor">
+                <a:schemeClr val="lt1"/>
+              </a:fontRef>
+            </p:style>
+            <p:txBody>
+              <a:bodyPr rtlCol="0" anchor="ctr"/>
+              <a:lstStyle/>
+              <a:p>
+                <a:pPr algn="ctr"/>
+                <a:endParaRPr kumimoji="1" lang="ja-JP" altLang="en-US">
+                  <a:solidFill>
+                    <a:schemeClr val="tx1"/>
+                  </a:solidFill>
+                </a:endParaRPr>
+              </a:p>
+            </p:txBody>
+          </p:sp>
+          <p:sp>
+            <p:nvSpPr>
+              <p:cNvPr id="21" name="角丸四角形 20"/>
+              <p:cNvSpPr/>
+              <p:nvPr/>
+            </p:nvSpPr>
+            <p:spPr>
+              <a:xfrm>
+                <a:off x="7165008" y="12462260"/>
+                <a:ext cx="4680520" cy="1093551"/>
+              </a:xfrm>
+              <a:prstGeom prst="roundRect">
+                <a:avLst/>
+              </a:prstGeom>
+              <a:solidFill>
+                <a:schemeClr val="bg1"/>
+              </a:solidFill>
+              <a:ln>
+                <a:solidFill>
+                  <a:schemeClr val="tx1"/>
+                </a:solidFill>
+              </a:ln>
+            </p:spPr>
+            <p:style>
+              <a:lnRef idx="2">
+                <a:schemeClr val="accent1">
+                  <a:shade val="50000"/>
+                </a:schemeClr>
+              </a:lnRef>
+              <a:fillRef idx="1">
+                <a:schemeClr val="accent1"/>
+              </a:fillRef>
+              <a:effectRef idx="0">
+                <a:schemeClr val="accent1"/>
+              </a:effectRef>
+              <a:fontRef idx="minor">
+                <a:schemeClr val="lt1"/>
+              </a:fontRef>
+            </p:style>
+            <p:txBody>
+              <a:bodyPr rtlCol="0" anchor="ctr"/>
+              <a:lstStyle/>
+              <a:p>
+                <a:pPr algn="ctr"/>
+                <a:r>
+                  <a:rPr lang="en-US" altLang="ja-JP" sz="3600" b="1" dirty="0">
+                    <a:solidFill>
+                      <a:schemeClr val="tx1"/>
+                    </a:solidFill>
+                  </a:rPr>
+                  <a:t>Wikipedia</a:t>
+                </a:r>
+              </a:p>
+            </p:txBody>
+          </p:sp>
+          <p:sp>
+            <p:nvSpPr>
+              <p:cNvPr id="33" name="角丸四角形 32"/>
+              <p:cNvSpPr/>
+              <p:nvPr/>
+            </p:nvSpPr>
+            <p:spPr>
+              <a:xfrm>
+                <a:off x="14601175" y="12462259"/>
+                <a:ext cx="4680520" cy="1093551"/>
+              </a:xfrm>
+              <a:prstGeom prst="roundRect">
+                <a:avLst/>
+              </a:prstGeom>
+              <a:solidFill>
+                <a:schemeClr val="bg1"/>
+              </a:solidFill>
+              <a:ln>
+                <a:solidFill>
+                  <a:schemeClr val="tx1"/>
+                </a:solidFill>
+              </a:ln>
+            </p:spPr>
+            <p:style>
+              <a:lnRef idx="2">
+                <a:schemeClr val="accent1">
+                  <a:shade val="50000"/>
+                </a:schemeClr>
+              </a:lnRef>
+              <a:fillRef idx="1">
+                <a:schemeClr val="accent1"/>
+              </a:fillRef>
+              <a:effectRef idx="0">
+                <a:schemeClr val="accent1"/>
+              </a:effectRef>
+              <a:fontRef idx="minor">
+                <a:schemeClr val="lt1"/>
+              </a:fontRef>
+            </p:style>
+            <p:txBody>
+              <a:bodyPr rtlCol="0" anchor="ctr"/>
+              <a:lstStyle/>
+              <a:p>
+                <a:pPr algn="ctr"/>
+                <a:r>
+                  <a:rPr lang="ja-JP" altLang="en-US" sz="3600" b="1" dirty="0" smtClean="0">
+                    <a:solidFill>
+                      <a:schemeClr val="tx1"/>
+                    </a:solidFill>
+                  </a:rPr>
+                  <a:t>大規模</a:t>
+                </a:r>
+                <a:r>
+                  <a:rPr lang="ja-JP" altLang="en-US" sz="3600" b="1" dirty="0">
+                    <a:solidFill>
+                      <a:schemeClr val="tx1"/>
+                    </a:solidFill>
+                  </a:rPr>
+                  <a:t>プロジェクト</a:t>
+                </a:r>
+                <a:endParaRPr lang="en-US" altLang="ja-JP" sz="3600" b="1" dirty="0">
+                  <a:solidFill>
+                    <a:schemeClr val="tx1"/>
+                  </a:solidFill>
+                </a:endParaRPr>
+              </a:p>
+            </p:txBody>
+          </p:sp>
+          <p:sp>
+            <p:nvSpPr>
+              <p:cNvPr id="34" name="角丸四角形 33"/>
+              <p:cNvSpPr/>
+              <p:nvPr/>
+            </p:nvSpPr>
+            <p:spPr>
+              <a:xfrm>
+                <a:off x="14570137" y="16043346"/>
+                <a:ext cx="4680520" cy="1093551"/>
+              </a:xfrm>
+              <a:prstGeom prst="roundRect">
+                <a:avLst/>
+              </a:prstGeom>
+              <a:solidFill>
+                <a:schemeClr val="bg1"/>
+              </a:solidFill>
+              <a:ln>
+                <a:solidFill>
+                  <a:schemeClr val="tx1"/>
+                </a:solidFill>
+              </a:ln>
+            </p:spPr>
+            <p:style>
+              <a:lnRef idx="2">
+                <a:schemeClr val="accent1">
+                  <a:shade val="50000"/>
+                </a:schemeClr>
+              </a:lnRef>
+              <a:fillRef idx="1">
+                <a:schemeClr val="accent1"/>
+              </a:fillRef>
+              <a:effectRef idx="0">
+                <a:schemeClr val="accent1"/>
+              </a:effectRef>
+              <a:fontRef idx="minor">
+                <a:schemeClr val="lt1"/>
+              </a:fontRef>
+            </p:style>
+            <p:txBody>
+              <a:bodyPr rtlCol="0" anchor="ctr"/>
+              <a:lstStyle/>
+              <a:p>
+                <a:pPr algn="ctr"/>
+                <a:r>
+                  <a:rPr lang="ja-JP" altLang="en-US" sz="3600" b="1" dirty="0">
+                    <a:solidFill>
+                      <a:schemeClr val="tx1"/>
+                    </a:solidFill>
+                  </a:rPr>
+                  <a:t>プロジェクト</a:t>
+                </a:r>
+                <a:r>
+                  <a:rPr lang="ja-JP" altLang="en-US" sz="3600" b="1" dirty="0" smtClean="0">
+                    <a:solidFill>
+                      <a:schemeClr val="tx1"/>
+                    </a:solidFill>
+                  </a:rPr>
+                  <a:t>マネジメント</a:t>
+                </a:r>
+                <a:endParaRPr lang="ja-JP" altLang="en-US" sz="3600" b="1" dirty="0">
+                  <a:solidFill>
+                    <a:schemeClr val="tx1"/>
+                  </a:solidFill>
+                </a:endParaRPr>
+              </a:p>
+            </p:txBody>
+          </p:sp>
+        </p:grpSp>
         <p:sp>
           <p:nvSpPr>
-            <p:cNvPr id="5" name="右矢印 4"/>
-            <p:cNvSpPr/>
+            <p:cNvPr id="13" name="テキスト ボックス 12"/>
+            <p:cNvSpPr txBox="1"/>
             <p:nvPr/>
           </p:nvSpPr>
           <p:spPr>
-            <a:xfrm rot="16200000">
-              <a:off x="8761673" y="14178779"/>
-              <a:ext cx="1415329" cy="1107992"/>
+            <a:xfrm>
+              <a:off x="8031494" y="14491915"/>
+              <a:ext cx="2631908" cy="461665"/>
             </a:xfrm>
-            <a:prstGeom prst="rightArrow">
+            <a:prstGeom prst="rect">
               <a:avLst/>
             </a:prstGeom>
-            <a:solidFill>
-              <a:schemeClr val="tx1"/>
-            </a:solidFill>
-            <a:ln>
-              <a:solidFill>
-                <a:schemeClr val="tx1"/>
-              </a:solidFill>
-            </a:ln>
+            <a:noFill/>
           </p:spPr>
-          <p:style>
-            <a:lnRef idx="2">
-              <a:schemeClr val="accent1">
-                <a:shade val="50000"/>
-              </a:schemeClr>
-            </a:lnRef>
-            <a:fillRef idx="1">
-              <a:schemeClr val="accent1"/>
-            </a:fillRef>
-            <a:effectRef idx="0">
-              <a:schemeClr val="accent1"/>
-            </a:effectRef>
-            <a:fontRef idx="minor">
-              <a:schemeClr val="lt1"/>
-            </a:fontRef>
-          </p:style>
           <p:txBody>
-            <a:bodyPr rtlCol="0" anchor="ctr"/>
+            <a:bodyPr wrap="square" rtlCol="0">
+              <a:spAutoFit/>
+            </a:bodyPr>
             <a:lstStyle/>
             <a:p>
-              <a:pPr algn="ctr"/>
-              <a:endParaRPr kumimoji="1" lang="ja-JP" altLang="en-US"/>
+              <a:r>
+                <a:rPr kumimoji="1" lang="ja-JP" altLang="en-US" sz="2400" dirty="0" smtClean="0"/>
+                <a:t>・協力で作成される</a:t>
+              </a:r>
+              <a:endParaRPr kumimoji="1" lang="ja-JP" altLang="en-US" sz="2400" dirty="0"/>
             </a:p>
           </p:txBody>
         </p:sp>
         <p:sp>
           <p:nvSpPr>
-            <p:cNvPr id="8" name="角丸四角形 7"/>
-            <p:cNvSpPr/>
+            <p:cNvPr id="15" name="テキスト ボックス 14"/>
+            <p:cNvSpPr txBox="1"/>
             <p:nvPr/>
           </p:nvSpPr>
           <p:spPr>
             <a:xfrm>
-              <a:off x="7176104" y="16082380"/>
-              <a:ext cx="4658327" cy="1150404"/>
+              <a:off x="16517251" y="14569486"/>
+              <a:ext cx="2016224" cy="461665"/>
             </a:xfrm>
-            <a:prstGeom prst="roundRect">
+            <a:prstGeom prst="rect">
               <a:avLst/>
             </a:prstGeom>
-            <a:solidFill>
-              <a:schemeClr val="bg1"/>
-            </a:solidFill>
-            <a:ln>
-              <a:solidFill>
-                <a:schemeClr val="tx1"/>
-              </a:solidFill>
-            </a:ln>
+            <a:noFill/>
           </p:spPr>
-          <p:style>
-            <a:lnRef idx="2">
-              <a:schemeClr val="accent1">
-                <a:shade val="50000"/>
-              </a:schemeClr>
-            </a:lnRef>
-            <a:fillRef idx="1">
-              <a:schemeClr val="accent1"/>
-            </a:fillRef>
-            <a:effectRef idx="0">
-              <a:schemeClr val="accent1"/>
-            </a:effectRef>
-            <a:fontRef idx="minor">
-              <a:schemeClr val="lt1"/>
-            </a:fontRef>
-          </p:style>
           <p:txBody>
-            <a:bodyPr rtlCol="0" anchor="ctr"/>
+            <a:bodyPr wrap="square" rtlCol="0">
+              <a:spAutoFit/>
+            </a:bodyPr>
             <a:lstStyle/>
             <a:p>
-              <a:pPr algn="ctr"/>
               <a:r>
-                <a:rPr kumimoji="1" lang="ja-JP" altLang="en-US" sz="3600" b="1" dirty="0" smtClean="0">
-                  <a:solidFill>
-                    <a:schemeClr val="tx1"/>
-                  </a:solidFill>
-                </a:rPr>
-                <a:t>ボランティアの人々</a:t>
+                <a:rPr kumimoji="1" lang="ja-JP" altLang="en-US" sz="2400" dirty="0" smtClean="0"/>
+                <a:t>・関係している</a:t>
               </a:r>
-              <a:endParaRPr kumimoji="1" lang="ja-JP" altLang="en-US" sz="3600" b="1" dirty="0">
-                <a:solidFill>
-                  <a:schemeClr val="tx1"/>
-                </a:solidFill>
-              </a:endParaRPr>
+              <a:endParaRPr kumimoji="1" lang="ja-JP" altLang="en-US" sz="2400" dirty="0"/>
             </a:p>
           </p:txBody>
         </p:sp>
         <p:sp>
           <p:nvSpPr>
-            <p:cNvPr id="9" name="右矢印 8"/>
-            <p:cNvSpPr/>
+            <p:cNvPr id="16" name="テキスト ボックス 15"/>
+            <p:cNvSpPr txBox="1"/>
             <p:nvPr/>
           </p:nvSpPr>
           <p:spPr>
-            <a:xfrm rot="10800000">
-              <a:off x="12256937" y="12562294"/>
-              <a:ext cx="1081332" cy="782064"/>
+            <a:xfrm>
+              <a:off x="12573612" y="13141398"/>
+              <a:ext cx="2880320" cy="461665"/>
             </a:xfrm>
-            <a:prstGeom prst="rightArrow">
+            <a:prstGeom prst="rect">
               <a:avLst/>
             </a:prstGeom>
-            <a:solidFill>
-              <a:schemeClr val="tx1"/>
-            </a:solidFill>
-            <a:ln>
-              <a:solidFill>
-                <a:schemeClr val="tx1"/>
-              </a:solidFill>
-            </a:ln>
+            <a:noFill/>
           </p:spPr>
-          <p:style>
-            <a:lnRef idx="2">
-              <a:schemeClr val="accent1">
-                <a:shade val="50000"/>
-              </a:schemeClr>
-            </a:lnRef>
-            <a:fillRef idx="1">
-              <a:schemeClr val="accent1"/>
-            </a:fillRef>
-            <a:effectRef idx="0">
-              <a:schemeClr val="accent1"/>
-            </a:effectRef>
-            <a:fontRef idx="minor">
-              <a:schemeClr val="lt1"/>
-            </a:fontRef>
-          </p:style>
           <p:txBody>
-            <a:bodyPr rtlCol="0" anchor="ctr"/>
+            <a:bodyPr wrap="square" rtlCol="0">
+              <a:spAutoFit/>
+            </a:bodyPr>
             <a:lstStyle/>
             <a:p>
-              <a:pPr algn="ctr"/>
-              <a:endParaRPr kumimoji="1" lang="ja-JP" altLang="en-US">
-                <a:solidFill>
-                  <a:schemeClr val="tx1"/>
-                </a:solidFill>
-              </a:endParaRPr>
+              <a:r>
+                <a:rPr kumimoji="1" lang="ja-JP" altLang="en-US" sz="2400" dirty="0" smtClean="0"/>
+                <a:t>・大きく成長したため</a:t>
+              </a:r>
+              <a:endParaRPr kumimoji="1" lang="ja-JP" altLang="en-US" sz="2400" dirty="0"/>
             </a:p>
           </p:txBody>
         </p:sp>
         <p:sp>
           <p:nvSpPr>
-            <p:cNvPr id="14" name="上下矢印 13"/>
-            <p:cNvSpPr/>
+            <p:cNvPr id="25" name="テキスト ボックス 24"/>
+            <p:cNvSpPr txBox="1"/>
             <p:nvPr/>
           </p:nvSpPr>
           <p:spPr>
             <a:xfrm>
-              <a:off x="13983888" y="13940563"/>
-              <a:ext cx="844424" cy="1499876"/>
+              <a:off x="12482505" y="16664624"/>
+              <a:ext cx="6173484" cy="461665"/>
             </a:xfrm>
-            <a:prstGeom prst="upDownArrow">
+            <a:prstGeom prst="rect">
               <a:avLst/>
             </a:prstGeom>
-            <a:solidFill>
-              <a:schemeClr val="tx1"/>
-            </a:solidFill>
-            <a:ln>
-              <a:solidFill>
-                <a:schemeClr val="tx1"/>
-              </a:solidFill>
-            </a:ln>
+            <a:noFill/>
           </p:spPr>
-          <p:style>
-            <a:lnRef idx="2">
-              <a:schemeClr val="accent1">
-                <a:shade val="50000"/>
-              </a:schemeClr>
-            </a:lnRef>
-            <a:fillRef idx="1">
-              <a:schemeClr val="accent1"/>
-            </a:fillRef>
-            <a:effectRef idx="0">
-              <a:schemeClr val="accent1"/>
-            </a:effectRef>
-            <a:fontRef idx="minor">
-              <a:schemeClr val="lt1"/>
-            </a:fontRef>
-          </p:style>
           <p:txBody>
-            <a:bodyPr rtlCol="0" anchor="ctr"/>
+            <a:bodyPr wrap="square" rtlCol="0">
+              <a:spAutoFit/>
+            </a:bodyPr>
             <a:lstStyle/>
             <a:p>
-              <a:pPr algn="ctr"/>
-              <a:endParaRPr kumimoji="1" lang="ja-JP" altLang="en-US">
-                <a:solidFill>
-                  <a:schemeClr val="tx1"/>
-                </a:solidFill>
-              </a:endParaRPr>
-            </a:p>
-          </p:txBody>
-        </p:sp>
-        <p:sp>
-          <p:nvSpPr>
-            <p:cNvPr id="31" name="右矢印 30"/>
-            <p:cNvSpPr/>
-            <p:nvPr/>
-          </p:nvSpPr>
-          <p:spPr>
-            <a:xfrm rot="10800000">
-              <a:off x="12257241" y="16199090"/>
-              <a:ext cx="1081332" cy="782064"/>
-            </a:xfrm>
-            <a:prstGeom prst="rightArrow">
-              <a:avLst/>
-            </a:prstGeom>
-            <a:solidFill>
-              <a:schemeClr val="tx1"/>
-            </a:solidFill>
-            <a:ln>
-              <a:solidFill>
-                <a:schemeClr val="tx1"/>
-              </a:solidFill>
-            </a:ln>
-          </p:spPr>
-          <p:style>
-            <a:lnRef idx="2">
-              <a:schemeClr val="accent1">
-                <a:shade val="50000"/>
-              </a:schemeClr>
-            </a:lnRef>
-            <a:fillRef idx="1">
-              <a:schemeClr val="accent1"/>
-            </a:fillRef>
-            <a:effectRef idx="0">
-              <a:schemeClr val="accent1"/>
-            </a:effectRef>
-            <a:fontRef idx="minor">
-              <a:schemeClr val="lt1"/>
-            </a:fontRef>
-          </p:style>
-          <p:txBody>
-            <a:bodyPr rtlCol="0" anchor="ctr"/>
-            <a:lstStyle/>
-            <a:p>
-              <a:pPr algn="ctr"/>
-              <a:endParaRPr kumimoji="1" lang="ja-JP" altLang="en-US">
-                <a:solidFill>
-                  <a:schemeClr val="tx1"/>
-                </a:solidFill>
-              </a:endParaRPr>
-            </a:p>
-          </p:txBody>
-        </p:sp>
-        <p:sp>
-          <p:nvSpPr>
-            <p:cNvPr id="21" name="角丸四角形 20"/>
-            <p:cNvSpPr/>
-            <p:nvPr/>
-          </p:nvSpPr>
-          <p:spPr>
-            <a:xfrm>
-              <a:off x="7165008" y="12462260"/>
-              <a:ext cx="4680520" cy="1093551"/>
-            </a:xfrm>
-            <a:prstGeom prst="roundRect">
-              <a:avLst/>
-            </a:prstGeom>
-            <a:solidFill>
-              <a:schemeClr val="bg1"/>
-            </a:solidFill>
-            <a:ln>
-              <a:solidFill>
-                <a:schemeClr val="tx1"/>
-              </a:solidFill>
-            </a:ln>
-          </p:spPr>
-          <p:style>
-            <a:lnRef idx="2">
-              <a:schemeClr val="accent1">
-                <a:shade val="50000"/>
-              </a:schemeClr>
-            </a:lnRef>
-            <a:fillRef idx="1">
-              <a:schemeClr val="accent1"/>
-            </a:fillRef>
-            <a:effectRef idx="0">
-              <a:schemeClr val="accent1"/>
-            </a:effectRef>
-            <a:fontRef idx="minor">
-              <a:schemeClr val="lt1"/>
-            </a:fontRef>
-          </p:style>
-          <p:txBody>
-            <a:bodyPr rtlCol="0" anchor="ctr"/>
-            <a:lstStyle/>
-            <a:p>
-              <a:pPr algn="ctr"/>
               <a:r>
-                <a:rPr lang="en-US" altLang="ja-JP" sz="3600" b="1" dirty="0">
-                  <a:solidFill>
-                    <a:schemeClr val="tx1"/>
-                  </a:solidFill>
-                </a:rPr>
-                <a:t>Wikipedia</a:t>
+                <a:rPr kumimoji="1" lang="ja-JP" altLang="en-US" sz="2400" dirty="0" smtClean="0"/>
+                <a:t>・人的資源マネジメント</a:t>
               </a:r>
-            </a:p>
-          </p:txBody>
-        </p:sp>
-        <p:sp>
-          <p:nvSpPr>
-            <p:cNvPr id="33" name="角丸四角形 32"/>
-            <p:cNvSpPr/>
-            <p:nvPr/>
-          </p:nvSpPr>
-          <p:spPr>
-            <a:xfrm>
-              <a:off x="14601175" y="12462259"/>
-              <a:ext cx="4680520" cy="1093551"/>
-            </a:xfrm>
-            <a:prstGeom prst="roundRect">
-              <a:avLst/>
-            </a:prstGeom>
-            <a:solidFill>
-              <a:schemeClr val="bg1"/>
-            </a:solidFill>
-            <a:ln>
-              <a:solidFill>
-                <a:schemeClr val="tx1"/>
-              </a:solidFill>
-            </a:ln>
-          </p:spPr>
-          <p:style>
-            <a:lnRef idx="2">
-              <a:schemeClr val="accent1">
-                <a:shade val="50000"/>
-              </a:schemeClr>
-            </a:lnRef>
-            <a:fillRef idx="1">
-              <a:schemeClr val="accent1"/>
-            </a:fillRef>
-            <a:effectRef idx="0">
-              <a:schemeClr val="accent1"/>
-            </a:effectRef>
-            <a:fontRef idx="minor">
-              <a:schemeClr val="lt1"/>
-            </a:fontRef>
-          </p:style>
-          <p:txBody>
-            <a:bodyPr rtlCol="0" anchor="ctr"/>
-            <a:lstStyle/>
-            <a:p>
-              <a:pPr algn="ctr"/>
-              <a:r>
-                <a:rPr lang="ja-JP" altLang="en-US" sz="3600" b="1" dirty="0" smtClean="0">
-                  <a:solidFill>
-                    <a:schemeClr val="tx1"/>
-                  </a:solidFill>
-                </a:rPr>
-                <a:t>大規模</a:t>
-              </a:r>
-              <a:r>
-                <a:rPr lang="ja-JP" altLang="en-US" sz="3600" b="1" dirty="0">
-                  <a:solidFill>
-                    <a:schemeClr val="tx1"/>
-                  </a:solidFill>
-                </a:rPr>
-                <a:t>プロジェクト</a:t>
-              </a:r>
-              <a:endParaRPr lang="en-US" altLang="ja-JP" sz="3600" b="1" dirty="0">
-                <a:solidFill>
-                  <a:schemeClr val="tx1"/>
-                </a:solidFill>
-              </a:endParaRPr>
-            </a:p>
-          </p:txBody>
-        </p:sp>
-        <p:sp>
-          <p:nvSpPr>
-            <p:cNvPr id="34" name="角丸四角形 33"/>
-            <p:cNvSpPr/>
-            <p:nvPr/>
-          </p:nvSpPr>
-          <p:spPr>
-            <a:xfrm>
-              <a:off x="14570137" y="16043346"/>
-              <a:ext cx="4680520" cy="1093551"/>
-            </a:xfrm>
-            <a:prstGeom prst="roundRect">
-              <a:avLst/>
-            </a:prstGeom>
-            <a:solidFill>
-              <a:schemeClr val="bg1"/>
-            </a:solidFill>
-            <a:ln>
-              <a:solidFill>
-                <a:schemeClr val="tx1"/>
-              </a:solidFill>
-            </a:ln>
-          </p:spPr>
-          <p:style>
-            <a:lnRef idx="2">
-              <a:schemeClr val="accent1">
-                <a:shade val="50000"/>
-              </a:schemeClr>
-            </a:lnRef>
-            <a:fillRef idx="1">
-              <a:schemeClr val="accent1"/>
-            </a:fillRef>
-            <a:effectRef idx="0">
-              <a:schemeClr val="accent1"/>
-            </a:effectRef>
-            <a:fontRef idx="minor">
-              <a:schemeClr val="lt1"/>
-            </a:fontRef>
-          </p:style>
-          <p:txBody>
-            <a:bodyPr rtlCol="0" anchor="ctr"/>
-            <a:lstStyle/>
-            <a:p>
-              <a:pPr algn="ctr"/>
-              <a:r>
-                <a:rPr lang="ja-JP" altLang="en-US" sz="3600" b="1" dirty="0">
-                  <a:solidFill>
-                    <a:schemeClr val="tx1"/>
-                  </a:solidFill>
-                </a:rPr>
-                <a:t>人的資源マネジメント</a:t>
-              </a:r>
-            </a:p>
-          </p:txBody>
-        </p:sp>
-        <p:sp>
-          <p:nvSpPr>
-            <p:cNvPr id="22" name="角丸四角形 21"/>
-            <p:cNvSpPr/>
-            <p:nvPr/>
-          </p:nvSpPr>
-          <p:spPr>
-            <a:xfrm>
-              <a:off x="15251166" y="14156711"/>
-              <a:ext cx="4931994" cy="1152128"/>
-            </a:xfrm>
-            <a:prstGeom prst="roundRect">
-              <a:avLst/>
-            </a:prstGeom>
-            <a:solidFill>
-              <a:schemeClr val="bg1"/>
-            </a:solidFill>
-          </p:spPr>
-          <p:style>
-            <a:lnRef idx="2">
-              <a:schemeClr val="accent1">
-                <a:shade val="50000"/>
-              </a:schemeClr>
-            </a:lnRef>
-            <a:fillRef idx="1">
-              <a:schemeClr val="accent1"/>
-            </a:fillRef>
-            <a:effectRef idx="0">
-              <a:schemeClr val="accent1"/>
-            </a:effectRef>
-            <a:fontRef idx="minor">
-              <a:schemeClr val="lt1"/>
-            </a:fontRef>
-          </p:style>
-          <p:txBody>
-            <a:bodyPr rtlCol="0" anchor="ctr"/>
-            <a:lstStyle/>
-            <a:p>
-              <a:pPr algn="ctr"/>
-              <a:r>
-                <a:rPr kumimoji="1" lang="ja-JP" altLang="en-US" sz="3600" b="1" dirty="0" smtClean="0">
-                  <a:solidFill>
-                    <a:schemeClr val="tx1"/>
-                  </a:solidFill>
-                </a:rPr>
-                <a:t>プロジェクトマネジメント</a:t>
-              </a:r>
-              <a:endParaRPr kumimoji="1" lang="ja-JP" altLang="en-US" sz="3600" b="1" dirty="0">
-                <a:solidFill>
-                  <a:schemeClr val="tx1"/>
-                </a:solidFill>
-              </a:endParaRPr>
+              <a:endParaRPr kumimoji="1" lang="ja-JP" altLang="en-US" sz="2400" dirty="0"/>
             </a:p>
           </p:txBody>
         </p:sp>
